--- a/doc/Online Learning System.pptx
+++ b/doc/Online Learning System.pptx
@@ -4,16 +4,21 @@
   <p:sldMasterIdLst>
     <p:sldMasterId id="2147483660" r:id="rId1"/>
   </p:sldMasterIdLst>
+  <p:notesMasterIdLst>
+    <p:notesMasterId r:id="rId13"/>
+  </p:notesMasterIdLst>
   <p:sldIdLst>
     <p:sldId id="256" r:id="rId2"/>
     <p:sldId id="267" r:id="rId3"/>
     <p:sldId id="280" r:id="rId4"/>
     <p:sldId id="282" r:id="rId5"/>
     <p:sldId id="275" r:id="rId6"/>
-    <p:sldId id="283" r:id="rId7"/>
-    <p:sldId id="273" r:id="rId8"/>
-    <p:sldId id="266" r:id="rId9"/>
-    <p:sldId id="279" r:id="rId10"/>
+    <p:sldId id="284" r:id="rId7"/>
+    <p:sldId id="285" r:id="rId8"/>
+    <p:sldId id="273" r:id="rId9"/>
+    <p:sldId id="283" r:id="rId10"/>
+    <p:sldId id="266" r:id="rId11"/>
+    <p:sldId id="279" r:id="rId12"/>
   </p:sldIdLst>
   <p:sldSz cx="12192000" cy="6858000"/>
   <p:notesSz cx="6858000" cy="9144000"/>
@@ -120,6 +125,355 @@
 </p:presentation>
 </file>
 
+<file path=ppt/notesMasters/notesMaster1.xml><?xml version="1.0" encoding="utf-8"?>
+<p:notesMaster xmlns:a="http://schemas.openxmlformats.org/drawingml/2006/main" xmlns:r="http://schemas.openxmlformats.org/officeDocument/2006/relationships" xmlns:p="http://schemas.openxmlformats.org/presentationml/2006/main">
+  <p:cSld>
+    <p:bg>
+      <p:bgRef idx="1001">
+        <a:schemeClr val="bg1"/>
+      </p:bgRef>
+    </p:bg>
+    <p:spTree>
+      <p:nvGrpSpPr>
+        <p:cNvPr id="1" name=""/>
+        <p:cNvGrpSpPr/>
+        <p:nvPr/>
+      </p:nvGrpSpPr>
+      <p:grpSpPr>
+        <a:xfrm>
+          <a:off x="0" y="0"/>
+          <a:ext cx="0" cy="0"/>
+          <a:chOff x="0" y="0"/>
+          <a:chExt cx="0" cy="0"/>
+        </a:xfrm>
+      </p:grpSpPr>
+      <p:sp>
+        <p:nvSpPr>
+          <p:cNvPr id="2" name="머리글 개체 틀 1"/>
+          <p:cNvSpPr>
+            <a:spLocks noGrp="1"/>
+          </p:cNvSpPr>
+          <p:nvPr>
+            <p:ph type="hdr" sz="quarter"/>
+          </p:nvPr>
+        </p:nvSpPr>
+        <p:spPr>
+          <a:xfrm>
+            <a:off x="0" y="0"/>
+            <a:ext cx="2971800" cy="458788"/>
+          </a:xfrm>
+          <a:prstGeom prst="rect">
+            <a:avLst/>
+          </a:prstGeom>
+        </p:spPr>
+        <p:txBody>
+          <a:bodyPr vert="horz" lIns="91440" tIns="45720" rIns="91440" bIns="45720" rtlCol="0"/>
+          <a:lstStyle>
+            <a:lvl1pPr algn="l">
+              <a:defRPr sz="1200"/>
+            </a:lvl1pPr>
+          </a:lstStyle>
+          <a:p>
+            <a:endParaRPr lang="ko-KR" altLang="en-US"/>
+          </a:p>
+        </p:txBody>
+      </p:sp>
+      <p:sp>
+        <p:nvSpPr>
+          <p:cNvPr id="3" name="날짜 개체 틀 2"/>
+          <p:cNvSpPr>
+            <a:spLocks noGrp="1"/>
+          </p:cNvSpPr>
+          <p:nvPr>
+            <p:ph type="dt" idx="1"/>
+          </p:nvPr>
+        </p:nvSpPr>
+        <p:spPr>
+          <a:xfrm>
+            <a:off x="3884613" y="0"/>
+            <a:ext cx="2971800" cy="458788"/>
+          </a:xfrm>
+          <a:prstGeom prst="rect">
+            <a:avLst/>
+          </a:prstGeom>
+        </p:spPr>
+        <p:txBody>
+          <a:bodyPr vert="horz" lIns="91440" tIns="45720" rIns="91440" bIns="45720" rtlCol="0"/>
+          <a:lstStyle>
+            <a:lvl1pPr algn="r">
+              <a:defRPr sz="1200"/>
+            </a:lvl1pPr>
+          </a:lstStyle>
+          <a:p>
+            <a:fld id="{7A02DC45-86A4-4C3E-9D9E-A8D9AC81F0AD}" type="datetimeFigureOut">
+              <a:rPr lang="ko-KR" altLang="en-US" smtClean="0"/>
+              <a:t>2022-05-27</a:t>
+            </a:fld>
+            <a:endParaRPr lang="ko-KR" altLang="en-US"/>
+          </a:p>
+        </p:txBody>
+      </p:sp>
+      <p:sp>
+        <p:nvSpPr>
+          <p:cNvPr id="4" name="슬라이드 이미지 개체 틀 3"/>
+          <p:cNvSpPr>
+            <a:spLocks noGrp="1" noRot="1" noChangeAspect="1"/>
+          </p:cNvSpPr>
+          <p:nvPr>
+            <p:ph type="sldImg" idx="2"/>
+          </p:nvPr>
+        </p:nvSpPr>
+        <p:spPr>
+          <a:xfrm>
+            <a:off x="685800" y="1143000"/>
+            <a:ext cx="5486400" cy="3086100"/>
+          </a:xfrm>
+          <a:prstGeom prst="rect">
+            <a:avLst/>
+          </a:prstGeom>
+          <a:noFill/>
+          <a:ln w="12700">
+            <a:solidFill>
+              <a:prstClr val="black"/>
+            </a:solidFill>
+          </a:ln>
+        </p:spPr>
+        <p:txBody>
+          <a:bodyPr vert="horz" lIns="91440" tIns="45720" rIns="91440" bIns="45720" rtlCol="0" anchor="ctr"/>
+          <a:lstStyle/>
+          <a:p>
+            <a:endParaRPr lang="ko-KR" altLang="en-US"/>
+          </a:p>
+        </p:txBody>
+      </p:sp>
+      <p:sp>
+        <p:nvSpPr>
+          <p:cNvPr id="5" name="슬라이드 노트 개체 틀 4"/>
+          <p:cNvSpPr>
+            <a:spLocks noGrp="1"/>
+          </p:cNvSpPr>
+          <p:nvPr>
+            <p:ph type="body" sz="quarter" idx="3"/>
+          </p:nvPr>
+        </p:nvSpPr>
+        <p:spPr>
+          <a:xfrm>
+            <a:off x="685800" y="4400550"/>
+            <a:ext cx="5486400" cy="3600450"/>
+          </a:xfrm>
+          <a:prstGeom prst="rect">
+            <a:avLst/>
+          </a:prstGeom>
+        </p:spPr>
+        <p:txBody>
+          <a:bodyPr vert="horz" lIns="91440" tIns="45720" rIns="91440" bIns="45720" rtlCol="0"/>
+          <a:lstStyle/>
+          <a:p>
+            <a:pPr lvl="0"/>
+            <a:r>
+              <a:rPr lang="ko-KR" altLang="en-US"/>
+              <a:t>마스터 텍스트 스타일을 편집하려면 클릭</a:t>
+            </a:r>
+          </a:p>
+          <a:p>
+            <a:pPr lvl="1"/>
+            <a:r>
+              <a:rPr lang="ko-KR" altLang="en-US"/>
+              <a:t>두 번째 수준</a:t>
+            </a:r>
+          </a:p>
+          <a:p>
+            <a:pPr lvl="2"/>
+            <a:r>
+              <a:rPr lang="ko-KR" altLang="en-US"/>
+              <a:t>세 번째 수준</a:t>
+            </a:r>
+          </a:p>
+          <a:p>
+            <a:pPr lvl="3"/>
+            <a:r>
+              <a:rPr lang="ko-KR" altLang="en-US"/>
+              <a:t>네 번째 수준</a:t>
+            </a:r>
+          </a:p>
+          <a:p>
+            <a:pPr lvl="4"/>
+            <a:r>
+              <a:rPr lang="ko-KR" altLang="en-US"/>
+              <a:t>다섯 번째 수준</a:t>
+            </a:r>
+          </a:p>
+        </p:txBody>
+      </p:sp>
+      <p:sp>
+        <p:nvSpPr>
+          <p:cNvPr id="6" name="바닥글 개체 틀 5"/>
+          <p:cNvSpPr>
+            <a:spLocks noGrp="1"/>
+          </p:cNvSpPr>
+          <p:nvPr>
+            <p:ph type="ftr" sz="quarter" idx="4"/>
+          </p:nvPr>
+        </p:nvSpPr>
+        <p:spPr>
+          <a:xfrm>
+            <a:off x="0" y="8685213"/>
+            <a:ext cx="2971800" cy="458787"/>
+          </a:xfrm>
+          <a:prstGeom prst="rect">
+            <a:avLst/>
+          </a:prstGeom>
+        </p:spPr>
+        <p:txBody>
+          <a:bodyPr vert="horz" lIns="91440" tIns="45720" rIns="91440" bIns="45720" rtlCol="0" anchor="b"/>
+          <a:lstStyle>
+            <a:lvl1pPr algn="l">
+              <a:defRPr sz="1200"/>
+            </a:lvl1pPr>
+          </a:lstStyle>
+          <a:p>
+            <a:endParaRPr lang="ko-KR" altLang="en-US"/>
+          </a:p>
+        </p:txBody>
+      </p:sp>
+      <p:sp>
+        <p:nvSpPr>
+          <p:cNvPr id="7" name="슬라이드 번호 개체 틀 6"/>
+          <p:cNvSpPr>
+            <a:spLocks noGrp="1"/>
+          </p:cNvSpPr>
+          <p:nvPr>
+            <p:ph type="sldNum" sz="quarter" idx="5"/>
+          </p:nvPr>
+        </p:nvSpPr>
+        <p:spPr>
+          <a:xfrm>
+            <a:off x="3884613" y="8685213"/>
+            <a:ext cx="2971800" cy="458787"/>
+          </a:xfrm>
+          <a:prstGeom prst="rect">
+            <a:avLst/>
+          </a:prstGeom>
+        </p:spPr>
+        <p:txBody>
+          <a:bodyPr vert="horz" lIns="91440" tIns="45720" rIns="91440" bIns="45720" rtlCol="0" anchor="b"/>
+          <a:lstStyle>
+            <a:lvl1pPr algn="r">
+              <a:defRPr sz="1200"/>
+            </a:lvl1pPr>
+          </a:lstStyle>
+          <a:p>
+            <a:fld id="{1B594E59-29F5-41E9-8E20-167F92EF9F4C}" type="slidenum">
+              <a:rPr lang="ko-KR" altLang="en-US" smtClean="0"/>
+              <a:t>‹#›</a:t>
+            </a:fld>
+            <a:endParaRPr lang="ko-KR" altLang="en-US"/>
+          </a:p>
+        </p:txBody>
+      </p:sp>
+    </p:spTree>
+    <p:extLst>
+      <p:ext uri="{BB962C8B-B14F-4D97-AF65-F5344CB8AC3E}">
+        <p14:creationId xmlns:p14="http://schemas.microsoft.com/office/powerpoint/2010/main" val="885868334"/>
+      </p:ext>
+    </p:extLst>
+  </p:cSld>
+  <p:clrMap bg1="lt1" tx1="dk1" bg2="lt2" tx2="dk2" accent1="accent1" accent2="accent2" accent3="accent3" accent4="accent4" accent5="accent5" accent6="accent6" hlink="hlink" folHlink="folHlink"/>
+  <p:notesStyle>
+    <a:lvl1pPr marL="0" algn="l" defTabSz="914400" rtl="0" eaLnBrk="1" latinLnBrk="1" hangingPunct="1">
+      <a:defRPr sz="1200" kern="1200">
+        <a:solidFill>
+          <a:schemeClr val="tx1"/>
+        </a:solidFill>
+        <a:latin typeface="+mn-lt"/>
+        <a:ea typeface="+mn-ea"/>
+        <a:cs typeface="+mn-cs"/>
+      </a:defRPr>
+    </a:lvl1pPr>
+    <a:lvl2pPr marL="457200" algn="l" defTabSz="914400" rtl="0" eaLnBrk="1" latinLnBrk="1" hangingPunct="1">
+      <a:defRPr sz="1200" kern="1200">
+        <a:solidFill>
+          <a:schemeClr val="tx1"/>
+        </a:solidFill>
+        <a:latin typeface="+mn-lt"/>
+        <a:ea typeface="+mn-ea"/>
+        <a:cs typeface="+mn-cs"/>
+      </a:defRPr>
+    </a:lvl2pPr>
+    <a:lvl3pPr marL="914400" algn="l" defTabSz="914400" rtl="0" eaLnBrk="1" latinLnBrk="1" hangingPunct="1">
+      <a:defRPr sz="1200" kern="1200">
+        <a:solidFill>
+          <a:schemeClr val="tx1"/>
+        </a:solidFill>
+        <a:latin typeface="+mn-lt"/>
+        <a:ea typeface="+mn-ea"/>
+        <a:cs typeface="+mn-cs"/>
+      </a:defRPr>
+    </a:lvl3pPr>
+    <a:lvl4pPr marL="1371600" algn="l" defTabSz="914400" rtl="0" eaLnBrk="1" latinLnBrk="1" hangingPunct="1">
+      <a:defRPr sz="1200" kern="1200">
+        <a:solidFill>
+          <a:schemeClr val="tx1"/>
+        </a:solidFill>
+        <a:latin typeface="+mn-lt"/>
+        <a:ea typeface="+mn-ea"/>
+        <a:cs typeface="+mn-cs"/>
+      </a:defRPr>
+    </a:lvl4pPr>
+    <a:lvl5pPr marL="1828800" algn="l" defTabSz="914400" rtl="0" eaLnBrk="1" latinLnBrk="1" hangingPunct="1">
+      <a:defRPr sz="1200" kern="1200">
+        <a:solidFill>
+          <a:schemeClr val="tx1"/>
+        </a:solidFill>
+        <a:latin typeface="+mn-lt"/>
+        <a:ea typeface="+mn-ea"/>
+        <a:cs typeface="+mn-cs"/>
+      </a:defRPr>
+    </a:lvl5pPr>
+    <a:lvl6pPr marL="2286000" algn="l" defTabSz="914400" rtl="0" eaLnBrk="1" latinLnBrk="1" hangingPunct="1">
+      <a:defRPr sz="1200" kern="1200">
+        <a:solidFill>
+          <a:schemeClr val="tx1"/>
+        </a:solidFill>
+        <a:latin typeface="+mn-lt"/>
+        <a:ea typeface="+mn-ea"/>
+        <a:cs typeface="+mn-cs"/>
+      </a:defRPr>
+    </a:lvl6pPr>
+    <a:lvl7pPr marL="2743200" algn="l" defTabSz="914400" rtl="0" eaLnBrk="1" latinLnBrk="1" hangingPunct="1">
+      <a:defRPr sz="1200" kern="1200">
+        <a:solidFill>
+          <a:schemeClr val="tx1"/>
+        </a:solidFill>
+        <a:latin typeface="+mn-lt"/>
+        <a:ea typeface="+mn-ea"/>
+        <a:cs typeface="+mn-cs"/>
+      </a:defRPr>
+    </a:lvl7pPr>
+    <a:lvl8pPr marL="3200400" algn="l" defTabSz="914400" rtl="0" eaLnBrk="1" latinLnBrk="1" hangingPunct="1">
+      <a:defRPr sz="1200" kern="1200">
+        <a:solidFill>
+          <a:schemeClr val="tx1"/>
+        </a:solidFill>
+        <a:latin typeface="+mn-lt"/>
+        <a:ea typeface="+mn-ea"/>
+        <a:cs typeface="+mn-cs"/>
+      </a:defRPr>
+    </a:lvl8pPr>
+    <a:lvl9pPr marL="3657600" algn="l" defTabSz="914400" rtl="0" eaLnBrk="1" latinLnBrk="1" hangingPunct="1">
+      <a:defRPr sz="1200" kern="1200">
+        <a:solidFill>
+          <a:schemeClr val="tx1"/>
+        </a:solidFill>
+        <a:latin typeface="+mn-lt"/>
+        <a:ea typeface="+mn-ea"/>
+        <a:cs typeface="+mn-cs"/>
+      </a:defRPr>
+    </a:lvl9pPr>
+  </p:notesStyle>
+</p:notesMaster>
+</file>
+
 <file path=ppt/slideLayouts/slideLayout1.xml><?xml version="1.0" encoding="utf-8"?>
 <p:sldLayout xmlns:a="http://schemas.openxmlformats.org/drawingml/2006/main" xmlns:r="http://schemas.openxmlformats.org/officeDocument/2006/relationships" xmlns:p="http://schemas.openxmlformats.org/presentationml/2006/main" type="title" preserve="1">
   <p:cSld name="Title Slide">
@@ -257,9 +611,9 @@
           <a:bodyPr/>
           <a:lstStyle/>
           <a:p>
-            <a:fld id="{5D41252D-413F-4E93-B047-EBD009A8FD3D}" type="datetimeFigureOut">
-              <a:rPr lang="en-US" smtClean="0"/>
-              <a:t>5/26/2022</a:t>
+            <a:fld id="{CC699A4C-D789-48DC-9995-8907AC8FC1E1}" type="datetime1">
+              <a:rPr lang="en-US" altLang="ko-KR" smtClean="0"/>
+              <a:t>5/27/2022</a:t>
             </a:fld>
             <a:endParaRPr lang="en-US"/>
           </a:p>
@@ -468,9 +822,9 @@
           <a:bodyPr/>
           <a:lstStyle/>
           <a:p>
-            <a:fld id="{5D41252D-413F-4E93-B047-EBD009A8FD3D}" type="datetimeFigureOut">
-              <a:rPr lang="en-US" smtClean="0"/>
-              <a:t>5/26/2022</a:t>
+            <a:fld id="{594600A5-B44E-4FD0-8953-BEF9FAED45AB}" type="datetime1">
+              <a:rPr lang="en-US" altLang="ko-KR" smtClean="0"/>
+              <a:t>5/27/2022</a:t>
             </a:fld>
             <a:endParaRPr lang="en-US"/>
           </a:p>
@@ -683,9 +1037,9 @@
           <a:bodyPr/>
           <a:lstStyle/>
           <a:p>
-            <a:fld id="{5D41252D-413F-4E93-B047-EBD009A8FD3D}" type="datetimeFigureOut">
-              <a:rPr lang="en-US" smtClean="0"/>
-              <a:t>5/26/2022</a:t>
+            <a:fld id="{D68B64EB-D3FC-4B92-A2A3-9DFAE6F1F876}" type="datetime1">
+              <a:rPr lang="en-US" altLang="ko-KR" smtClean="0"/>
+              <a:t>5/27/2022</a:t>
             </a:fld>
             <a:endParaRPr lang="en-US"/>
           </a:p>
@@ -884,9 +1238,9 @@
           <a:bodyPr/>
           <a:lstStyle/>
           <a:p>
-            <a:fld id="{5D41252D-413F-4E93-B047-EBD009A8FD3D}" type="datetimeFigureOut">
-              <a:rPr lang="en-US" smtClean="0"/>
-              <a:t>5/26/2022</a:t>
+            <a:fld id="{137C715A-6B5F-4261-B363-1136B6B17870}" type="datetime1">
+              <a:rPr lang="en-US" altLang="ko-KR" smtClean="0"/>
+              <a:t>5/27/2022</a:t>
             </a:fld>
             <a:endParaRPr lang="en-US"/>
           </a:p>
@@ -1163,9 +1517,9 @@
           <a:bodyPr/>
           <a:lstStyle/>
           <a:p>
-            <a:fld id="{5D41252D-413F-4E93-B047-EBD009A8FD3D}" type="datetimeFigureOut">
-              <a:rPr lang="en-US" smtClean="0"/>
-              <a:t>5/26/2022</a:t>
+            <a:fld id="{805DE01D-0091-4041-BDA8-F3CDB4BB8872}" type="datetime1">
+              <a:rPr lang="en-US" altLang="ko-KR" smtClean="0"/>
+              <a:t>5/27/2022</a:t>
             </a:fld>
             <a:endParaRPr lang="en-US"/>
           </a:p>
@@ -1431,9 +1785,9 @@
           <a:bodyPr/>
           <a:lstStyle/>
           <a:p>
-            <a:fld id="{5D41252D-413F-4E93-B047-EBD009A8FD3D}" type="datetimeFigureOut">
-              <a:rPr lang="en-US" smtClean="0"/>
-              <a:t>5/26/2022</a:t>
+            <a:fld id="{522DCECE-410C-466F-8978-CA274026C0FC}" type="datetime1">
+              <a:rPr lang="en-US" altLang="ko-KR" smtClean="0"/>
+              <a:t>5/27/2022</a:t>
             </a:fld>
             <a:endParaRPr lang="en-US"/>
           </a:p>
@@ -1847,9 +2201,9 @@
           <a:bodyPr/>
           <a:lstStyle/>
           <a:p>
-            <a:fld id="{5D41252D-413F-4E93-B047-EBD009A8FD3D}" type="datetimeFigureOut">
-              <a:rPr lang="en-US" smtClean="0"/>
-              <a:t>5/26/2022</a:t>
+            <a:fld id="{6287546C-CB91-48BB-AA18-9E4537D36406}" type="datetime1">
+              <a:rPr lang="en-US" altLang="ko-KR" smtClean="0"/>
+              <a:t>5/27/2022</a:t>
             </a:fld>
             <a:endParaRPr lang="en-US"/>
           </a:p>
@@ -1996,9 +2350,9 @@
           <a:bodyPr/>
           <a:lstStyle/>
           <a:p>
-            <a:fld id="{5D41252D-413F-4E93-B047-EBD009A8FD3D}" type="datetimeFigureOut">
-              <a:rPr lang="en-US" smtClean="0"/>
-              <a:t>5/26/2022</a:t>
+            <a:fld id="{8D60BD64-D16C-448C-A0B0-81CE5E5A2E99}" type="datetime1">
+              <a:rPr lang="en-US" altLang="ko-KR" smtClean="0"/>
+              <a:t>5/27/2022</a:t>
             </a:fld>
             <a:endParaRPr lang="en-US"/>
           </a:p>
@@ -2122,9 +2476,9 @@
           <a:bodyPr/>
           <a:lstStyle/>
           <a:p>
-            <a:fld id="{5D41252D-413F-4E93-B047-EBD009A8FD3D}" type="datetimeFigureOut">
-              <a:rPr lang="en-US" smtClean="0"/>
-              <a:t>5/26/2022</a:t>
+            <a:fld id="{F0A9E5E0-2396-41A6-9118-4D6E81E16236}" type="datetime1">
+              <a:rPr lang="en-US" altLang="ko-KR" smtClean="0"/>
+              <a:t>5/27/2022</a:t>
             </a:fld>
             <a:endParaRPr lang="en-US"/>
           </a:p>
@@ -2373,9 +2727,9 @@
           <a:bodyPr/>
           <a:lstStyle/>
           <a:p>
-            <a:fld id="{5D41252D-413F-4E93-B047-EBD009A8FD3D}" type="datetimeFigureOut">
-              <a:rPr lang="en-US" smtClean="0"/>
-              <a:t>5/26/2022</a:t>
+            <a:fld id="{B0D9122D-6A9C-4FC9-84D0-3204644D423C}" type="datetime1">
+              <a:rPr lang="en-US" altLang="ko-KR" smtClean="0"/>
+              <a:t>5/27/2022</a:t>
             </a:fld>
             <a:endParaRPr lang="en-US"/>
           </a:p>
@@ -2818,9 +3172,9 @@
             </a:lvl1pPr>
           </a:lstStyle>
           <a:p>
-            <a:fld id="{5D41252D-413F-4E93-B047-EBD009A8FD3D}" type="datetimeFigureOut">
-              <a:rPr lang="en-US" smtClean="0"/>
-              <a:t>5/26/2022</a:t>
+            <a:fld id="{7092238A-F1E7-4833-A936-67CCD7CF0A22}" type="datetime1">
+              <a:rPr lang="en-US" altLang="ko-KR" smtClean="0"/>
+              <a:t>5/27/2022</a:t>
             </a:fld>
             <a:endParaRPr lang="en-US"/>
           </a:p>
@@ -3145,9 +3499,9 @@
             </a:lvl1pPr>
           </a:lstStyle>
           <a:p>
-            <a:fld id="{5D41252D-413F-4E93-B047-EBD009A8FD3D}" type="datetimeFigureOut">
-              <a:rPr lang="en-US" smtClean="0"/>
-              <a:t>5/26/2022</a:t>
+            <a:fld id="{90A19277-F2AB-417B-A7B9-34A00E50DFEC}" type="datetime1">
+              <a:rPr lang="en-US" altLang="ko-KR" smtClean="0"/>
+              <a:t>5/27/2022</a:t>
             </a:fld>
             <a:endParaRPr lang="en-US"/>
           </a:p>
@@ -3287,6 +3641,7 @@
     <p:sldLayoutId id="2147483670" r:id="rId10"/>
     <p:sldLayoutId id="2147483671" r:id="rId11"/>
   </p:sldLayoutIdLst>
+  <p:hf sldNum="0" hdr="0" ftr="0" dt="0"/>
   <p:txStyles>
     <p:titleStyle>
       <a:lvl1pPr algn="l" defTabSz="914400" rtl="0" eaLnBrk="1" latinLnBrk="0" hangingPunct="1">
@@ -3693,8 +4048,59 @@
           <a:p>
             <a:r>
               <a:rPr lang="en-US" dirty="0"/>
-              <a:t>– Group 6 –</a:t>
-            </a:r>
+              <a:t>– Team 6 –</a:t>
+            </a:r>
+          </a:p>
+          <a:p>
+            <a:r>
+              <a:rPr lang="ko-KR" altLang="en-US" dirty="0"/>
+              <a:t>김상민</a:t>
+            </a:r>
+            <a:r>
+              <a:rPr lang="en-US" altLang="ko-KR" dirty="0"/>
+              <a:t>, </a:t>
+            </a:r>
+            <a:r>
+              <a:rPr lang="ko-KR" altLang="en-US" dirty="0"/>
+              <a:t>김제현</a:t>
+            </a:r>
+            <a:r>
+              <a:rPr lang="en-US" altLang="ko-KR" dirty="0"/>
+              <a:t>, </a:t>
+            </a:r>
+            <a:r>
+              <a:rPr lang="ko-KR" altLang="en-US" dirty="0" err="1"/>
+              <a:t>김호연</a:t>
+            </a:r>
+            <a:r>
+              <a:rPr lang="en-US" altLang="ko-KR" dirty="0"/>
+              <a:t>, </a:t>
+            </a:r>
+            <a:r>
+              <a:rPr lang="ko-KR" altLang="en-US" dirty="0" err="1"/>
+              <a:t>박휘찬</a:t>
+            </a:r>
+            <a:r>
+              <a:rPr lang="en-US" altLang="ko-KR" dirty="0"/>
+              <a:t>, </a:t>
+            </a:r>
+            <a:r>
+              <a:rPr lang="ko-KR" altLang="en-US" dirty="0" err="1"/>
+              <a:t>신동휘</a:t>
+            </a:r>
+            <a:r>
+              <a:rPr lang="en-US" altLang="ko-KR" dirty="0"/>
+              <a:t>, </a:t>
+            </a:r>
+            <a:r>
+              <a:rPr lang="ko-KR" altLang="en-US" dirty="0" err="1"/>
+              <a:t>이지섭</a:t>
+            </a:r>
+            <a:r>
+              <a:rPr lang="en-US" altLang="ko-KR" dirty="0"/>
+              <a:t>, </a:t>
+            </a:r>
+            <a:endParaRPr lang="en-US" dirty="0"/>
           </a:p>
           <a:p>
             <a:endParaRPr lang="en-US" dirty="0"/>
@@ -3705,6 +4111,592 @@
     <p:extLst>
       <p:ext uri="{BB962C8B-B14F-4D97-AF65-F5344CB8AC3E}">
         <p14:creationId xmlns:p14="http://schemas.microsoft.com/office/powerpoint/2010/main" val="1466371705"/>
+      </p:ext>
+    </p:extLst>
+  </p:cSld>
+  <p:clrMapOvr>
+    <a:masterClrMapping/>
+  </p:clrMapOvr>
+</p:sld>
+</file>
+
+<file path=ppt/slides/slide10.xml><?xml version="1.0" encoding="utf-8"?>
+<p:sld xmlns:a="http://schemas.openxmlformats.org/drawingml/2006/main" xmlns:r="http://schemas.openxmlformats.org/officeDocument/2006/relationships" xmlns:p="http://schemas.openxmlformats.org/presentationml/2006/main">
+  <p:cSld>
+    <p:spTree>
+      <p:nvGrpSpPr>
+        <p:cNvPr id="1" name=""/>
+        <p:cNvGrpSpPr/>
+        <p:nvPr/>
+      </p:nvGrpSpPr>
+      <p:grpSpPr>
+        <a:xfrm>
+          <a:off x="0" y="0"/>
+          <a:ext cx="0" cy="0"/>
+          <a:chOff x="0" y="0"/>
+          <a:chExt cx="0" cy="0"/>
+        </a:xfrm>
+      </p:grpSpPr>
+      <p:sp>
+        <p:nvSpPr>
+          <p:cNvPr id="2" name="Title 1">
+            <a:extLst>
+              <a:ext uri="{FF2B5EF4-FFF2-40B4-BE49-F238E27FC236}">
+                <a16:creationId xmlns:a16="http://schemas.microsoft.com/office/drawing/2014/main" id="{BD8372BE-972E-4C6A-2684-A919DDCD61E4}"/>
+              </a:ext>
+            </a:extLst>
+          </p:cNvPr>
+          <p:cNvSpPr>
+            <a:spLocks noGrp="1"/>
+          </p:cNvSpPr>
+          <p:nvPr>
+            <p:ph type="title"/>
+          </p:nvPr>
+        </p:nvSpPr>
+        <p:spPr/>
+        <p:txBody>
+          <a:bodyPr/>
+          <a:lstStyle/>
+          <a:p>
+            <a:r>
+              <a:rPr lang="en-US" dirty="0"/>
+              <a:t>Container deployment</a:t>
+            </a:r>
+          </a:p>
+        </p:txBody>
+      </p:sp>
+      <p:sp>
+        <p:nvSpPr>
+          <p:cNvPr id="3" name="Content Placeholder 2">
+            <a:extLst>
+              <a:ext uri="{FF2B5EF4-FFF2-40B4-BE49-F238E27FC236}">
+                <a16:creationId xmlns:a16="http://schemas.microsoft.com/office/drawing/2014/main" id="{D4868C84-502F-3EEC-794E-AC847C0E965B}"/>
+              </a:ext>
+            </a:extLst>
+          </p:cNvPr>
+          <p:cNvSpPr>
+            <a:spLocks noGrp="1"/>
+          </p:cNvSpPr>
+          <p:nvPr>
+            <p:ph idx="1"/>
+          </p:nvPr>
+        </p:nvSpPr>
+        <p:spPr>
+          <a:xfrm>
+            <a:off x="1451579" y="2015732"/>
+            <a:ext cx="7437837" cy="3450613"/>
+          </a:xfrm>
+        </p:spPr>
+        <p:txBody>
+          <a:bodyPr/>
+          <a:lstStyle/>
+          <a:p>
+            <a:r>
+              <a:rPr lang="en-US" dirty="0"/>
+              <a:t>Dependency and Docker containers maintained by two </a:t>
+            </a:r>
+            <a:r>
+              <a:rPr lang="en-US" dirty="0">
+                <a:solidFill>
+                  <a:srgbClr val="FF0000"/>
+                </a:solidFill>
+              </a:rPr>
+              <a:t>shell scripts </a:t>
+            </a:r>
+            <a:r>
+              <a:rPr lang="en-US" i="1" dirty="0"/>
+              <a:t>run.sh</a:t>
+            </a:r>
+            <a:r>
+              <a:rPr lang="en-US" dirty="0"/>
+              <a:t> and </a:t>
+            </a:r>
+            <a:r>
+              <a:rPr lang="en-US" i="1" dirty="0"/>
+              <a:t>stop.sh</a:t>
+            </a:r>
+          </a:p>
+          <a:p>
+            <a:r>
+              <a:rPr lang="en-US" dirty="0"/>
+              <a:t>node:18, mysql:8, and python:3.10 </a:t>
+            </a:r>
+            <a:r>
+              <a:rPr lang="en-US" dirty="0">
+                <a:solidFill>
+                  <a:srgbClr val="FF0000"/>
+                </a:solidFill>
+              </a:rPr>
+              <a:t>container</a:t>
+            </a:r>
+            <a:r>
+              <a:rPr lang="en-US" dirty="0"/>
+              <a:t> executed by docker</a:t>
+            </a:r>
+          </a:p>
+          <a:p>
+            <a:r>
+              <a:rPr lang="en-US" dirty="0"/>
+              <a:t>Python container is </a:t>
+            </a:r>
+            <a:r>
+              <a:rPr lang="en-US" dirty="0">
+                <a:solidFill>
+                  <a:srgbClr val="FF0000"/>
+                </a:solidFill>
+              </a:rPr>
+              <a:t>volatile</a:t>
+            </a:r>
+            <a:r>
+              <a:rPr lang="en-US" dirty="0"/>
+              <a:t> alive, when code should be executed</a:t>
+            </a:r>
+          </a:p>
+        </p:txBody>
+      </p:sp>
+      <p:sp>
+        <p:nvSpPr>
+          <p:cNvPr id="5" name="Cylinder 7">
+            <a:extLst>
+              <a:ext uri="{FF2B5EF4-FFF2-40B4-BE49-F238E27FC236}">
+                <a16:creationId xmlns:a16="http://schemas.microsoft.com/office/drawing/2014/main" id="{12844170-062E-43D5-97FE-ABFB19D8ED40}"/>
+              </a:ext>
+            </a:extLst>
+          </p:cNvPr>
+          <p:cNvSpPr/>
+          <p:nvPr/>
+        </p:nvSpPr>
+        <p:spPr>
+          <a:xfrm>
+            <a:off x="9153187" y="2211017"/>
+            <a:ext cx="1385009" cy="1647646"/>
+          </a:xfrm>
+          <a:prstGeom prst="can">
+            <a:avLst/>
+          </a:prstGeom>
+        </p:spPr>
+        <p:style>
+          <a:lnRef idx="2">
+            <a:schemeClr val="accent5">
+              <a:shade val="50000"/>
+            </a:schemeClr>
+          </a:lnRef>
+          <a:fillRef idx="1">
+            <a:schemeClr val="accent5"/>
+          </a:fillRef>
+          <a:effectRef idx="0">
+            <a:schemeClr val="accent5"/>
+          </a:effectRef>
+          <a:fontRef idx="minor">
+            <a:schemeClr val="lt1"/>
+          </a:fontRef>
+        </p:style>
+        <p:txBody>
+          <a:bodyPr rtlCol="0" anchor="ctr"/>
+          <a:lstStyle/>
+          <a:p>
+            <a:pPr algn="ctr"/>
+            <a:r>
+              <a:rPr lang="en-US" dirty="0"/>
+              <a:t>Nodejs</a:t>
+            </a:r>
+          </a:p>
+          <a:p>
+            <a:pPr algn="ctr"/>
+            <a:r>
+              <a:rPr lang="en-US" dirty="0"/>
+              <a:t>Container</a:t>
+            </a:r>
+          </a:p>
+        </p:txBody>
+      </p:sp>
+      <p:sp>
+        <p:nvSpPr>
+          <p:cNvPr id="6" name="Cylinder 7">
+            <a:extLst>
+              <a:ext uri="{FF2B5EF4-FFF2-40B4-BE49-F238E27FC236}">
+                <a16:creationId xmlns:a16="http://schemas.microsoft.com/office/drawing/2014/main" id="{6B036313-551A-4FF6-994A-F17759674639}"/>
+              </a:ext>
+            </a:extLst>
+          </p:cNvPr>
+          <p:cNvSpPr/>
+          <p:nvPr/>
+        </p:nvSpPr>
+        <p:spPr>
+          <a:xfrm>
+            <a:off x="8196913" y="3925780"/>
+            <a:ext cx="1385009" cy="1647646"/>
+          </a:xfrm>
+          <a:prstGeom prst="can">
+            <a:avLst/>
+          </a:prstGeom>
+        </p:spPr>
+        <p:style>
+          <a:lnRef idx="2">
+            <a:schemeClr val="accent5">
+              <a:shade val="50000"/>
+            </a:schemeClr>
+          </a:lnRef>
+          <a:fillRef idx="1">
+            <a:schemeClr val="accent5"/>
+          </a:fillRef>
+          <a:effectRef idx="0">
+            <a:schemeClr val="accent5"/>
+          </a:effectRef>
+          <a:fontRef idx="minor">
+            <a:schemeClr val="lt1"/>
+          </a:fontRef>
+        </p:style>
+        <p:txBody>
+          <a:bodyPr rtlCol="0" anchor="ctr"/>
+          <a:lstStyle/>
+          <a:p>
+            <a:pPr algn="ctr"/>
+            <a:r>
+              <a:rPr lang="en-US" dirty="0" err="1"/>
+              <a:t>Mysql</a:t>
+            </a:r>
+            <a:endParaRPr lang="en-US" dirty="0"/>
+          </a:p>
+          <a:p>
+            <a:pPr algn="ctr"/>
+            <a:r>
+              <a:rPr lang="en-US" dirty="0"/>
+              <a:t>Container</a:t>
+            </a:r>
+          </a:p>
+        </p:txBody>
+      </p:sp>
+      <p:sp>
+        <p:nvSpPr>
+          <p:cNvPr id="7" name="Cylinder 7">
+            <a:extLst>
+              <a:ext uri="{FF2B5EF4-FFF2-40B4-BE49-F238E27FC236}">
+                <a16:creationId xmlns:a16="http://schemas.microsoft.com/office/drawing/2014/main" id="{1DFD144C-0FCD-4B76-B393-82EBC80854D9}"/>
+              </a:ext>
+            </a:extLst>
+          </p:cNvPr>
+          <p:cNvSpPr/>
+          <p:nvPr/>
+        </p:nvSpPr>
+        <p:spPr>
+          <a:xfrm>
+            <a:off x="10041603" y="3925780"/>
+            <a:ext cx="1385009" cy="1647646"/>
+          </a:xfrm>
+          <a:prstGeom prst="can">
+            <a:avLst/>
+          </a:prstGeom>
+          <a:solidFill>
+            <a:schemeClr val="accent6">
+              <a:lumMod val="60000"/>
+              <a:lumOff val="40000"/>
+            </a:schemeClr>
+          </a:solidFill>
+          <a:ln>
+            <a:prstDash val="dash"/>
+          </a:ln>
+        </p:spPr>
+        <p:style>
+          <a:lnRef idx="2">
+            <a:schemeClr val="accent5">
+              <a:shade val="50000"/>
+            </a:schemeClr>
+          </a:lnRef>
+          <a:fillRef idx="1">
+            <a:schemeClr val="accent5"/>
+          </a:fillRef>
+          <a:effectRef idx="0">
+            <a:schemeClr val="accent5"/>
+          </a:effectRef>
+          <a:fontRef idx="minor">
+            <a:schemeClr val="lt1"/>
+          </a:fontRef>
+        </p:style>
+        <p:txBody>
+          <a:bodyPr rtlCol="0" anchor="ctr"/>
+          <a:lstStyle/>
+          <a:p>
+            <a:pPr algn="ctr"/>
+            <a:r>
+              <a:rPr lang="en-US" dirty="0"/>
+              <a:t>Python3</a:t>
+            </a:r>
+          </a:p>
+          <a:p>
+            <a:pPr algn="ctr"/>
+            <a:r>
+              <a:rPr lang="en-US" dirty="0"/>
+              <a:t>Container</a:t>
+            </a:r>
+          </a:p>
+          <a:p>
+            <a:pPr algn="ctr"/>
+            <a:r>
+              <a:rPr lang="en-US" dirty="0"/>
+              <a:t>(volatility)</a:t>
+            </a:r>
+          </a:p>
+        </p:txBody>
+      </p:sp>
+      <p:cxnSp>
+        <p:nvCxnSpPr>
+          <p:cNvPr id="9" name="직선 화살표 연결선 8">
+            <a:extLst>
+              <a:ext uri="{FF2B5EF4-FFF2-40B4-BE49-F238E27FC236}">
+                <a16:creationId xmlns:a16="http://schemas.microsoft.com/office/drawing/2014/main" id="{0405F416-CB1C-44CB-A6B2-0CAB029D83DF}"/>
+              </a:ext>
+            </a:extLst>
+          </p:cNvPr>
+          <p:cNvCxnSpPr>
+            <a:endCxn id="5" idx="3"/>
+          </p:cNvCxnSpPr>
+          <p:nvPr/>
+        </p:nvCxnSpPr>
+        <p:spPr>
+          <a:xfrm flipV="1">
+            <a:off x="8889417" y="3858663"/>
+            <a:ext cx="956275" cy="256137"/>
+          </a:xfrm>
+          <a:prstGeom prst="straightConnector1">
+            <a:avLst/>
+          </a:prstGeom>
+          <a:ln w="28575">
+            <a:solidFill>
+              <a:schemeClr val="tx1"/>
+            </a:solidFill>
+            <a:headEnd type="triangle"/>
+            <a:tailEnd type="triangle"/>
+          </a:ln>
+        </p:spPr>
+        <p:style>
+          <a:lnRef idx="1">
+            <a:schemeClr val="accent1"/>
+          </a:lnRef>
+          <a:fillRef idx="0">
+            <a:schemeClr val="accent1"/>
+          </a:fillRef>
+          <a:effectRef idx="0">
+            <a:schemeClr val="accent1"/>
+          </a:effectRef>
+          <a:fontRef idx="minor">
+            <a:schemeClr val="tx1"/>
+          </a:fontRef>
+        </p:style>
+      </p:cxnSp>
+      <p:cxnSp>
+        <p:nvCxnSpPr>
+          <p:cNvPr id="10" name="직선 화살표 연결선 9">
+            <a:extLst>
+              <a:ext uri="{FF2B5EF4-FFF2-40B4-BE49-F238E27FC236}">
+                <a16:creationId xmlns:a16="http://schemas.microsoft.com/office/drawing/2014/main" id="{CB3A2639-E089-458F-A477-E2FCB88D24FD}"/>
+              </a:ext>
+            </a:extLst>
+          </p:cNvPr>
+          <p:cNvCxnSpPr>
+            <a:cxnSpLocks/>
+            <a:endCxn id="5" idx="3"/>
+          </p:cNvCxnSpPr>
+          <p:nvPr/>
+        </p:nvCxnSpPr>
+        <p:spPr>
+          <a:xfrm flipH="1" flipV="1">
+            <a:off x="9845692" y="3858663"/>
+            <a:ext cx="888415" cy="256137"/>
+          </a:xfrm>
+          <a:prstGeom prst="straightConnector1">
+            <a:avLst/>
+          </a:prstGeom>
+          <a:ln w="28575">
+            <a:solidFill>
+              <a:schemeClr val="tx1"/>
+            </a:solidFill>
+            <a:headEnd type="triangle"/>
+            <a:tailEnd type="triangle"/>
+          </a:ln>
+        </p:spPr>
+        <p:style>
+          <a:lnRef idx="1">
+            <a:schemeClr val="accent1"/>
+          </a:lnRef>
+          <a:fillRef idx="0">
+            <a:schemeClr val="accent1"/>
+          </a:fillRef>
+          <a:effectRef idx="0">
+            <a:schemeClr val="accent1"/>
+          </a:effectRef>
+          <a:fontRef idx="minor">
+            <a:schemeClr val="tx1"/>
+          </a:fontRef>
+        </p:style>
+      </p:cxnSp>
+    </p:spTree>
+    <p:extLst>
+      <p:ext uri="{BB962C8B-B14F-4D97-AF65-F5344CB8AC3E}">
+        <p14:creationId xmlns:p14="http://schemas.microsoft.com/office/powerpoint/2010/main" val="76740948"/>
+      </p:ext>
+    </p:extLst>
+  </p:cSld>
+  <p:clrMapOvr>
+    <a:masterClrMapping/>
+  </p:clrMapOvr>
+</p:sld>
+</file>
+
+<file path=ppt/slides/slide11.xml><?xml version="1.0" encoding="utf-8"?>
+<p:sld xmlns:a="http://schemas.openxmlformats.org/drawingml/2006/main" xmlns:r="http://schemas.openxmlformats.org/officeDocument/2006/relationships" xmlns:p="http://schemas.openxmlformats.org/presentationml/2006/main">
+  <p:cSld>
+    <p:spTree>
+      <p:nvGrpSpPr>
+        <p:cNvPr id="1" name=""/>
+        <p:cNvGrpSpPr/>
+        <p:nvPr/>
+      </p:nvGrpSpPr>
+      <p:grpSpPr>
+        <a:xfrm>
+          <a:off x="0" y="0"/>
+          <a:ext cx="0" cy="0"/>
+          <a:chOff x="0" y="0"/>
+          <a:chExt cx="0" cy="0"/>
+        </a:xfrm>
+      </p:grpSpPr>
+      <p:sp>
+        <p:nvSpPr>
+          <p:cNvPr id="2" name="Title 1">
+            <a:extLst>
+              <a:ext uri="{FF2B5EF4-FFF2-40B4-BE49-F238E27FC236}">
+                <a16:creationId xmlns:a16="http://schemas.microsoft.com/office/drawing/2014/main" id="{1574A382-A5CB-43FE-D20F-3195F7305996}"/>
+              </a:ext>
+            </a:extLst>
+          </p:cNvPr>
+          <p:cNvSpPr>
+            <a:spLocks noGrp="1"/>
+          </p:cNvSpPr>
+          <p:nvPr>
+            <p:ph type="title"/>
+          </p:nvPr>
+        </p:nvSpPr>
+        <p:spPr/>
+        <p:txBody>
+          <a:bodyPr/>
+          <a:lstStyle/>
+          <a:p>
+            <a:r>
+              <a:rPr lang="en-US" dirty="0"/>
+              <a:t>server Environment</a:t>
+            </a:r>
+          </a:p>
+        </p:txBody>
+      </p:sp>
+      <p:sp>
+        <p:nvSpPr>
+          <p:cNvPr id="3" name="Content Placeholder 2">
+            <a:extLst>
+              <a:ext uri="{FF2B5EF4-FFF2-40B4-BE49-F238E27FC236}">
+                <a16:creationId xmlns:a16="http://schemas.microsoft.com/office/drawing/2014/main" id="{8725CC7D-EFFB-FB49-1907-7B3E8F642538}"/>
+              </a:ext>
+            </a:extLst>
+          </p:cNvPr>
+          <p:cNvSpPr>
+            <a:spLocks noGrp="1"/>
+          </p:cNvSpPr>
+          <p:nvPr>
+            <p:ph idx="1"/>
+          </p:nvPr>
+        </p:nvSpPr>
+        <p:spPr/>
+        <p:txBody>
+          <a:bodyPr/>
+          <a:lstStyle/>
+          <a:p>
+            <a:r>
+              <a:rPr lang="en-US" dirty="0"/>
+              <a:t>Deployed and tested on a personal </a:t>
+            </a:r>
+            <a:r>
+              <a:rPr lang="en-US" dirty="0">
+                <a:solidFill>
+                  <a:srgbClr val="FF0000"/>
+                </a:solidFill>
+              </a:rPr>
+              <a:t>NAS-Synology</a:t>
+            </a:r>
+          </a:p>
+          <a:p>
+            <a:pPr marL="0" indent="0">
+              <a:buNone/>
+            </a:pPr>
+            <a:endParaRPr lang="en-US" dirty="0"/>
+          </a:p>
+        </p:txBody>
+      </p:sp>
+      <p:graphicFrame>
+        <p:nvGraphicFramePr>
+          <p:cNvPr id="6" name="Object 5">
+            <a:extLst>
+              <a:ext uri="{FF2B5EF4-FFF2-40B4-BE49-F238E27FC236}">
+                <a16:creationId xmlns:a16="http://schemas.microsoft.com/office/drawing/2014/main" id="{8A4C8B06-8BD4-A15F-EB1E-4D3523896F32}"/>
+              </a:ext>
+            </a:extLst>
+          </p:cNvPr>
+          <p:cNvGraphicFramePr>
+            <a:graphicFrameLocks noChangeAspect="1"/>
+          </p:cNvGraphicFramePr>
+          <p:nvPr>
+            <p:extLst>
+              <p:ext uri="{D42A27DB-BD31-4B8C-83A1-F6EECF244321}">
+                <p14:modId xmlns:p14="http://schemas.microsoft.com/office/powerpoint/2010/main" val="3382162019"/>
+              </p:ext>
+            </p:extLst>
+          </p:nvPr>
+        </p:nvGraphicFramePr>
+        <p:xfrm>
+          <a:off x="5043240" y="2752725"/>
+          <a:ext cx="6716960" cy="3300756"/>
+        </p:xfrm>
+        <a:graphic>
+          <a:graphicData uri="http://schemas.openxmlformats.org/presentationml/2006/ole">
+            <mc:AlternateContent xmlns:mc="http://schemas.openxmlformats.org/markup-compatibility/2006">
+              <mc:Choice xmlns:v="urn:schemas-microsoft-com:vml" Requires="v">
+                <p:oleObj spid="_x0000_s1082" name="Bitmap Image" r:id="rId3" imgW="18278640" imgH="8982000" progId="Paint.Picture">
+                  <p:embed/>
+                </p:oleObj>
+              </mc:Choice>
+              <mc:Fallback>
+                <p:oleObj name="Bitmap Image" r:id="rId3" imgW="18278640" imgH="8982000" progId="Paint.Picture">
+                  <p:embed/>
+                  <p:pic>
+                    <p:nvPicPr>
+                      <p:cNvPr id="0" name=""/>
+                      <p:cNvPicPr/>
+                      <p:nvPr/>
+                    </p:nvPicPr>
+                    <p:blipFill>
+                      <a:blip r:embed="rId4"/>
+                      <a:stretch>
+                        <a:fillRect/>
+                      </a:stretch>
+                    </p:blipFill>
+                    <p:spPr>
+                      <a:xfrm>
+                        <a:off x="5043240" y="2752725"/>
+                        <a:ext cx="6716960" cy="3300756"/>
+                      </a:xfrm>
+                      <a:prstGeom prst="rect">
+                        <a:avLst/>
+                      </a:prstGeom>
+                    </p:spPr>
+                  </p:pic>
+                </p:oleObj>
+              </mc:Fallback>
+            </mc:AlternateContent>
+          </a:graphicData>
+        </a:graphic>
+      </p:graphicFrame>
+    </p:spTree>
+    <p:extLst>
+      <p:ext uri="{BB962C8B-B14F-4D97-AF65-F5344CB8AC3E}">
+        <p14:creationId xmlns:p14="http://schemas.microsoft.com/office/powerpoint/2010/main" val="888530702"/>
       </p:ext>
     </p:extLst>
   </p:cSld>
@@ -3800,13 +4792,7 @@
           <a:p>
             <a:r>
               <a:rPr lang="en-US" dirty="0"/>
-              <a:t>Interaction</a:t>
-            </a:r>
-          </a:p>
-          <a:p>
-            <a:r>
-              <a:rPr lang="en-US" dirty="0"/>
-              <a:t>Server environment</a:t>
+              <a:t>Deployment</a:t>
             </a:r>
           </a:p>
         </p:txBody>
@@ -3907,7 +4893,19 @@
           <a:p>
             <a:r>
               <a:rPr lang="en-US" dirty="0"/>
-              <a:t>Communicates with MySQL DBMS using </a:t>
+              <a:t>Communicates with </a:t>
+            </a:r>
+            <a:r>
+              <a:rPr lang="en-US" dirty="0">
+                <a:solidFill>
+                  <a:srgbClr val="FF0000"/>
+                </a:solidFill>
+              </a:rPr>
+              <a:t>MySQL DBMS </a:t>
+            </a:r>
+            <a:r>
+              <a:rPr lang="en-US" dirty="0"/>
+              <a:t>using </a:t>
             </a:r>
             <a:r>
               <a:rPr lang="en-US" i="1" dirty="0" err="1"/>
@@ -4259,8 +5257,8 @@
         </p:nvSpPr>
         <p:spPr>
           <a:xfrm>
-            <a:off x="1447331" y="2010878"/>
-            <a:ext cx="6086944" cy="3448595"/>
+            <a:off x="1447330" y="2010878"/>
+            <a:ext cx="6325069" cy="3448595"/>
           </a:xfrm>
         </p:spPr>
         <p:txBody>
@@ -4269,7 +5267,27 @@
           <a:p>
             <a:r>
               <a:rPr lang="en-US" dirty="0"/>
-              <a:t>Based on Next.js and React</a:t>
+              <a:t>Based on </a:t>
+            </a:r>
+            <a:r>
+              <a:rPr lang="en-US" dirty="0">
+                <a:solidFill>
+                  <a:srgbClr val="FF0000"/>
+                </a:solidFill>
+              </a:rPr>
+              <a:t>Next.js</a:t>
+            </a:r>
+            <a:r>
+              <a:rPr lang="en-US" dirty="0"/>
+              <a:t> and </a:t>
+            </a:r>
+            <a:r>
+              <a:rPr lang="en-US" dirty="0">
+                <a:solidFill>
+                  <a:srgbClr val="FF0000"/>
+                </a:solidFill>
+              </a:rPr>
+              <a:t>React</a:t>
             </a:r>
           </a:p>
           <a:p>
@@ -4288,7 +5306,15 @@
           <a:p>
             <a:r>
               <a:rPr lang="en-US" dirty="0"/>
-              <a:t>Communicates with backend to fetch contents</a:t>
+              <a:t>Communicates with backend to fetch contents with </a:t>
+            </a:r>
+            <a:r>
+              <a:rPr lang="en-US" dirty="0">
+                <a:solidFill>
+                  <a:srgbClr val="FF0000"/>
+                </a:solidFill>
+              </a:rPr>
+              <a:t>API</a:t>
             </a:r>
           </a:p>
           <a:p>
@@ -4385,6 +5411,1623 @@
 </file>
 
 <file path=ppt/slides/slide6.xml><?xml version="1.0" encoding="utf-8"?>
+<p:sld xmlns:a="http://schemas.openxmlformats.org/drawingml/2006/main" xmlns:r="http://schemas.openxmlformats.org/officeDocument/2006/relationships" xmlns:p="http://schemas.openxmlformats.org/presentationml/2006/main">
+  <p:cSld>
+    <p:spTree>
+      <p:nvGrpSpPr>
+        <p:cNvPr id="1" name=""/>
+        <p:cNvGrpSpPr/>
+        <p:nvPr/>
+      </p:nvGrpSpPr>
+      <p:grpSpPr>
+        <a:xfrm>
+          <a:off x="0" y="0"/>
+          <a:ext cx="0" cy="0"/>
+          <a:chOff x="0" y="0"/>
+          <a:chExt cx="0" cy="0"/>
+        </a:xfrm>
+      </p:grpSpPr>
+      <p:sp>
+        <p:nvSpPr>
+          <p:cNvPr id="2" name="Title 1">
+            <a:extLst>
+              <a:ext uri="{FF2B5EF4-FFF2-40B4-BE49-F238E27FC236}">
+                <a16:creationId xmlns:a16="http://schemas.microsoft.com/office/drawing/2014/main" id="{158E3F08-B73A-2028-F758-B185CB047CD8}"/>
+              </a:ext>
+            </a:extLst>
+          </p:cNvPr>
+          <p:cNvSpPr>
+            <a:spLocks noGrp="1"/>
+          </p:cNvSpPr>
+          <p:nvPr>
+            <p:ph type="title"/>
+          </p:nvPr>
+        </p:nvSpPr>
+        <p:spPr/>
+        <p:txBody>
+          <a:bodyPr/>
+          <a:lstStyle/>
+          <a:p>
+            <a:r>
+              <a:rPr lang="en-US" dirty="0"/>
+              <a:t>How to communicate </a:t>
+            </a:r>
+            <a:br>
+              <a:rPr lang="en-US" dirty="0"/>
+            </a:br>
+            <a:r>
+              <a:rPr lang="en-US" dirty="0"/>
+              <a:t>Front &amp; Backend</a:t>
+            </a:r>
+          </a:p>
+        </p:txBody>
+      </p:sp>
+      <p:sp>
+        <p:nvSpPr>
+          <p:cNvPr id="3" name="Content Placeholder 2">
+            <a:extLst>
+              <a:ext uri="{FF2B5EF4-FFF2-40B4-BE49-F238E27FC236}">
+                <a16:creationId xmlns:a16="http://schemas.microsoft.com/office/drawing/2014/main" id="{CAE1F6D7-C61B-5D8E-92F9-5211A69E70D0}"/>
+              </a:ext>
+            </a:extLst>
+          </p:cNvPr>
+          <p:cNvSpPr>
+            <a:spLocks noGrp="1"/>
+          </p:cNvSpPr>
+          <p:nvPr>
+            <p:ph sz="half" idx="1"/>
+          </p:nvPr>
+        </p:nvSpPr>
+        <p:spPr>
+          <a:xfrm>
+            <a:off x="1447330" y="2010878"/>
+            <a:ext cx="5690369" cy="3448595"/>
+          </a:xfrm>
+        </p:spPr>
+        <p:txBody>
+          <a:bodyPr/>
+          <a:lstStyle/>
+          <a:p>
+            <a:r>
+              <a:rPr lang="en-US" dirty="0"/>
+              <a:t>Backend </a:t>
+            </a:r>
+            <a:r>
+              <a:rPr lang="en-US" dirty="0" err="1"/>
+              <a:t>nodejs</a:t>
+            </a:r>
+            <a:r>
+              <a:rPr lang="en-US" dirty="0"/>
+              <a:t> express provide </a:t>
+            </a:r>
+            <a:r>
+              <a:rPr lang="en-US" dirty="0" err="1"/>
+              <a:t>api</a:t>
+            </a:r>
+            <a:r>
+              <a:rPr lang="en-US" dirty="0"/>
+              <a:t> router with DB manager</a:t>
+            </a:r>
+          </a:p>
+          <a:p>
+            <a:r>
+              <a:rPr lang="en-US" dirty="0"/>
+              <a:t>Frontend can request </a:t>
+            </a:r>
+            <a:r>
+              <a:rPr lang="en-US" dirty="0">
+                <a:solidFill>
+                  <a:srgbClr val="FF0000"/>
+                </a:solidFill>
+              </a:rPr>
+              <a:t>GET</a:t>
+            </a:r>
+            <a:r>
+              <a:rPr lang="en-US" b="1" dirty="0"/>
+              <a:t> </a:t>
+            </a:r>
+            <a:r>
+              <a:rPr lang="en-US" dirty="0"/>
+              <a:t>or</a:t>
+            </a:r>
+            <a:r>
+              <a:rPr lang="en-US" b="1" dirty="0"/>
+              <a:t> </a:t>
+            </a:r>
+            <a:r>
+              <a:rPr lang="en-US" dirty="0">
+                <a:solidFill>
+                  <a:srgbClr val="FF0000"/>
+                </a:solidFill>
+              </a:rPr>
+              <a:t>POST</a:t>
+            </a:r>
+            <a:r>
+              <a:rPr lang="en-US" b="1" dirty="0"/>
+              <a:t> </a:t>
+            </a:r>
+            <a:r>
+              <a:rPr lang="en-US" dirty="0"/>
+              <a:t>method  with that </a:t>
+            </a:r>
+            <a:r>
+              <a:rPr lang="en-US" dirty="0" err="1"/>
+              <a:t>url</a:t>
+            </a:r>
+            <a:r>
+              <a:rPr lang="en-US" dirty="0"/>
+              <a:t> like </a:t>
+            </a:r>
+            <a:r>
+              <a:rPr lang="en-US" dirty="0">
+                <a:solidFill>
+                  <a:srgbClr val="FF0000"/>
+                </a:solidFill>
+              </a:rPr>
+              <a:t>/</a:t>
+            </a:r>
+            <a:r>
+              <a:rPr lang="en-US" dirty="0" err="1">
+                <a:solidFill>
+                  <a:srgbClr val="FF0000"/>
+                </a:solidFill>
+              </a:rPr>
+              <a:t>api</a:t>
+            </a:r>
+            <a:r>
+              <a:rPr lang="en-US" dirty="0">
+                <a:solidFill>
+                  <a:srgbClr val="FF0000"/>
+                </a:solidFill>
+              </a:rPr>
+              <a:t>/auth/login</a:t>
+            </a:r>
+          </a:p>
+          <a:p>
+            <a:r>
+              <a:rPr lang="en-US" dirty="0"/>
+              <a:t>If request income, backend response with some data to frontend client</a:t>
+            </a:r>
+          </a:p>
+          <a:p>
+            <a:r>
+              <a:rPr lang="en-US" dirty="0"/>
+              <a:t>This makes </a:t>
+            </a:r>
+            <a:r>
+              <a:rPr lang="en-US" dirty="0">
+                <a:solidFill>
+                  <a:srgbClr val="FF0000"/>
+                </a:solidFill>
+              </a:rPr>
+              <a:t>development </a:t>
+            </a:r>
+            <a:r>
+              <a:rPr lang="en-US" dirty="0" err="1">
+                <a:solidFill>
+                  <a:srgbClr val="FF0000"/>
+                </a:solidFill>
+              </a:rPr>
+              <a:t>pallely</a:t>
+            </a:r>
+            <a:endParaRPr lang="en-US" dirty="0">
+              <a:solidFill>
+                <a:srgbClr val="FF0000"/>
+              </a:solidFill>
+            </a:endParaRPr>
+          </a:p>
+        </p:txBody>
+      </p:sp>
+      <p:sp>
+        <p:nvSpPr>
+          <p:cNvPr id="6" name="Rectangle 4">
+            <a:extLst>
+              <a:ext uri="{FF2B5EF4-FFF2-40B4-BE49-F238E27FC236}">
+                <a16:creationId xmlns:a16="http://schemas.microsoft.com/office/drawing/2014/main" id="{874A84F7-9BB5-45CA-8707-8B23242DD19B}"/>
+              </a:ext>
+            </a:extLst>
+          </p:cNvPr>
+          <p:cNvSpPr/>
+          <p:nvPr/>
+        </p:nvSpPr>
+        <p:spPr>
+          <a:xfrm>
+            <a:off x="8404300" y="531413"/>
+            <a:ext cx="1910720" cy="1332781"/>
+          </a:xfrm>
+          <a:prstGeom prst="rect">
+            <a:avLst/>
+          </a:prstGeom>
+        </p:spPr>
+        <p:style>
+          <a:lnRef idx="2">
+            <a:schemeClr val="accent6">
+              <a:shade val="50000"/>
+            </a:schemeClr>
+          </a:lnRef>
+          <a:fillRef idx="1">
+            <a:schemeClr val="accent6"/>
+          </a:fillRef>
+          <a:effectRef idx="0">
+            <a:schemeClr val="accent6"/>
+          </a:effectRef>
+          <a:fontRef idx="minor">
+            <a:schemeClr val="lt1"/>
+          </a:fontRef>
+        </p:style>
+        <p:txBody>
+          <a:bodyPr rtlCol="0" anchor="ctr"/>
+          <a:lstStyle/>
+          <a:p>
+            <a:pPr algn="ctr"/>
+            <a:endParaRPr lang="en-US" dirty="0"/>
+          </a:p>
+          <a:p>
+            <a:pPr algn="ctr"/>
+            <a:endParaRPr lang="en-US" dirty="0"/>
+          </a:p>
+          <a:p>
+            <a:pPr algn="ctr"/>
+            <a:endParaRPr lang="en-US" dirty="0"/>
+          </a:p>
+          <a:p>
+            <a:pPr algn="ctr"/>
+            <a:r>
+              <a:rPr lang="en-US" dirty="0"/>
+              <a:t>React</a:t>
+            </a:r>
+          </a:p>
+          <a:p>
+            <a:pPr algn="ctr"/>
+            <a:r>
+              <a:rPr lang="en-US" dirty="0"/>
+              <a:t>Web </a:t>
+            </a:r>
+            <a:r>
+              <a:rPr lang="en-US" dirty="0" err="1"/>
+              <a:t>Cilent</a:t>
+            </a:r>
+            <a:endParaRPr lang="en-US" dirty="0"/>
+          </a:p>
+          <a:p>
+            <a:pPr algn="ctr"/>
+            <a:endParaRPr lang="en-US" dirty="0"/>
+          </a:p>
+          <a:p>
+            <a:pPr algn="ctr"/>
+            <a:endParaRPr lang="en-US" dirty="0"/>
+          </a:p>
+          <a:p>
+            <a:pPr algn="ctr"/>
+            <a:endParaRPr lang="en-US" dirty="0"/>
+          </a:p>
+        </p:txBody>
+      </p:sp>
+      <p:sp>
+        <p:nvSpPr>
+          <p:cNvPr id="9" name="Rectangle: Rounded Corners 6">
+            <a:extLst>
+              <a:ext uri="{FF2B5EF4-FFF2-40B4-BE49-F238E27FC236}">
+                <a16:creationId xmlns:a16="http://schemas.microsoft.com/office/drawing/2014/main" id="{44CFAEA8-702E-499F-8535-1E810917BBD0}"/>
+              </a:ext>
+            </a:extLst>
+          </p:cNvPr>
+          <p:cNvSpPr/>
+          <p:nvPr/>
+        </p:nvSpPr>
+        <p:spPr>
+          <a:xfrm>
+            <a:off x="8480848" y="2538964"/>
+            <a:ext cx="1757617" cy="871331"/>
+          </a:xfrm>
+          <a:prstGeom prst="roundRect">
+            <a:avLst/>
+          </a:prstGeom>
+        </p:spPr>
+        <p:style>
+          <a:lnRef idx="2">
+            <a:schemeClr val="accent1">
+              <a:shade val="50000"/>
+            </a:schemeClr>
+          </a:lnRef>
+          <a:fillRef idx="1">
+            <a:schemeClr val="accent1"/>
+          </a:fillRef>
+          <a:effectRef idx="0">
+            <a:schemeClr val="accent1"/>
+          </a:effectRef>
+          <a:fontRef idx="minor">
+            <a:schemeClr val="lt1"/>
+          </a:fontRef>
+        </p:style>
+        <p:txBody>
+          <a:bodyPr rtlCol="0" anchor="ctr"/>
+          <a:lstStyle/>
+          <a:p>
+            <a:pPr algn="ctr"/>
+            <a:r>
+              <a:rPr lang="en-US" dirty="0"/>
+              <a:t>Nodejs</a:t>
+            </a:r>
+          </a:p>
+        </p:txBody>
+      </p:sp>
+      <p:sp>
+        <p:nvSpPr>
+          <p:cNvPr id="10" name="Cylinder 7">
+            <a:extLst>
+              <a:ext uri="{FF2B5EF4-FFF2-40B4-BE49-F238E27FC236}">
+                <a16:creationId xmlns:a16="http://schemas.microsoft.com/office/drawing/2014/main" id="{D7CC8CD8-0132-463E-B0BC-3EA789121905}"/>
+              </a:ext>
+            </a:extLst>
+          </p:cNvPr>
+          <p:cNvSpPr/>
+          <p:nvPr/>
+        </p:nvSpPr>
+        <p:spPr>
+          <a:xfrm>
+            <a:off x="8667153" y="3925517"/>
+            <a:ext cx="1385009" cy="1647646"/>
+          </a:xfrm>
+          <a:prstGeom prst="can">
+            <a:avLst/>
+          </a:prstGeom>
+        </p:spPr>
+        <p:style>
+          <a:lnRef idx="2">
+            <a:schemeClr val="accent5">
+              <a:shade val="50000"/>
+            </a:schemeClr>
+          </a:lnRef>
+          <a:fillRef idx="1">
+            <a:schemeClr val="accent5"/>
+          </a:fillRef>
+          <a:effectRef idx="0">
+            <a:schemeClr val="accent5"/>
+          </a:effectRef>
+          <a:fontRef idx="minor">
+            <a:schemeClr val="lt1"/>
+          </a:fontRef>
+        </p:style>
+        <p:txBody>
+          <a:bodyPr rtlCol="0" anchor="ctr"/>
+          <a:lstStyle/>
+          <a:p>
+            <a:pPr algn="ctr"/>
+            <a:r>
+              <a:rPr lang="en-US" dirty="0" err="1"/>
+              <a:t>Mysql</a:t>
+            </a:r>
+            <a:endParaRPr lang="en-US" dirty="0"/>
+          </a:p>
+        </p:txBody>
+      </p:sp>
+      <p:cxnSp>
+        <p:nvCxnSpPr>
+          <p:cNvPr id="11" name="Straight Arrow Connector 9">
+            <a:extLst>
+              <a:ext uri="{FF2B5EF4-FFF2-40B4-BE49-F238E27FC236}">
+                <a16:creationId xmlns:a16="http://schemas.microsoft.com/office/drawing/2014/main" id="{5E98CDC2-AE0F-4B7D-9879-6DD80E5042E4}"/>
+              </a:ext>
+            </a:extLst>
+          </p:cNvPr>
+          <p:cNvCxnSpPr>
+            <a:cxnSpLocks/>
+          </p:cNvCxnSpPr>
+          <p:nvPr/>
+        </p:nvCxnSpPr>
+        <p:spPr>
+          <a:xfrm flipH="1">
+            <a:off x="8996454" y="1864194"/>
+            <a:ext cx="1" cy="673595"/>
+          </a:xfrm>
+          <a:prstGeom prst="straightConnector1">
+            <a:avLst/>
+          </a:prstGeom>
+          <a:ln w="38100">
+            <a:tailEnd type="triangle"/>
+          </a:ln>
+        </p:spPr>
+        <p:style>
+          <a:lnRef idx="1">
+            <a:schemeClr val="dk1"/>
+          </a:lnRef>
+          <a:fillRef idx="0">
+            <a:schemeClr val="dk1"/>
+          </a:fillRef>
+          <a:effectRef idx="0">
+            <a:schemeClr val="dk1"/>
+          </a:effectRef>
+          <a:fontRef idx="minor">
+            <a:schemeClr val="tx1"/>
+          </a:fontRef>
+        </p:style>
+      </p:cxnSp>
+      <p:cxnSp>
+        <p:nvCxnSpPr>
+          <p:cNvPr id="13" name="Straight Arrow Connector 9">
+            <a:extLst>
+              <a:ext uri="{FF2B5EF4-FFF2-40B4-BE49-F238E27FC236}">
+                <a16:creationId xmlns:a16="http://schemas.microsoft.com/office/drawing/2014/main" id="{6A081A96-8932-4863-8BE3-580216B10C81}"/>
+              </a:ext>
+            </a:extLst>
+          </p:cNvPr>
+          <p:cNvCxnSpPr>
+            <a:cxnSpLocks/>
+          </p:cNvCxnSpPr>
+          <p:nvPr/>
+        </p:nvCxnSpPr>
+        <p:spPr>
+          <a:xfrm flipV="1">
+            <a:off x="9711698" y="1864195"/>
+            <a:ext cx="2" cy="673594"/>
+          </a:xfrm>
+          <a:prstGeom prst="straightConnector1">
+            <a:avLst/>
+          </a:prstGeom>
+          <a:ln w="38100">
+            <a:tailEnd type="triangle"/>
+          </a:ln>
+        </p:spPr>
+        <p:style>
+          <a:lnRef idx="1">
+            <a:schemeClr val="dk1"/>
+          </a:lnRef>
+          <a:fillRef idx="0">
+            <a:schemeClr val="dk1"/>
+          </a:fillRef>
+          <a:effectRef idx="0">
+            <a:schemeClr val="dk1"/>
+          </a:effectRef>
+          <a:fontRef idx="minor">
+            <a:schemeClr val="tx1"/>
+          </a:fontRef>
+        </p:style>
+      </p:cxnSp>
+      <p:sp>
+        <p:nvSpPr>
+          <p:cNvPr id="14" name="TextBox 13">
+            <a:extLst>
+              <a:ext uri="{FF2B5EF4-FFF2-40B4-BE49-F238E27FC236}">
+                <a16:creationId xmlns:a16="http://schemas.microsoft.com/office/drawing/2014/main" id="{A04931E7-A211-4165-AC66-43D4D717EF3C}"/>
+              </a:ext>
+            </a:extLst>
+          </p:cNvPr>
+          <p:cNvSpPr txBox="1"/>
+          <p:nvPr/>
+        </p:nvSpPr>
+        <p:spPr>
+          <a:xfrm>
+            <a:off x="7877531" y="1956898"/>
+            <a:ext cx="1118921" cy="369332"/>
+          </a:xfrm>
+          <a:prstGeom prst="rect">
+            <a:avLst/>
+          </a:prstGeom>
+          <a:noFill/>
+        </p:spPr>
+        <p:txBody>
+          <a:bodyPr wrap="square" rtlCol="0">
+            <a:spAutoFit/>
+          </a:bodyPr>
+          <a:lstStyle/>
+          <a:p>
+            <a:pPr algn="ctr"/>
+            <a:r>
+              <a:rPr lang="en-US" altLang="ko-KR" dirty="0"/>
+              <a:t>Request</a:t>
+            </a:r>
+            <a:endParaRPr lang="ko-KR" altLang="en-US" dirty="0"/>
+          </a:p>
+        </p:txBody>
+      </p:sp>
+      <p:sp>
+        <p:nvSpPr>
+          <p:cNvPr id="15" name="TextBox 14">
+            <a:extLst>
+              <a:ext uri="{FF2B5EF4-FFF2-40B4-BE49-F238E27FC236}">
+                <a16:creationId xmlns:a16="http://schemas.microsoft.com/office/drawing/2014/main" id="{569FED4F-C6CE-4518-9412-B04B40B34107}"/>
+              </a:ext>
+            </a:extLst>
+          </p:cNvPr>
+          <p:cNvSpPr txBox="1"/>
+          <p:nvPr/>
+        </p:nvSpPr>
+        <p:spPr>
+          <a:xfrm>
+            <a:off x="9791121" y="1953004"/>
+            <a:ext cx="1118921" cy="369332"/>
+          </a:xfrm>
+          <a:prstGeom prst="rect">
+            <a:avLst/>
+          </a:prstGeom>
+          <a:noFill/>
+        </p:spPr>
+        <p:txBody>
+          <a:bodyPr wrap="square" rtlCol="0">
+            <a:spAutoFit/>
+          </a:bodyPr>
+          <a:lstStyle/>
+          <a:p>
+            <a:pPr algn="ctr"/>
+            <a:r>
+              <a:rPr lang="en-US" altLang="ko-KR" dirty="0"/>
+              <a:t>Response</a:t>
+            </a:r>
+            <a:endParaRPr lang="ko-KR" altLang="en-US" dirty="0"/>
+          </a:p>
+        </p:txBody>
+      </p:sp>
+      <p:cxnSp>
+        <p:nvCxnSpPr>
+          <p:cNvPr id="16" name="Straight Arrow Connector 9">
+            <a:extLst>
+              <a:ext uri="{FF2B5EF4-FFF2-40B4-BE49-F238E27FC236}">
+                <a16:creationId xmlns:a16="http://schemas.microsoft.com/office/drawing/2014/main" id="{06BAF295-9C93-4158-AFC2-E3063040C1E6}"/>
+              </a:ext>
+            </a:extLst>
+          </p:cNvPr>
+          <p:cNvCxnSpPr>
+            <a:cxnSpLocks/>
+          </p:cNvCxnSpPr>
+          <p:nvPr/>
+        </p:nvCxnSpPr>
+        <p:spPr>
+          <a:xfrm>
+            <a:off x="8996452" y="3429000"/>
+            <a:ext cx="1" cy="624254"/>
+          </a:xfrm>
+          <a:prstGeom prst="straightConnector1">
+            <a:avLst/>
+          </a:prstGeom>
+          <a:ln w="38100">
+            <a:tailEnd type="triangle"/>
+          </a:ln>
+        </p:spPr>
+        <p:style>
+          <a:lnRef idx="1">
+            <a:schemeClr val="dk1"/>
+          </a:lnRef>
+          <a:fillRef idx="0">
+            <a:schemeClr val="dk1"/>
+          </a:fillRef>
+          <a:effectRef idx="0">
+            <a:schemeClr val="dk1"/>
+          </a:effectRef>
+          <a:fontRef idx="minor">
+            <a:schemeClr val="tx1"/>
+          </a:fontRef>
+        </p:style>
+      </p:cxnSp>
+      <p:cxnSp>
+        <p:nvCxnSpPr>
+          <p:cNvPr id="17" name="Straight Arrow Connector 9">
+            <a:extLst>
+              <a:ext uri="{FF2B5EF4-FFF2-40B4-BE49-F238E27FC236}">
+                <a16:creationId xmlns:a16="http://schemas.microsoft.com/office/drawing/2014/main" id="{D7282983-6625-402D-9C71-FE2D41D703FB}"/>
+              </a:ext>
+            </a:extLst>
+          </p:cNvPr>
+          <p:cNvCxnSpPr>
+            <a:cxnSpLocks/>
+          </p:cNvCxnSpPr>
+          <p:nvPr/>
+        </p:nvCxnSpPr>
+        <p:spPr>
+          <a:xfrm flipV="1">
+            <a:off x="9711698" y="3410295"/>
+            <a:ext cx="0" cy="642960"/>
+          </a:xfrm>
+          <a:prstGeom prst="straightConnector1">
+            <a:avLst/>
+          </a:prstGeom>
+          <a:ln w="38100">
+            <a:tailEnd type="triangle"/>
+          </a:ln>
+        </p:spPr>
+        <p:style>
+          <a:lnRef idx="1">
+            <a:schemeClr val="dk1"/>
+          </a:lnRef>
+          <a:fillRef idx="0">
+            <a:schemeClr val="dk1"/>
+          </a:fillRef>
+          <a:effectRef idx="0">
+            <a:schemeClr val="dk1"/>
+          </a:effectRef>
+          <a:fontRef idx="minor">
+            <a:schemeClr val="tx1"/>
+          </a:fontRef>
+        </p:style>
+      </p:cxnSp>
+      <p:sp>
+        <p:nvSpPr>
+          <p:cNvPr id="18" name="TextBox 17">
+            <a:extLst>
+              <a:ext uri="{FF2B5EF4-FFF2-40B4-BE49-F238E27FC236}">
+                <a16:creationId xmlns:a16="http://schemas.microsoft.com/office/drawing/2014/main" id="{52F1BE3B-E139-4E03-81B5-FE4A080A0380}"/>
+              </a:ext>
+            </a:extLst>
+          </p:cNvPr>
+          <p:cNvSpPr txBox="1"/>
+          <p:nvPr/>
+        </p:nvSpPr>
+        <p:spPr>
+          <a:xfrm>
+            <a:off x="7852944" y="3411470"/>
+            <a:ext cx="1143508" cy="369332"/>
+          </a:xfrm>
+          <a:prstGeom prst="rect">
+            <a:avLst/>
+          </a:prstGeom>
+          <a:noFill/>
+        </p:spPr>
+        <p:txBody>
+          <a:bodyPr wrap="square" rtlCol="0">
+            <a:spAutoFit/>
+          </a:bodyPr>
+          <a:lstStyle/>
+          <a:p>
+            <a:pPr algn="ctr"/>
+            <a:r>
+              <a:rPr lang="en-US" altLang="ko-KR" dirty="0" err="1"/>
+              <a:t>sequelize</a:t>
+            </a:r>
+            <a:endParaRPr lang="ko-KR" altLang="en-US" dirty="0"/>
+          </a:p>
+        </p:txBody>
+      </p:sp>
+      <p:sp>
+        <p:nvSpPr>
+          <p:cNvPr id="19" name="TextBox 18">
+            <a:extLst>
+              <a:ext uri="{FF2B5EF4-FFF2-40B4-BE49-F238E27FC236}">
+                <a16:creationId xmlns:a16="http://schemas.microsoft.com/office/drawing/2014/main" id="{F5533769-572B-4BF0-93B9-226F2B3A4425}"/>
+              </a:ext>
+            </a:extLst>
+          </p:cNvPr>
+          <p:cNvSpPr txBox="1"/>
+          <p:nvPr/>
+        </p:nvSpPr>
+        <p:spPr>
+          <a:xfrm>
+            <a:off x="9713340" y="3429000"/>
+            <a:ext cx="713604" cy="369332"/>
+          </a:xfrm>
+          <a:prstGeom prst="rect">
+            <a:avLst/>
+          </a:prstGeom>
+          <a:noFill/>
+        </p:spPr>
+        <p:txBody>
+          <a:bodyPr wrap="square" rtlCol="0">
+            <a:spAutoFit/>
+          </a:bodyPr>
+          <a:lstStyle/>
+          <a:p>
+            <a:pPr algn="ctr"/>
+            <a:r>
+              <a:rPr lang="en-US" altLang="ko-KR" dirty="0"/>
+              <a:t>data</a:t>
+            </a:r>
+            <a:endParaRPr lang="ko-KR" altLang="en-US" dirty="0"/>
+          </a:p>
+        </p:txBody>
+      </p:sp>
+    </p:spTree>
+    <p:extLst>
+      <p:ext uri="{BB962C8B-B14F-4D97-AF65-F5344CB8AC3E}">
+        <p14:creationId xmlns:p14="http://schemas.microsoft.com/office/powerpoint/2010/main" val="839332139"/>
+      </p:ext>
+    </p:extLst>
+  </p:cSld>
+  <p:clrMapOvr>
+    <a:masterClrMapping/>
+  </p:clrMapOvr>
+</p:sld>
+</file>
+
+<file path=ppt/slides/slide7.xml><?xml version="1.0" encoding="utf-8"?>
+<p:sld xmlns:a="http://schemas.openxmlformats.org/drawingml/2006/main" xmlns:r="http://schemas.openxmlformats.org/officeDocument/2006/relationships" xmlns:p="http://schemas.openxmlformats.org/presentationml/2006/main">
+  <p:cSld>
+    <p:spTree>
+      <p:nvGrpSpPr>
+        <p:cNvPr id="1" name=""/>
+        <p:cNvGrpSpPr/>
+        <p:nvPr/>
+      </p:nvGrpSpPr>
+      <p:grpSpPr>
+        <a:xfrm>
+          <a:off x="0" y="0"/>
+          <a:ext cx="0" cy="0"/>
+          <a:chOff x="0" y="0"/>
+          <a:chExt cx="0" cy="0"/>
+        </a:xfrm>
+      </p:grpSpPr>
+      <p:sp>
+        <p:nvSpPr>
+          <p:cNvPr id="37" name="Cylinder 7">
+            <a:extLst>
+              <a:ext uri="{FF2B5EF4-FFF2-40B4-BE49-F238E27FC236}">
+                <a16:creationId xmlns:a16="http://schemas.microsoft.com/office/drawing/2014/main" id="{3942FEAE-28C0-4231-A33C-EEEDFE879512}"/>
+              </a:ext>
+            </a:extLst>
+          </p:cNvPr>
+          <p:cNvSpPr/>
+          <p:nvPr/>
+        </p:nvSpPr>
+        <p:spPr>
+          <a:xfrm>
+            <a:off x="8667153" y="3840868"/>
+            <a:ext cx="1385009" cy="1647646"/>
+          </a:xfrm>
+          <a:prstGeom prst="can">
+            <a:avLst/>
+          </a:prstGeom>
+          <a:solidFill>
+            <a:schemeClr val="accent6">
+              <a:lumMod val="60000"/>
+              <a:lumOff val="40000"/>
+            </a:schemeClr>
+          </a:solidFill>
+          <a:ln>
+            <a:prstDash val="dash"/>
+          </a:ln>
+        </p:spPr>
+        <p:style>
+          <a:lnRef idx="2">
+            <a:schemeClr val="accent5">
+              <a:shade val="50000"/>
+            </a:schemeClr>
+          </a:lnRef>
+          <a:fillRef idx="1">
+            <a:schemeClr val="accent5"/>
+          </a:fillRef>
+          <a:effectRef idx="0">
+            <a:schemeClr val="accent5"/>
+          </a:effectRef>
+          <a:fontRef idx="minor">
+            <a:schemeClr val="lt1"/>
+          </a:fontRef>
+        </p:style>
+        <p:txBody>
+          <a:bodyPr rtlCol="0" anchor="ctr"/>
+          <a:lstStyle/>
+          <a:p>
+            <a:pPr algn="ctr"/>
+            <a:r>
+              <a:rPr lang="en-US" dirty="0"/>
+              <a:t>Python3</a:t>
+            </a:r>
+          </a:p>
+          <a:p>
+            <a:pPr algn="ctr"/>
+            <a:r>
+              <a:rPr lang="en-US" dirty="0"/>
+              <a:t>Container</a:t>
+            </a:r>
+          </a:p>
+          <a:p>
+            <a:pPr algn="ctr"/>
+            <a:r>
+              <a:rPr lang="en-US" dirty="0"/>
+              <a:t>(volatility)</a:t>
+            </a:r>
+          </a:p>
+        </p:txBody>
+      </p:sp>
+      <p:sp>
+        <p:nvSpPr>
+          <p:cNvPr id="2" name="Title 1">
+            <a:extLst>
+              <a:ext uri="{FF2B5EF4-FFF2-40B4-BE49-F238E27FC236}">
+                <a16:creationId xmlns:a16="http://schemas.microsoft.com/office/drawing/2014/main" id="{C290008B-81C5-40D7-790A-FA53BA47D600}"/>
+              </a:ext>
+            </a:extLst>
+          </p:cNvPr>
+          <p:cNvSpPr>
+            <a:spLocks noGrp="1"/>
+          </p:cNvSpPr>
+          <p:nvPr>
+            <p:ph type="title"/>
+          </p:nvPr>
+        </p:nvSpPr>
+        <p:spPr/>
+        <p:txBody>
+          <a:bodyPr/>
+          <a:lstStyle/>
+          <a:p>
+            <a:r>
+              <a:rPr lang="en-US" dirty="0"/>
+              <a:t>IDE</a:t>
+            </a:r>
+          </a:p>
+        </p:txBody>
+      </p:sp>
+      <p:sp>
+        <p:nvSpPr>
+          <p:cNvPr id="3" name="Content Placeholder 2">
+            <a:extLst>
+              <a:ext uri="{FF2B5EF4-FFF2-40B4-BE49-F238E27FC236}">
+                <a16:creationId xmlns:a16="http://schemas.microsoft.com/office/drawing/2014/main" id="{FABC8D7F-46DE-6E8D-EF75-E618C891897A}"/>
+              </a:ext>
+            </a:extLst>
+          </p:cNvPr>
+          <p:cNvSpPr>
+            <a:spLocks noGrp="1"/>
+          </p:cNvSpPr>
+          <p:nvPr>
+            <p:ph sz="half" idx="1"/>
+          </p:nvPr>
+        </p:nvSpPr>
+        <p:spPr/>
+        <p:txBody>
+          <a:bodyPr/>
+          <a:lstStyle/>
+          <a:p>
+            <a:r>
+              <a:rPr lang="en-US" dirty="0" err="1">
+                <a:solidFill>
+                  <a:srgbClr val="FF0000"/>
+                </a:solidFill>
+              </a:rPr>
+              <a:t>CodeMirror</a:t>
+            </a:r>
+            <a:r>
+              <a:rPr lang="en-US" dirty="0"/>
+              <a:t>-based Python IDE</a:t>
+            </a:r>
+          </a:p>
+          <a:p>
+            <a:r>
+              <a:rPr lang="en-US" dirty="0">
+                <a:solidFill>
+                  <a:srgbClr val="FF0000"/>
+                </a:solidFill>
+              </a:rPr>
+              <a:t>Python:3.10 Docker container</a:t>
+            </a:r>
+          </a:p>
+          <a:p>
+            <a:pPr lvl="1"/>
+            <a:r>
+              <a:rPr lang="en-US" dirty="0"/>
+              <a:t>User-submitted codes run on this</a:t>
+            </a:r>
+          </a:p>
+          <a:p>
+            <a:r>
+              <a:rPr lang="en-US" dirty="0"/>
+              <a:t>If user click run or submit button, code and input will send to server</a:t>
+            </a:r>
+          </a:p>
+          <a:p>
+            <a:r>
+              <a:rPr lang="en-US" dirty="0">
+                <a:solidFill>
+                  <a:srgbClr val="FF0000"/>
+                </a:solidFill>
+              </a:rPr>
+              <a:t>/</a:t>
+            </a:r>
+            <a:r>
+              <a:rPr lang="en-US" dirty="0" err="1">
+                <a:solidFill>
+                  <a:srgbClr val="FF0000"/>
+                </a:solidFill>
+              </a:rPr>
+              <a:t>api</a:t>
+            </a:r>
+            <a:r>
+              <a:rPr lang="en-US" dirty="0">
+                <a:solidFill>
+                  <a:srgbClr val="FF0000"/>
+                </a:solidFill>
+              </a:rPr>
+              <a:t>/</a:t>
+            </a:r>
+            <a:r>
+              <a:rPr lang="en-US" dirty="0" err="1">
+                <a:solidFill>
+                  <a:srgbClr val="FF0000"/>
+                </a:solidFill>
+              </a:rPr>
+              <a:t>runcode</a:t>
+            </a:r>
+            <a:r>
+              <a:rPr lang="en-US" dirty="0">
+                <a:solidFill>
+                  <a:srgbClr val="FF0000"/>
+                </a:solidFill>
+              </a:rPr>
+              <a:t> </a:t>
+            </a:r>
+            <a:r>
+              <a:rPr lang="en-US" dirty="0"/>
+              <a:t>will execute a code</a:t>
+            </a:r>
+          </a:p>
+          <a:p>
+            <a:r>
+              <a:rPr lang="en-US" dirty="0"/>
+              <a:t>Result returned and shown in web page</a:t>
+            </a:r>
+          </a:p>
+          <a:p>
+            <a:endParaRPr lang="en-US" dirty="0"/>
+          </a:p>
+          <a:p>
+            <a:endParaRPr lang="en-US" dirty="0"/>
+          </a:p>
+        </p:txBody>
+      </p:sp>
+      <p:sp>
+        <p:nvSpPr>
+          <p:cNvPr id="5" name="Rectangle 4">
+            <a:extLst>
+              <a:ext uri="{FF2B5EF4-FFF2-40B4-BE49-F238E27FC236}">
+                <a16:creationId xmlns:a16="http://schemas.microsoft.com/office/drawing/2014/main" id="{E18A7AC1-9138-E6EB-9E8E-40658A567DC5}"/>
+              </a:ext>
+            </a:extLst>
+          </p:cNvPr>
+          <p:cNvSpPr/>
+          <p:nvPr/>
+        </p:nvSpPr>
+        <p:spPr>
+          <a:xfrm>
+            <a:off x="8404300" y="531413"/>
+            <a:ext cx="1910720" cy="1332781"/>
+          </a:xfrm>
+          <a:prstGeom prst="rect">
+            <a:avLst/>
+          </a:prstGeom>
+        </p:spPr>
+        <p:style>
+          <a:lnRef idx="2">
+            <a:schemeClr val="accent6">
+              <a:shade val="50000"/>
+            </a:schemeClr>
+          </a:lnRef>
+          <a:fillRef idx="1">
+            <a:schemeClr val="accent6"/>
+          </a:fillRef>
+          <a:effectRef idx="0">
+            <a:schemeClr val="accent6"/>
+          </a:effectRef>
+          <a:fontRef idx="minor">
+            <a:schemeClr val="lt1"/>
+          </a:fontRef>
+        </p:style>
+        <p:txBody>
+          <a:bodyPr rtlCol="0" anchor="ctr"/>
+          <a:lstStyle/>
+          <a:p>
+            <a:pPr algn="ctr"/>
+            <a:r>
+              <a:rPr lang="en-US" dirty="0"/>
+              <a:t>React</a:t>
+            </a:r>
+          </a:p>
+          <a:p>
+            <a:pPr algn="ctr"/>
+            <a:endParaRPr lang="en-US" dirty="0"/>
+          </a:p>
+          <a:p>
+            <a:pPr algn="ctr"/>
+            <a:endParaRPr lang="en-US" dirty="0"/>
+          </a:p>
+          <a:p>
+            <a:pPr algn="ctr"/>
+            <a:endParaRPr lang="en-US" dirty="0"/>
+          </a:p>
+        </p:txBody>
+      </p:sp>
+      <p:sp>
+        <p:nvSpPr>
+          <p:cNvPr id="6" name="Rectangle 5">
+            <a:extLst>
+              <a:ext uri="{FF2B5EF4-FFF2-40B4-BE49-F238E27FC236}">
+                <a16:creationId xmlns:a16="http://schemas.microsoft.com/office/drawing/2014/main" id="{0DAAA369-10C2-56AA-9ECA-91AA5D765A92}"/>
+              </a:ext>
+            </a:extLst>
+          </p:cNvPr>
+          <p:cNvSpPr/>
+          <p:nvPr/>
+        </p:nvSpPr>
+        <p:spPr>
+          <a:xfrm>
+            <a:off x="8617788" y="977860"/>
+            <a:ext cx="1483743" cy="793630"/>
+          </a:xfrm>
+          <a:prstGeom prst="rect">
+            <a:avLst/>
+          </a:prstGeom>
+        </p:spPr>
+        <p:style>
+          <a:lnRef idx="2">
+            <a:schemeClr val="dk1">
+              <a:shade val="50000"/>
+            </a:schemeClr>
+          </a:lnRef>
+          <a:fillRef idx="1">
+            <a:schemeClr val="dk1"/>
+          </a:fillRef>
+          <a:effectRef idx="0">
+            <a:schemeClr val="dk1"/>
+          </a:effectRef>
+          <a:fontRef idx="minor">
+            <a:schemeClr val="lt1"/>
+          </a:fontRef>
+        </p:style>
+        <p:txBody>
+          <a:bodyPr rtlCol="0" anchor="ctr"/>
+          <a:lstStyle/>
+          <a:p>
+            <a:pPr algn="ctr"/>
+            <a:r>
+              <a:rPr lang="en-US" dirty="0" err="1"/>
+              <a:t>CodeMirror</a:t>
+            </a:r>
+            <a:endParaRPr lang="en-US" dirty="0"/>
+          </a:p>
+        </p:txBody>
+      </p:sp>
+      <p:sp>
+        <p:nvSpPr>
+          <p:cNvPr id="27" name="TextBox 26">
+            <a:extLst>
+              <a:ext uri="{FF2B5EF4-FFF2-40B4-BE49-F238E27FC236}">
+                <a16:creationId xmlns:a16="http://schemas.microsoft.com/office/drawing/2014/main" id="{D4E34B7F-7F49-49F6-981F-97620113F161}"/>
+              </a:ext>
+            </a:extLst>
+          </p:cNvPr>
+          <p:cNvSpPr txBox="1"/>
+          <p:nvPr/>
+        </p:nvSpPr>
+        <p:spPr>
+          <a:xfrm>
+            <a:off x="7877531" y="1956898"/>
+            <a:ext cx="1118921" cy="369332"/>
+          </a:xfrm>
+          <a:prstGeom prst="rect">
+            <a:avLst/>
+          </a:prstGeom>
+          <a:noFill/>
+        </p:spPr>
+        <p:txBody>
+          <a:bodyPr wrap="square" rtlCol="0">
+            <a:spAutoFit/>
+          </a:bodyPr>
+          <a:lstStyle/>
+          <a:p>
+            <a:pPr algn="ctr"/>
+            <a:r>
+              <a:rPr lang="en-US" altLang="ko-KR" dirty="0"/>
+              <a:t>Request</a:t>
+            </a:r>
+            <a:endParaRPr lang="ko-KR" altLang="en-US" dirty="0"/>
+          </a:p>
+        </p:txBody>
+      </p:sp>
+      <p:sp>
+        <p:nvSpPr>
+          <p:cNvPr id="28" name="TextBox 27">
+            <a:extLst>
+              <a:ext uri="{FF2B5EF4-FFF2-40B4-BE49-F238E27FC236}">
+                <a16:creationId xmlns:a16="http://schemas.microsoft.com/office/drawing/2014/main" id="{83520D95-5E51-4FBA-B16A-1939C321A78D}"/>
+              </a:ext>
+            </a:extLst>
+          </p:cNvPr>
+          <p:cNvSpPr txBox="1"/>
+          <p:nvPr/>
+        </p:nvSpPr>
+        <p:spPr>
+          <a:xfrm>
+            <a:off x="9791121" y="1953004"/>
+            <a:ext cx="1118921" cy="369332"/>
+          </a:xfrm>
+          <a:prstGeom prst="rect">
+            <a:avLst/>
+          </a:prstGeom>
+          <a:noFill/>
+        </p:spPr>
+        <p:txBody>
+          <a:bodyPr wrap="square" rtlCol="0">
+            <a:spAutoFit/>
+          </a:bodyPr>
+          <a:lstStyle/>
+          <a:p>
+            <a:pPr algn="ctr"/>
+            <a:r>
+              <a:rPr lang="en-US" altLang="ko-KR" dirty="0"/>
+              <a:t>Response</a:t>
+            </a:r>
+            <a:endParaRPr lang="ko-KR" altLang="en-US" dirty="0"/>
+          </a:p>
+        </p:txBody>
+      </p:sp>
+      <p:sp>
+        <p:nvSpPr>
+          <p:cNvPr id="33" name="TextBox 32">
+            <a:extLst>
+              <a:ext uri="{FF2B5EF4-FFF2-40B4-BE49-F238E27FC236}">
+                <a16:creationId xmlns:a16="http://schemas.microsoft.com/office/drawing/2014/main" id="{93B4E9FB-E72F-4E2A-BDC5-D247783D8597}"/>
+              </a:ext>
+            </a:extLst>
+          </p:cNvPr>
+          <p:cNvSpPr txBox="1"/>
+          <p:nvPr/>
+        </p:nvSpPr>
+        <p:spPr>
+          <a:xfrm>
+            <a:off x="7655303" y="3429000"/>
+            <a:ext cx="1385008" cy="369332"/>
+          </a:xfrm>
+          <a:prstGeom prst="rect">
+            <a:avLst/>
+          </a:prstGeom>
+          <a:noFill/>
+        </p:spPr>
+        <p:txBody>
+          <a:bodyPr wrap="square" rtlCol="0">
+            <a:spAutoFit/>
+          </a:bodyPr>
+          <a:lstStyle/>
+          <a:p>
+            <a:pPr algn="ctr"/>
+            <a:r>
+              <a:rPr lang="en-US" altLang="ko-KR" dirty="0"/>
+              <a:t>Code, input</a:t>
+            </a:r>
+            <a:endParaRPr lang="ko-KR" altLang="en-US" dirty="0"/>
+          </a:p>
+        </p:txBody>
+      </p:sp>
+      <p:sp>
+        <p:nvSpPr>
+          <p:cNvPr id="34" name="TextBox 33">
+            <a:extLst>
+              <a:ext uri="{FF2B5EF4-FFF2-40B4-BE49-F238E27FC236}">
+                <a16:creationId xmlns:a16="http://schemas.microsoft.com/office/drawing/2014/main" id="{449B862C-4BE1-4705-A5B1-DC08944F2A1A}"/>
+              </a:ext>
+            </a:extLst>
+          </p:cNvPr>
+          <p:cNvSpPr txBox="1"/>
+          <p:nvPr/>
+        </p:nvSpPr>
+        <p:spPr>
+          <a:xfrm>
+            <a:off x="9711698" y="3471536"/>
+            <a:ext cx="1118921" cy="369332"/>
+          </a:xfrm>
+          <a:prstGeom prst="rect">
+            <a:avLst/>
+          </a:prstGeom>
+          <a:noFill/>
+        </p:spPr>
+        <p:txBody>
+          <a:bodyPr wrap="square" rtlCol="0">
+            <a:spAutoFit/>
+          </a:bodyPr>
+          <a:lstStyle/>
+          <a:p>
+            <a:pPr algn="ctr"/>
+            <a:r>
+              <a:rPr lang="en-US" altLang="ko-KR" dirty="0"/>
+              <a:t>Output</a:t>
+            </a:r>
+            <a:endParaRPr lang="ko-KR" altLang="en-US" dirty="0"/>
+          </a:p>
+        </p:txBody>
+      </p:sp>
+      <p:sp>
+        <p:nvSpPr>
+          <p:cNvPr id="17" name="Rectangle: Rounded Corners 6">
+            <a:extLst>
+              <a:ext uri="{FF2B5EF4-FFF2-40B4-BE49-F238E27FC236}">
+                <a16:creationId xmlns:a16="http://schemas.microsoft.com/office/drawing/2014/main" id="{B19E24CE-E0B9-4627-B7C2-E9DBB7AE55CF}"/>
+              </a:ext>
+            </a:extLst>
+          </p:cNvPr>
+          <p:cNvSpPr/>
+          <p:nvPr/>
+        </p:nvSpPr>
+        <p:spPr>
+          <a:xfrm>
+            <a:off x="8480848" y="2538964"/>
+            <a:ext cx="1757617" cy="871331"/>
+          </a:xfrm>
+          <a:prstGeom prst="roundRect">
+            <a:avLst/>
+          </a:prstGeom>
+        </p:spPr>
+        <p:style>
+          <a:lnRef idx="2">
+            <a:schemeClr val="accent1">
+              <a:shade val="50000"/>
+            </a:schemeClr>
+          </a:lnRef>
+          <a:fillRef idx="1">
+            <a:schemeClr val="accent1"/>
+          </a:fillRef>
+          <a:effectRef idx="0">
+            <a:schemeClr val="accent1"/>
+          </a:effectRef>
+          <a:fontRef idx="minor">
+            <a:schemeClr val="lt1"/>
+          </a:fontRef>
+        </p:style>
+        <p:txBody>
+          <a:bodyPr rtlCol="0" anchor="ctr"/>
+          <a:lstStyle/>
+          <a:p>
+            <a:pPr algn="ctr"/>
+            <a:r>
+              <a:rPr lang="en-US" dirty="0"/>
+              <a:t>Nodejs</a:t>
+            </a:r>
+          </a:p>
+        </p:txBody>
+      </p:sp>
+      <p:cxnSp>
+        <p:nvCxnSpPr>
+          <p:cNvPr id="18" name="Straight Arrow Connector 9">
+            <a:extLst>
+              <a:ext uri="{FF2B5EF4-FFF2-40B4-BE49-F238E27FC236}">
+                <a16:creationId xmlns:a16="http://schemas.microsoft.com/office/drawing/2014/main" id="{AAFF80AC-F0B6-403D-8796-CB3DB90E61E0}"/>
+              </a:ext>
+            </a:extLst>
+          </p:cNvPr>
+          <p:cNvCxnSpPr>
+            <a:cxnSpLocks/>
+          </p:cNvCxnSpPr>
+          <p:nvPr/>
+        </p:nvCxnSpPr>
+        <p:spPr>
+          <a:xfrm flipH="1">
+            <a:off x="8996454" y="1864194"/>
+            <a:ext cx="1" cy="673595"/>
+          </a:xfrm>
+          <a:prstGeom prst="straightConnector1">
+            <a:avLst/>
+          </a:prstGeom>
+          <a:ln w="38100">
+            <a:tailEnd type="triangle"/>
+          </a:ln>
+        </p:spPr>
+        <p:style>
+          <a:lnRef idx="1">
+            <a:schemeClr val="dk1"/>
+          </a:lnRef>
+          <a:fillRef idx="0">
+            <a:schemeClr val="dk1"/>
+          </a:fillRef>
+          <a:effectRef idx="0">
+            <a:schemeClr val="dk1"/>
+          </a:effectRef>
+          <a:fontRef idx="minor">
+            <a:schemeClr val="tx1"/>
+          </a:fontRef>
+        </p:style>
+      </p:cxnSp>
+      <p:cxnSp>
+        <p:nvCxnSpPr>
+          <p:cNvPr id="19" name="Straight Arrow Connector 9">
+            <a:extLst>
+              <a:ext uri="{FF2B5EF4-FFF2-40B4-BE49-F238E27FC236}">
+                <a16:creationId xmlns:a16="http://schemas.microsoft.com/office/drawing/2014/main" id="{D30E8068-9D75-422D-804E-281E53A82EE5}"/>
+              </a:ext>
+            </a:extLst>
+          </p:cNvPr>
+          <p:cNvCxnSpPr>
+            <a:cxnSpLocks/>
+          </p:cNvCxnSpPr>
+          <p:nvPr/>
+        </p:nvCxnSpPr>
+        <p:spPr>
+          <a:xfrm flipV="1">
+            <a:off x="9711698" y="1864195"/>
+            <a:ext cx="2" cy="673594"/>
+          </a:xfrm>
+          <a:prstGeom prst="straightConnector1">
+            <a:avLst/>
+          </a:prstGeom>
+          <a:ln w="38100">
+            <a:tailEnd type="triangle"/>
+          </a:ln>
+        </p:spPr>
+        <p:style>
+          <a:lnRef idx="1">
+            <a:schemeClr val="dk1"/>
+          </a:lnRef>
+          <a:fillRef idx="0">
+            <a:schemeClr val="dk1"/>
+          </a:fillRef>
+          <a:effectRef idx="0">
+            <a:schemeClr val="dk1"/>
+          </a:effectRef>
+          <a:fontRef idx="minor">
+            <a:schemeClr val="tx1"/>
+          </a:fontRef>
+        </p:style>
+      </p:cxnSp>
+      <p:cxnSp>
+        <p:nvCxnSpPr>
+          <p:cNvPr id="20" name="Straight Arrow Connector 9">
+            <a:extLst>
+              <a:ext uri="{FF2B5EF4-FFF2-40B4-BE49-F238E27FC236}">
+                <a16:creationId xmlns:a16="http://schemas.microsoft.com/office/drawing/2014/main" id="{E1153BC3-EDE8-4419-9E4B-8280D69ED56B}"/>
+              </a:ext>
+            </a:extLst>
+          </p:cNvPr>
+          <p:cNvCxnSpPr>
+            <a:cxnSpLocks/>
+          </p:cNvCxnSpPr>
+          <p:nvPr/>
+        </p:nvCxnSpPr>
+        <p:spPr>
+          <a:xfrm>
+            <a:off x="8996452" y="3429000"/>
+            <a:ext cx="1" cy="624254"/>
+          </a:xfrm>
+          <a:prstGeom prst="straightConnector1">
+            <a:avLst/>
+          </a:prstGeom>
+          <a:ln w="38100">
+            <a:tailEnd type="triangle"/>
+          </a:ln>
+        </p:spPr>
+        <p:style>
+          <a:lnRef idx="1">
+            <a:schemeClr val="dk1"/>
+          </a:lnRef>
+          <a:fillRef idx="0">
+            <a:schemeClr val="dk1"/>
+          </a:fillRef>
+          <a:effectRef idx="0">
+            <a:schemeClr val="dk1"/>
+          </a:effectRef>
+          <a:fontRef idx="minor">
+            <a:schemeClr val="tx1"/>
+          </a:fontRef>
+        </p:style>
+      </p:cxnSp>
+      <p:cxnSp>
+        <p:nvCxnSpPr>
+          <p:cNvPr id="21" name="Straight Arrow Connector 9">
+            <a:extLst>
+              <a:ext uri="{FF2B5EF4-FFF2-40B4-BE49-F238E27FC236}">
+                <a16:creationId xmlns:a16="http://schemas.microsoft.com/office/drawing/2014/main" id="{A8C93B59-A6B3-46D4-BCB5-6A99F63CDE1A}"/>
+              </a:ext>
+            </a:extLst>
+          </p:cNvPr>
+          <p:cNvCxnSpPr>
+            <a:cxnSpLocks/>
+          </p:cNvCxnSpPr>
+          <p:nvPr/>
+        </p:nvCxnSpPr>
+        <p:spPr>
+          <a:xfrm flipV="1">
+            <a:off x="9711698" y="3410295"/>
+            <a:ext cx="0" cy="642960"/>
+          </a:xfrm>
+          <a:prstGeom prst="straightConnector1">
+            <a:avLst/>
+          </a:prstGeom>
+          <a:ln w="38100">
+            <a:tailEnd type="triangle"/>
+          </a:ln>
+        </p:spPr>
+        <p:style>
+          <a:lnRef idx="1">
+            <a:schemeClr val="dk1"/>
+          </a:lnRef>
+          <a:fillRef idx="0">
+            <a:schemeClr val="dk1"/>
+          </a:fillRef>
+          <a:effectRef idx="0">
+            <a:schemeClr val="dk1"/>
+          </a:effectRef>
+          <a:fontRef idx="minor">
+            <a:schemeClr val="tx1"/>
+          </a:fontRef>
+        </p:style>
+      </p:cxnSp>
+    </p:spTree>
+    <p:extLst>
+      <p:ext uri="{BB962C8B-B14F-4D97-AF65-F5344CB8AC3E}">
+        <p14:creationId xmlns:p14="http://schemas.microsoft.com/office/powerpoint/2010/main" val="3604225371"/>
+      </p:ext>
+    </p:extLst>
+  </p:cSld>
+  <p:clrMapOvr>
+    <a:masterClrMapping/>
+  </p:clrMapOvr>
+</p:sld>
+</file>
+
+<file path=ppt/slides/slide8.xml><?xml version="1.0" encoding="utf-8"?>
+<p:sld xmlns:a="http://schemas.openxmlformats.org/drawingml/2006/main" xmlns:r="http://schemas.openxmlformats.org/officeDocument/2006/relationships" xmlns:p="http://schemas.openxmlformats.org/presentationml/2006/main">
+  <p:cSld>
+    <p:spTree>
+      <p:nvGrpSpPr>
+        <p:cNvPr id="1" name=""/>
+        <p:cNvGrpSpPr/>
+        <p:nvPr/>
+      </p:nvGrpSpPr>
+      <p:grpSpPr>
+        <a:xfrm>
+          <a:off x="0" y="0"/>
+          <a:ext cx="0" cy="0"/>
+          <a:chOff x="0" y="0"/>
+          <a:chExt cx="0" cy="0"/>
+        </a:xfrm>
+      </p:grpSpPr>
+      <p:sp>
+        <p:nvSpPr>
+          <p:cNvPr id="2" name="Title 1">
+            <a:extLst>
+              <a:ext uri="{FF2B5EF4-FFF2-40B4-BE49-F238E27FC236}">
+                <a16:creationId xmlns:a16="http://schemas.microsoft.com/office/drawing/2014/main" id="{C290008B-81C5-40D7-790A-FA53BA47D600}"/>
+              </a:ext>
+            </a:extLst>
+          </p:cNvPr>
+          <p:cNvSpPr>
+            <a:spLocks noGrp="1"/>
+          </p:cNvSpPr>
+          <p:nvPr>
+            <p:ph type="title"/>
+          </p:nvPr>
+        </p:nvSpPr>
+        <p:spPr/>
+        <p:txBody>
+          <a:bodyPr/>
+          <a:lstStyle/>
+          <a:p>
+            <a:r>
+              <a:rPr lang="en-US" dirty="0"/>
+              <a:t>IDE</a:t>
+            </a:r>
+          </a:p>
+        </p:txBody>
+      </p:sp>
+      <p:sp>
+        <p:nvSpPr>
+          <p:cNvPr id="3" name="Content Placeholder 2">
+            <a:extLst>
+              <a:ext uri="{FF2B5EF4-FFF2-40B4-BE49-F238E27FC236}">
+                <a16:creationId xmlns:a16="http://schemas.microsoft.com/office/drawing/2014/main" id="{FABC8D7F-46DE-6E8D-EF75-E618C891897A}"/>
+              </a:ext>
+            </a:extLst>
+          </p:cNvPr>
+          <p:cNvSpPr>
+            <a:spLocks noGrp="1"/>
+          </p:cNvSpPr>
+          <p:nvPr>
+            <p:ph sz="half" idx="1"/>
+          </p:nvPr>
+        </p:nvSpPr>
+        <p:spPr>
+          <a:xfrm>
+            <a:off x="1447330" y="2010878"/>
+            <a:ext cx="7239470" cy="4042233"/>
+          </a:xfrm>
+        </p:spPr>
+        <p:txBody>
+          <a:bodyPr>
+            <a:normAutofit/>
+          </a:bodyPr>
+          <a:lstStyle/>
+          <a:p>
+            <a:r>
+              <a:rPr lang="en-US" dirty="0">
+                <a:solidFill>
+                  <a:srgbClr val="FF0000"/>
+                </a:solidFill>
+              </a:rPr>
+              <a:t>(modified) </a:t>
+            </a:r>
+            <a:r>
+              <a:rPr lang="en-US" dirty="0"/>
+              <a:t>Using </a:t>
+            </a:r>
+            <a:r>
+              <a:rPr lang="en-US" dirty="0" err="1"/>
+              <a:t>nodejs</a:t>
+            </a:r>
+            <a:r>
+              <a:rPr lang="en-US" dirty="0"/>
+              <a:t> Python-shell for code executing</a:t>
+            </a:r>
+            <a:br>
+              <a:rPr lang="en-US" dirty="0"/>
+            </a:br>
+            <a:r>
+              <a:rPr lang="en-US" dirty="0">
+                <a:sym typeface="Wingdings" panose="05000000000000000000" pitchFamily="2" charset="2"/>
+              </a:rPr>
+              <a:t> secure issue, server attack, access to other user’s code…</a:t>
+            </a:r>
+            <a:br>
+              <a:rPr lang="en-US" dirty="0">
+                <a:sym typeface="Wingdings" panose="05000000000000000000" pitchFamily="2" charset="2"/>
+              </a:rPr>
+            </a:br>
+            <a:r>
+              <a:rPr lang="en-US" dirty="0">
+                <a:sym typeface="Wingdings" panose="05000000000000000000" pitchFamily="2" charset="2"/>
+              </a:rPr>
+              <a:t> Virtualizing with Docker container</a:t>
+            </a:r>
+          </a:p>
+          <a:p>
+            <a:r>
+              <a:rPr lang="en-US" dirty="0">
+                <a:solidFill>
+                  <a:srgbClr val="FF0000"/>
+                </a:solidFill>
+                <a:sym typeface="Wingdings" panose="05000000000000000000" pitchFamily="2" charset="2"/>
+              </a:rPr>
+              <a:t>(added) </a:t>
+            </a:r>
+            <a:r>
+              <a:rPr lang="en-US" dirty="0">
+                <a:sym typeface="Wingdings" panose="05000000000000000000" pitchFamily="2" charset="2"/>
+              </a:rPr>
+              <a:t>Timeout 10 sec, Long output denied</a:t>
+            </a:r>
+          </a:p>
+          <a:p>
+            <a:r>
+              <a:rPr lang="en-US" dirty="0"/>
+              <a:t>(fixed) Post request to server with code</a:t>
+            </a:r>
+          </a:p>
+          <a:p>
+            <a:r>
+              <a:rPr lang="en-US" altLang="ko-KR" dirty="0"/>
+              <a:t>(fixed) </a:t>
+            </a:r>
+            <a:r>
+              <a:rPr lang="en-US" dirty="0"/>
+              <a:t>Code-Mirror IDE design</a:t>
+            </a:r>
+          </a:p>
+          <a:p>
+            <a:r>
+              <a:rPr lang="en-US" altLang="ko-KR" dirty="0"/>
+              <a:t>(fixed) run with input, grading correct answers</a:t>
+            </a:r>
+          </a:p>
+          <a:p>
+            <a:r>
+              <a:rPr lang="en-US" altLang="ko-KR" dirty="0"/>
+              <a:t>(fixed) </a:t>
+            </a:r>
+            <a:r>
+              <a:rPr lang="en-US" dirty="0"/>
+              <a:t>Code save and load for user</a:t>
+            </a:r>
+          </a:p>
+          <a:p>
+            <a:endParaRPr lang="en-US" dirty="0"/>
+          </a:p>
+        </p:txBody>
+      </p:sp>
+    </p:spTree>
+    <p:extLst>
+      <p:ext uri="{BB962C8B-B14F-4D97-AF65-F5344CB8AC3E}">
+        <p14:creationId xmlns:p14="http://schemas.microsoft.com/office/powerpoint/2010/main" val="1937169403"/>
+      </p:ext>
+    </p:extLst>
+  </p:cSld>
+  <p:clrMapOvr>
+    <a:masterClrMapping/>
+  </p:clrMapOvr>
+</p:sld>
+</file>
+
+<file path=ppt/slides/slide9.xml><?xml version="1.0" encoding="utf-8"?>
 <p:sld xmlns:a="http://schemas.openxmlformats.org/drawingml/2006/main" xmlns:r="http://schemas.openxmlformats.org/officeDocument/2006/relationships" xmlns:p="http://schemas.openxmlformats.org/presentationml/2006/main">
   <p:cSld>
     <p:spTree>
@@ -4501,8 +7144,8 @@
         </p:blipFill>
         <p:spPr>
           <a:xfrm>
-            <a:off x="0" y="273050"/>
-            <a:ext cx="12192000" cy="6121400"/>
+            <a:off x="0" y="474710"/>
+            <a:ext cx="12192000" cy="5919739"/>
           </a:xfrm>
           <a:prstGeom prst="rect">
             <a:avLst/>
@@ -4655,10 +7298,10 @@
       </p:pic>
       <p:pic>
         <p:nvPicPr>
-          <p:cNvPr id="17" name="Picture 16" descr="Graphical user interface&#10;&#10;Description automatically generated">
+          <p:cNvPr id="8" name="그림 7">
             <a:extLst>
               <a:ext uri="{FF2B5EF4-FFF2-40B4-BE49-F238E27FC236}">
-                <a16:creationId xmlns:a16="http://schemas.microsoft.com/office/drawing/2014/main" id="{2787D781-8B15-17DD-139C-37F25A63AE32}"/>
+                <a16:creationId xmlns:a16="http://schemas.microsoft.com/office/drawing/2014/main" id="{5D157CC3-8475-4DA8-B394-28F6C07F2870}"/>
               </a:ext>
             </a:extLst>
           </p:cNvPr>
@@ -4668,21 +7311,15 @@
           <p:nvPr/>
         </p:nvPicPr>
         <p:blipFill>
-          <a:blip r:embed="rId9">
-            <a:extLst>
-              <a:ext uri="{28A0092B-C50C-407E-A947-70E740481C1C}">
-                <a14:useLocalDpi xmlns:a14="http://schemas.microsoft.com/office/drawing/2010/main" val="0"/>
-              </a:ext>
-            </a:extLst>
-          </a:blip>
+          <a:blip r:embed="rId9"/>
           <a:stretch>
             <a:fillRect/>
           </a:stretch>
         </p:blipFill>
         <p:spPr>
           <a:xfrm>
-            <a:off x="0" y="460375"/>
-            <a:ext cx="12192000" cy="5937250"/>
+            <a:off x="0" y="474711"/>
+            <a:ext cx="12192000" cy="5908577"/>
           </a:xfrm>
           <a:prstGeom prst="rect">
             <a:avLst/>
@@ -4691,10 +7328,10 @@
       </p:pic>
       <p:pic>
         <p:nvPicPr>
-          <p:cNvPr id="19" name="Picture 18" descr="Graphical user interface&#10;&#10;Description automatically generated">
+          <p:cNvPr id="16" name="그림 15">
             <a:extLst>
               <a:ext uri="{FF2B5EF4-FFF2-40B4-BE49-F238E27FC236}">
-                <a16:creationId xmlns:a16="http://schemas.microsoft.com/office/drawing/2014/main" id="{92CC75AD-1D10-76A1-00FB-F3A21523D7AF}"/>
+                <a16:creationId xmlns:a16="http://schemas.microsoft.com/office/drawing/2014/main" id="{5560A079-6ADD-469A-B742-200761ABDB8E}"/>
               </a:ext>
             </a:extLst>
           </p:cNvPr>
@@ -4704,21 +7341,15 @@
           <p:nvPr/>
         </p:nvPicPr>
         <p:blipFill>
-          <a:blip r:embed="rId10">
-            <a:extLst>
-              <a:ext uri="{28A0092B-C50C-407E-A947-70E740481C1C}">
-                <a14:useLocalDpi xmlns:a14="http://schemas.microsoft.com/office/drawing/2010/main" val="0"/>
-              </a:ext>
-            </a:extLst>
-          </a:blip>
+          <a:blip r:embed="rId10"/>
           <a:stretch>
             <a:fillRect/>
           </a:stretch>
         </p:blipFill>
         <p:spPr>
           <a:xfrm>
-            <a:off x="0" y="466725"/>
-            <a:ext cx="12192000" cy="5924550"/>
+            <a:off x="0" y="482706"/>
+            <a:ext cx="12192000" cy="5892588"/>
           </a:xfrm>
           <a:prstGeom prst="rect">
             <a:avLst/>
@@ -5039,7 +7670,7 @@
                                           </p:stCondLst>
                                         </p:cTn>
                                         <p:tgtEl>
-                                          <p:spTgt spid="17"/>
+                                          <p:spTgt spid="8"/>
                                         </p:tgtEl>
                                         <p:attrNameLst>
                                           <p:attrName>style.visibility</p:attrName>
@@ -5084,7 +7715,7 @@
                                           </p:stCondLst>
                                         </p:cTn>
                                         <p:tgtEl>
-                                          <p:spTgt spid="19"/>
+                                          <p:spTgt spid="16"/>
                                         </p:tgtEl>
                                         <p:attrNameLst>
                                           <p:attrName>style.visibility</p:attrName>
@@ -5125,759 +7756,6 @@
       </p:par>
     </p:tnLst>
   </p:timing>
-</p:sld>
-</file>
-
-<file path=ppt/slides/slide7.xml><?xml version="1.0" encoding="utf-8"?>
-<p:sld xmlns:a="http://schemas.openxmlformats.org/drawingml/2006/main" xmlns:r="http://schemas.openxmlformats.org/officeDocument/2006/relationships" xmlns:p="http://schemas.openxmlformats.org/presentationml/2006/main">
-  <p:cSld>
-    <p:spTree>
-      <p:nvGrpSpPr>
-        <p:cNvPr id="1" name=""/>
-        <p:cNvGrpSpPr/>
-        <p:nvPr/>
-      </p:nvGrpSpPr>
-      <p:grpSpPr>
-        <a:xfrm>
-          <a:off x="0" y="0"/>
-          <a:ext cx="0" cy="0"/>
-          <a:chOff x="0" y="0"/>
-          <a:chExt cx="0" cy="0"/>
-        </a:xfrm>
-      </p:grpSpPr>
-      <p:sp>
-        <p:nvSpPr>
-          <p:cNvPr id="2" name="Title 1">
-            <a:extLst>
-              <a:ext uri="{FF2B5EF4-FFF2-40B4-BE49-F238E27FC236}">
-                <a16:creationId xmlns:a16="http://schemas.microsoft.com/office/drawing/2014/main" id="{C290008B-81C5-40D7-790A-FA53BA47D600}"/>
-              </a:ext>
-            </a:extLst>
-          </p:cNvPr>
-          <p:cNvSpPr>
-            <a:spLocks noGrp="1"/>
-          </p:cNvSpPr>
-          <p:nvPr>
-            <p:ph type="title"/>
-          </p:nvPr>
-        </p:nvSpPr>
-        <p:spPr/>
-        <p:txBody>
-          <a:bodyPr/>
-          <a:lstStyle/>
-          <a:p>
-            <a:r>
-              <a:rPr lang="en-US" dirty="0"/>
-              <a:t>IDE</a:t>
-            </a:r>
-          </a:p>
-        </p:txBody>
-      </p:sp>
-      <p:sp>
-        <p:nvSpPr>
-          <p:cNvPr id="3" name="Content Placeholder 2">
-            <a:extLst>
-              <a:ext uri="{FF2B5EF4-FFF2-40B4-BE49-F238E27FC236}">
-                <a16:creationId xmlns:a16="http://schemas.microsoft.com/office/drawing/2014/main" id="{FABC8D7F-46DE-6E8D-EF75-E618C891897A}"/>
-              </a:ext>
-            </a:extLst>
-          </p:cNvPr>
-          <p:cNvSpPr>
-            <a:spLocks noGrp="1"/>
-          </p:cNvSpPr>
-          <p:nvPr>
-            <p:ph sz="half" idx="1"/>
-          </p:nvPr>
-        </p:nvSpPr>
-        <p:spPr/>
-        <p:txBody>
-          <a:bodyPr/>
-          <a:lstStyle/>
-          <a:p>
-            <a:r>
-              <a:rPr lang="en-US" dirty="0" err="1"/>
-              <a:t>CodeMirror</a:t>
-            </a:r>
-            <a:r>
-              <a:rPr lang="en-US" dirty="0"/>
-              <a:t>-based Python IDE</a:t>
-            </a:r>
-          </a:p>
-          <a:p>
-            <a:r>
-              <a:rPr lang="en-US" dirty="0" err="1"/>
-              <a:t>Axios</a:t>
-            </a:r>
-            <a:r>
-              <a:rPr lang="en-US" dirty="0"/>
-              <a:t> module</a:t>
-            </a:r>
-          </a:p>
-          <a:p>
-            <a:pPr lvl="1"/>
-            <a:r>
-              <a:rPr lang="en-US" dirty="0"/>
-              <a:t>to send user codes to the server to run</a:t>
-            </a:r>
-          </a:p>
-          <a:p>
-            <a:r>
-              <a:rPr lang="en-US" dirty="0"/>
-              <a:t>Python Docker container</a:t>
-            </a:r>
-          </a:p>
-          <a:p>
-            <a:pPr lvl="1"/>
-            <a:r>
-              <a:rPr lang="en-US" dirty="0"/>
-              <a:t>User-submitted codes run on this</a:t>
-            </a:r>
-          </a:p>
-          <a:p>
-            <a:r>
-              <a:rPr lang="en-US" dirty="0"/>
-              <a:t>Result returned and shown in web page via </a:t>
-            </a:r>
-            <a:r>
-              <a:rPr lang="en-US" i="1" dirty="0" err="1"/>
-              <a:t>runcode</a:t>
-            </a:r>
-            <a:r>
-              <a:rPr lang="en-US" dirty="0"/>
-              <a:t> API</a:t>
-            </a:r>
-          </a:p>
-          <a:p>
-            <a:endParaRPr lang="en-US" dirty="0"/>
-          </a:p>
-          <a:p>
-            <a:endParaRPr lang="en-US" dirty="0"/>
-          </a:p>
-          <a:p>
-            <a:endParaRPr lang="en-US" dirty="0"/>
-          </a:p>
-        </p:txBody>
-      </p:sp>
-      <p:sp>
-        <p:nvSpPr>
-          <p:cNvPr id="5" name="Rectangle 4">
-            <a:extLst>
-              <a:ext uri="{FF2B5EF4-FFF2-40B4-BE49-F238E27FC236}">
-                <a16:creationId xmlns:a16="http://schemas.microsoft.com/office/drawing/2014/main" id="{E18A7AC1-9138-E6EB-9E8E-40658A567DC5}"/>
-              </a:ext>
-            </a:extLst>
-          </p:cNvPr>
-          <p:cNvSpPr/>
-          <p:nvPr/>
-        </p:nvSpPr>
-        <p:spPr>
-          <a:xfrm>
-            <a:off x="7618123" y="2010878"/>
-            <a:ext cx="1910720" cy="1332781"/>
-          </a:xfrm>
-          <a:prstGeom prst="rect">
-            <a:avLst/>
-          </a:prstGeom>
-        </p:spPr>
-        <p:style>
-          <a:lnRef idx="2">
-            <a:schemeClr val="accent6">
-              <a:shade val="50000"/>
-            </a:schemeClr>
-          </a:lnRef>
-          <a:fillRef idx="1">
-            <a:schemeClr val="accent6"/>
-          </a:fillRef>
-          <a:effectRef idx="0">
-            <a:schemeClr val="accent6"/>
-          </a:effectRef>
-          <a:fontRef idx="minor">
-            <a:schemeClr val="lt1"/>
-          </a:fontRef>
-        </p:style>
-        <p:txBody>
-          <a:bodyPr rtlCol="0" anchor="ctr"/>
-          <a:lstStyle/>
-          <a:p>
-            <a:pPr algn="ctr"/>
-            <a:r>
-              <a:rPr lang="en-US" dirty="0"/>
-              <a:t>React</a:t>
-            </a:r>
-          </a:p>
-          <a:p>
-            <a:pPr algn="ctr"/>
-            <a:endParaRPr lang="en-US" dirty="0"/>
-          </a:p>
-          <a:p>
-            <a:pPr algn="ctr"/>
-            <a:endParaRPr lang="en-US" dirty="0"/>
-          </a:p>
-          <a:p>
-            <a:pPr algn="ctr"/>
-            <a:endParaRPr lang="en-US" dirty="0"/>
-          </a:p>
-        </p:txBody>
-      </p:sp>
-      <p:sp>
-        <p:nvSpPr>
-          <p:cNvPr id="6" name="Rectangle 5">
-            <a:extLst>
-              <a:ext uri="{FF2B5EF4-FFF2-40B4-BE49-F238E27FC236}">
-                <a16:creationId xmlns:a16="http://schemas.microsoft.com/office/drawing/2014/main" id="{0DAAA369-10C2-56AA-9ECA-91AA5D765A92}"/>
-              </a:ext>
-            </a:extLst>
-          </p:cNvPr>
-          <p:cNvSpPr/>
-          <p:nvPr/>
-        </p:nvSpPr>
-        <p:spPr>
-          <a:xfrm>
-            <a:off x="7831611" y="2457325"/>
-            <a:ext cx="1483743" cy="793630"/>
-          </a:xfrm>
-          <a:prstGeom prst="rect">
-            <a:avLst/>
-          </a:prstGeom>
-        </p:spPr>
-        <p:style>
-          <a:lnRef idx="2">
-            <a:schemeClr val="dk1">
-              <a:shade val="50000"/>
-            </a:schemeClr>
-          </a:lnRef>
-          <a:fillRef idx="1">
-            <a:schemeClr val="dk1"/>
-          </a:fillRef>
-          <a:effectRef idx="0">
-            <a:schemeClr val="dk1"/>
-          </a:effectRef>
-          <a:fontRef idx="minor">
-            <a:schemeClr val="lt1"/>
-          </a:fontRef>
-        </p:style>
-        <p:txBody>
-          <a:bodyPr rtlCol="0" anchor="ctr"/>
-          <a:lstStyle/>
-          <a:p>
-            <a:pPr algn="ctr"/>
-            <a:r>
-              <a:rPr lang="en-US" dirty="0" err="1"/>
-              <a:t>CodeMirror</a:t>
-            </a:r>
-            <a:endParaRPr lang="en-US" dirty="0"/>
-          </a:p>
-        </p:txBody>
-      </p:sp>
-      <p:sp>
-        <p:nvSpPr>
-          <p:cNvPr id="7" name="Rectangle: Rounded Corners 6">
-            <a:extLst>
-              <a:ext uri="{FF2B5EF4-FFF2-40B4-BE49-F238E27FC236}">
-                <a16:creationId xmlns:a16="http://schemas.microsoft.com/office/drawing/2014/main" id="{EE31E730-16A5-0692-1D18-A23958696228}"/>
-              </a:ext>
-            </a:extLst>
-          </p:cNvPr>
-          <p:cNvSpPr/>
-          <p:nvPr/>
-        </p:nvSpPr>
-        <p:spPr>
-          <a:xfrm>
-            <a:off x="6413771" y="4199374"/>
-            <a:ext cx="1757617" cy="871331"/>
-          </a:xfrm>
-          <a:prstGeom prst="roundRect">
-            <a:avLst/>
-          </a:prstGeom>
-        </p:spPr>
-        <p:style>
-          <a:lnRef idx="2">
-            <a:schemeClr val="accent1">
-              <a:shade val="50000"/>
-            </a:schemeClr>
-          </a:lnRef>
-          <a:fillRef idx="1">
-            <a:schemeClr val="accent1"/>
-          </a:fillRef>
-          <a:effectRef idx="0">
-            <a:schemeClr val="accent1"/>
-          </a:effectRef>
-          <a:fontRef idx="minor">
-            <a:schemeClr val="lt1"/>
-          </a:fontRef>
-        </p:style>
-        <p:txBody>
-          <a:bodyPr rtlCol="0" anchor="ctr"/>
-          <a:lstStyle/>
-          <a:p>
-            <a:pPr algn="ctr"/>
-            <a:r>
-              <a:rPr lang="en-US" dirty="0" err="1"/>
-              <a:t>Axios</a:t>
-            </a:r>
-            <a:endParaRPr lang="en-US" dirty="0"/>
-          </a:p>
-        </p:txBody>
-      </p:sp>
-      <p:sp>
-        <p:nvSpPr>
-          <p:cNvPr id="8" name="Cylinder 7">
-            <a:extLst>
-              <a:ext uri="{FF2B5EF4-FFF2-40B4-BE49-F238E27FC236}">
-                <a16:creationId xmlns:a16="http://schemas.microsoft.com/office/drawing/2014/main" id="{7617AC91-A7C9-35DB-CAA9-5406C255AC98}"/>
-              </a:ext>
-            </a:extLst>
-          </p:cNvPr>
-          <p:cNvSpPr/>
-          <p:nvPr/>
-        </p:nvSpPr>
-        <p:spPr>
-          <a:xfrm>
-            <a:off x="9359660" y="3811217"/>
-            <a:ext cx="1385009" cy="1647646"/>
-          </a:xfrm>
-          <a:prstGeom prst="can">
-            <a:avLst/>
-          </a:prstGeom>
-        </p:spPr>
-        <p:style>
-          <a:lnRef idx="2">
-            <a:schemeClr val="accent5">
-              <a:shade val="50000"/>
-            </a:schemeClr>
-          </a:lnRef>
-          <a:fillRef idx="1">
-            <a:schemeClr val="accent5"/>
-          </a:fillRef>
-          <a:effectRef idx="0">
-            <a:schemeClr val="accent5"/>
-          </a:effectRef>
-          <a:fontRef idx="minor">
-            <a:schemeClr val="lt1"/>
-          </a:fontRef>
-        </p:style>
-        <p:txBody>
-          <a:bodyPr rtlCol="0" anchor="ctr"/>
-          <a:lstStyle/>
-          <a:p>
-            <a:pPr algn="ctr"/>
-            <a:r>
-              <a:rPr lang="en-US" dirty="0"/>
-              <a:t>Python3 on Docker</a:t>
-            </a:r>
-          </a:p>
-        </p:txBody>
-      </p:sp>
-      <p:cxnSp>
-        <p:nvCxnSpPr>
-          <p:cNvPr id="10" name="Straight Arrow Connector 9">
-            <a:extLst>
-              <a:ext uri="{FF2B5EF4-FFF2-40B4-BE49-F238E27FC236}">
-                <a16:creationId xmlns:a16="http://schemas.microsoft.com/office/drawing/2014/main" id="{BF3C9EB2-31C5-612F-90DF-8F18382170F0}"/>
-              </a:ext>
-            </a:extLst>
-          </p:cNvPr>
-          <p:cNvCxnSpPr>
-            <a:cxnSpLocks/>
-            <a:stCxn id="6" idx="1"/>
-            <a:endCxn id="7" idx="0"/>
-          </p:cNvCxnSpPr>
-          <p:nvPr/>
-        </p:nvCxnSpPr>
-        <p:spPr>
-          <a:xfrm flipH="1">
-            <a:off x="7292580" y="2854140"/>
-            <a:ext cx="539031" cy="1345234"/>
-          </a:xfrm>
-          <a:prstGeom prst="straightConnector1">
-            <a:avLst/>
-          </a:prstGeom>
-          <a:ln w="38100">
-            <a:tailEnd type="triangle"/>
-          </a:ln>
-        </p:spPr>
-        <p:style>
-          <a:lnRef idx="1">
-            <a:schemeClr val="dk1"/>
-          </a:lnRef>
-          <a:fillRef idx="0">
-            <a:schemeClr val="dk1"/>
-          </a:fillRef>
-          <a:effectRef idx="0">
-            <a:schemeClr val="dk1"/>
-          </a:effectRef>
-          <a:fontRef idx="minor">
-            <a:schemeClr val="tx1"/>
-          </a:fontRef>
-        </p:style>
-      </p:cxnSp>
-      <p:cxnSp>
-        <p:nvCxnSpPr>
-          <p:cNvPr id="14" name="Straight Arrow Connector 13">
-            <a:extLst>
-              <a:ext uri="{FF2B5EF4-FFF2-40B4-BE49-F238E27FC236}">
-                <a16:creationId xmlns:a16="http://schemas.microsoft.com/office/drawing/2014/main" id="{27FD2E1D-D05D-FDBE-F99B-29CFEBF31590}"/>
-              </a:ext>
-            </a:extLst>
-          </p:cNvPr>
-          <p:cNvCxnSpPr>
-            <a:cxnSpLocks/>
-            <a:stCxn id="7" idx="3"/>
-            <a:endCxn id="8" idx="2"/>
-          </p:cNvCxnSpPr>
-          <p:nvPr/>
-        </p:nvCxnSpPr>
-        <p:spPr>
-          <a:xfrm>
-            <a:off x="8171388" y="4635040"/>
-            <a:ext cx="1188272" cy="0"/>
-          </a:xfrm>
-          <a:prstGeom prst="straightConnector1">
-            <a:avLst/>
-          </a:prstGeom>
-          <a:ln w="38100">
-            <a:tailEnd type="triangle"/>
-          </a:ln>
-        </p:spPr>
-        <p:style>
-          <a:lnRef idx="1">
-            <a:schemeClr val="dk1"/>
-          </a:lnRef>
-          <a:fillRef idx="0">
-            <a:schemeClr val="dk1"/>
-          </a:fillRef>
-          <a:effectRef idx="0">
-            <a:schemeClr val="dk1"/>
-          </a:effectRef>
-          <a:fontRef idx="minor">
-            <a:schemeClr val="tx1"/>
-          </a:fontRef>
-        </p:style>
-      </p:cxnSp>
-      <p:cxnSp>
-        <p:nvCxnSpPr>
-          <p:cNvPr id="17" name="Straight Arrow Connector 16">
-            <a:extLst>
-              <a:ext uri="{FF2B5EF4-FFF2-40B4-BE49-F238E27FC236}">
-                <a16:creationId xmlns:a16="http://schemas.microsoft.com/office/drawing/2014/main" id="{94790824-7A74-4A86-B36E-1E2F9E68AF2F}"/>
-              </a:ext>
-            </a:extLst>
-          </p:cNvPr>
-          <p:cNvCxnSpPr>
-            <a:cxnSpLocks/>
-            <a:stCxn id="8" idx="1"/>
-            <a:endCxn id="5" idx="3"/>
-          </p:cNvCxnSpPr>
-          <p:nvPr/>
-        </p:nvCxnSpPr>
-        <p:spPr>
-          <a:xfrm flipH="1" flipV="1">
-            <a:off x="9528843" y="2677269"/>
-            <a:ext cx="523322" cy="1133948"/>
-          </a:xfrm>
-          <a:prstGeom prst="straightConnector1">
-            <a:avLst/>
-          </a:prstGeom>
-          <a:ln w="38100">
-            <a:tailEnd type="triangle"/>
-          </a:ln>
-        </p:spPr>
-        <p:style>
-          <a:lnRef idx="1">
-            <a:schemeClr val="dk1"/>
-          </a:lnRef>
-          <a:fillRef idx="0">
-            <a:schemeClr val="dk1"/>
-          </a:fillRef>
-          <a:effectRef idx="0">
-            <a:schemeClr val="dk1"/>
-          </a:effectRef>
-          <a:fontRef idx="minor">
-            <a:schemeClr val="tx1"/>
-          </a:fontRef>
-        </p:style>
-      </p:cxnSp>
-    </p:spTree>
-    <p:extLst>
-      <p:ext uri="{BB962C8B-B14F-4D97-AF65-F5344CB8AC3E}">
-        <p14:creationId xmlns:p14="http://schemas.microsoft.com/office/powerpoint/2010/main" val="1937169403"/>
-      </p:ext>
-    </p:extLst>
-  </p:cSld>
-  <p:clrMapOvr>
-    <a:masterClrMapping/>
-  </p:clrMapOvr>
-</p:sld>
-</file>
-
-<file path=ppt/slides/slide8.xml><?xml version="1.0" encoding="utf-8"?>
-<p:sld xmlns:a="http://schemas.openxmlformats.org/drawingml/2006/main" xmlns:r="http://schemas.openxmlformats.org/officeDocument/2006/relationships" xmlns:p="http://schemas.openxmlformats.org/presentationml/2006/main">
-  <p:cSld>
-    <p:spTree>
-      <p:nvGrpSpPr>
-        <p:cNvPr id="1" name=""/>
-        <p:cNvGrpSpPr/>
-        <p:nvPr/>
-      </p:nvGrpSpPr>
-      <p:grpSpPr>
-        <a:xfrm>
-          <a:off x="0" y="0"/>
-          <a:ext cx="0" cy="0"/>
-          <a:chOff x="0" y="0"/>
-          <a:chExt cx="0" cy="0"/>
-        </a:xfrm>
-      </p:grpSpPr>
-      <p:sp>
-        <p:nvSpPr>
-          <p:cNvPr id="2" name="Title 1">
-            <a:extLst>
-              <a:ext uri="{FF2B5EF4-FFF2-40B4-BE49-F238E27FC236}">
-                <a16:creationId xmlns:a16="http://schemas.microsoft.com/office/drawing/2014/main" id="{BD8372BE-972E-4C6A-2684-A919DDCD61E4}"/>
-              </a:ext>
-            </a:extLst>
-          </p:cNvPr>
-          <p:cNvSpPr>
-            <a:spLocks noGrp="1"/>
-          </p:cNvSpPr>
-          <p:nvPr>
-            <p:ph type="title"/>
-          </p:nvPr>
-        </p:nvSpPr>
-        <p:spPr/>
-        <p:txBody>
-          <a:bodyPr/>
-          <a:lstStyle/>
-          <a:p>
-            <a:r>
-              <a:rPr lang="en-US" dirty="0"/>
-              <a:t>Interaction</a:t>
-            </a:r>
-          </a:p>
-        </p:txBody>
-      </p:sp>
-      <p:sp>
-        <p:nvSpPr>
-          <p:cNvPr id="3" name="Content Placeholder 2">
-            <a:extLst>
-              <a:ext uri="{FF2B5EF4-FFF2-40B4-BE49-F238E27FC236}">
-                <a16:creationId xmlns:a16="http://schemas.microsoft.com/office/drawing/2014/main" id="{D4868C84-502F-3EEC-794E-AC847C0E965B}"/>
-              </a:ext>
-            </a:extLst>
-          </p:cNvPr>
-          <p:cNvSpPr>
-            <a:spLocks noGrp="1"/>
-          </p:cNvSpPr>
-          <p:nvPr>
-            <p:ph idx="1"/>
-          </p:nvPr>
-        </p:nvSpPr>
-        <p:spPr/>
-        <p:txBody>
-          <a:bodyPr/>
-          <a:lstStyle/>
-          <a:p>
-            <a:r>
-              <a:rPr lang="en-US" dirty="0"/>
-              <a:t>Dependency and Docker containers maintained by two shell scripts </a:t>
-            </a:r>
-            <a:r>
-              <a:rPr lang="en-US" i="1" dirty="0"/>
-              <a:t>run.sh</a:t>
-            </a:r>
-            <a:r>
-              <a:rPr lang="en-US" dirty="0"/>
-              <a:t> and </a:t>
-            </a:r>
-            <a:r>
-              <a:rPr lang="en-US" i="1" dirty="0"/>
-              <a:t>stop.sh</a:t>
-            </a:r>
-          </a:p>
-          <a:p>
-            <a:r>
-              <a:rPr lang="en-US" dirty="0"/>
-              <a:t>Node.js server, MySQL, and Python3 bound by Docker</a:t>
-            </a:r>
-          </a:p>
-          <a:p>
-            <a:r>
-              <a:rPr lang="en-US" dirty="0"/>
-              <a:t>Backend and frontend running on single Node.js server</a:t>
-            </a:r>
-          </a:p>
-          <a:p>
-            <a:pPr marL="0" indent="0">
-              <a:buNone/>
-            </a:pPr>
-            <a:endParaRPr lang="en-US" dirty="0"/>
-          </a:p>
-        </p:txBody>
-      </p:sp>
-    </p:spTree>
-    <p:extLst>
-      <p:ext uri="{BB962C8B-B14F-4D97-AF65-F5344CB8AC3E}">
-        <p14:creationId xmlns:p14="http://schemas.microsoft.com/office/powerpoint/2010/main" val="76740948"/>
-      </p:ext>
-    </p:extLst>
-  </p:cSld>
-  <p:clrMapOvr>
-    <a:masterClrMapping/>
-  </p:clrMapOvr>
-</p:sld>
-</file>
-
-<file path=ppt/slides/slide9.xml><?xml version="1.0" encoding="utf-8"?>
-<p:sld xmlns:a="http://schemas.openxmlformats.org/drawingml/2006/main" xmlns:r="http://schemas.openxmlformats.org/officeDocument/2006/relationships" xmlns:p="http://schemas.openxmlformats.org/presentationml/2006/main">
-  <p:cSld>
-    <p:spTree>
-      <p:nvGrpSpPr>
-        <p:cNvPr id="1" name=""/>
-        <p:cNvGrpSpPr/>
-        <p:nvPr/>
-      </p:nvGrpSpPr>
-      <p:grpSpPr>
-        <a:xfrm>
-          <a:off x="0" y="0"/>
-          <a:ext cx="0" cy="0"/>
-          <a:chOff x="0" y="0"/>
-          <a:chExt cx="0" cy="0"/>
-        </a:xfrm>
-      </p:grpSpPr>
-      <p:sp>
-        <p:nvSpPr>
-          <p:cNvPr id="2" name="Title 1">
-            <a:extLst>
-              <a:ext uri="{FF2B5EF4-FFF2-40B4-BE49-F238E27FC236}">
-                <a16:creationId xmlns:a16="http://schemas.microsoft.com/office/drawing/2014/main" id="{1574A382-A5CB-43FE-D20F-3195F7305996}"/>
-              </a:ext>
-            </a:extLst>
-          </p:cNvPr>
-          <p:cNvSpPr>
-            <a:spLocks noGrp="1"/>
-          </p:cNvSpPr>
-          <p:nvPr>
-            <p:ph type="title"/>
-          </p:nvPr>
-        </p:nvSpPr>
-        <p:spPr/>
-        <p:txBody>
-          <a:bodyPr/>
-          <a:lstStyle/>
-          <a:p>
-            <a:r>
-              <a:rPr lang="en-US" dirty="0"/>
-              <a:t>Server Environment</a:t>
-            </a:r>
-          </a:p>
-        </p:txBody>
-      </p:sp>
-      <p:sp>
-        <p:nvSpPr>
-          <p:cNvPr id="3" name="Content Placeholder 2">
-            <a:extLst>
-              <a:ext uri="{FF2B5EF4-FFF2-40B4-BE49-F238E27FC236}">
-                <a16:creationId xmlns:a16="http://schemas.microsoft.com/office/drawing/2014/main" id="{8725CC7D-EFFB-FB49-1907-7B3E8F642538}"/>
-              </a:ext>
-            </a:extLst>
-          </p:cNvPr>
-          <p:cNvSpPr>
-            <a:spLocks noGrp="1"/>
-          </p:cNvSpPr>
-          <p:nvPr>
-            <p:ph idx="1"/>
-          </p:nvPr>
-        </p:nvSpPr>
-        <p:spPr/>
-        <p:txBody>
-          <a:bodyPr/>
-          <a:lstStyle/>
-          <a:p>
-            <a:r>
-              <a:rPr lang="en-US" dirty="0"/>
-              <a:t>Deployed and tested on a personal NAS</a:t>
-            </a:r>
-          </a:p>
-          <a:p>
-            <a:pPr marL="0" indent="0">
-              <a:buNone/>
-            </a:pPr>
-            <a:endParaRPr lang="en-US" dirty="0"/>
-          </a:p>
-        </p:txBody>
-      </p:sp>
-      <p:graphicFrame>
-        <p:nvGraphicFramePr>
-          <p:cNvPr id="6" name="Object 5">
-            <a:extLst>
-              <a:ext uri="{FF2B5EF4-FFF2-40B4-BE49-F238E27FC236}">
-                <a16:creationId xmlns:a16="http://schemas.microsoft.com/office/drawing/2014/main" id="{8A4C8B06-8BD4-A15F-EB1E-4D3523896F32}"/>
-              </a:ext>
-            </a:extLst>
-          </p:cNvPr>
-          <p:cNvGraphicFramePr>
-            <a:graphicFrameLocks noChangeAspect="1"/>
-          </p:cNvGraphicFramePr>
-          <p:nvPr>
-            <p:extLst>
-              <p:ext uri="{D42A27DB-BD31-4B8C-83A1-F6EECF244321}">
-                <p14:modId xmlns:p14="http://schemas.microsoft.com/office/powerpoint/2010/main" val="3382162019"/>
-              </p:ext>
-            </p:extLst>
-          </p:nvPr>
-        </p:nvGraphicFramePr>
-        <p:xfrm>
-          <a:off x="5043240" y="2752725"/>
-          <a:ext cx="6716960" cy="3300756"/>
-        </p:xfrm>
-        <a:graphic>
-          <a:graphicData uri="http://schemas.openxmlformats.org/presentationml/2006/ole">
-            <mc:AlternateContent xmlns:mc="http://schemas.openxmlformats.org/markup-compatibility/2006">
-              <mc:Choice xmlns:v="urn:schemas-microsoft-com:vml" Requires="v">
-                <p:oleObj spid="_x0000_s1048" name="Bitmap Image" r:id="rId3" imgW="18278640" imgH="8982000" progId="Paint.Picture">
-                  <p:embed/>
-                </p:oleObj>
-              </mc:Choice>
-              <mc:Fallback>
-                <p:oleObj name="Bitmap Image" r:id="rId3" imgW="18278640" imgH="8982000" progId="Paint.Picture">
-                  <p:embed/>
-                  <p:pic>
-                    <p:nvPicPr>
-                      <p:cNvPr id="0" name=""/>
-                      <p:cNvPicPr/>
-                      <p:nvPr/>
-                    </p:nvPicPr>
-                    <p:blipFill>
-                      <a:blip r:embed="rId4"/>
-                      <a:stretch>
-                        <a:fillRect/>
-                      </a:stretch>
-                    </p:blipFill>
-                    <p:spPr>
-                      <a:xfrm>
-                        <a:off x="5043240" y="2752725"/>
-                        <a:ext cx="6716960" cy="3300756"/>
-                      </a:xfrm>
-                      <a:prstGeom prst="rect">
-                        <a:avLst/>
-                      </a:prstGeom>
-                    </p:spPr>
-                  </p:pic>
-                </p:oleObj>
-              </mc:Fallback>
-            </mc:AlternateContent>
-          </a:graphicData>
-        </a:graphic>
-      </p:graphicFrame>
-    </p:spTree>
-    <p:extLst>
-      <p:ext uri="{BB962C8B-B14F-4D97-AF65-F5344CB8AC3E}">
-        <p14:creationId xmlns:p14="http://schemas.microsoft.com/office/powerpoint/2010/main" val="888530702"/>
-      </p:ext>
-    </p:extLst>
-  </p:cSld>
-  <p:clrMapOvr>
-    <a:masterClrMapping/>
-  </p:clrMapOvr>
 </p:sld>
 </file>
 
@@ -6132,4 +8010,299 @@
     </a:ext>
   </a:extLst>
 </a:theme>
+</file>
+
+<file path=ppt/theme/theme2.xml><?xml version="1.0" encoding="utf-8"?>
+<a:theme xmlns:a="http://schemas.openxmlformats.org/drawingml/2006/main" name="Office 테마">
+  <a:themeElements>
+    <a:clrScheme name="Office">
+      <a:dk1>
+        <a:sysClr val="windowText" lastClr="000000"/>
+      </a:dk1>
+      <a:lt1>
+        <a:sysClr val="window" lastClr="FFFFFF"/>
+      </a:lt1>
+      <a:dk2>
+        <a:srgbClr val="44546A"/>
+      </a:dk2>
+      <a:lt2>
+        <a:srgbClr val="E7E6E6"/>
+      </a:lt2>
+      <a:accent1>
+        <a:srgbClr val="4472C4"/>
+      </a:accent1>
+      <a:accent2>
+        <a:srgbClr val="ED7D31"/>
+      </a:accent2>
+      <a:accent3>
+        <a:srgbClr val="A5A5A5"/>
+      </a:accent3>
+      <a:accent4>
+        <a:srgbClr val="FFC000"/>
+      </a:accent4>
+      <a:accent5>
+        <a:srgbClr val="5B9BD5"/>
+      </a:accent5>
+      <a:accent6>
+        <a:srgbClr val="70AD47"/>
+      </a:accent6>
+      <a:hlink>
+        <a:srgbClr val="0563C1"/>
+      </a:hlink>
+      <a:folHlink>
+        <a:srgbClr val="954F72"/>
+      </a:folHlink>
+    </a:clrScheme>
+    <a:fontScheme name="Office">
+      <a:majorFont>
+        <a:latin typeface="맑은 고딕" panose="020F0302020204030204"/>
+        <a:ea typeface=""/>
+        <a:cs typeface=""/>
+        <a:font script="Jpan" typeface="游ゴシック Light"/>
+        <a:font script="Hang" typeface="맑은 고딕"/>
+        <a:font script="Hans" typeface="等线 Light"/>
+        <a:font script="Hant" typeface="新細明體"/>
+        <a:font script="Arab" typeface="Times New Roman"/>
+        <a:font script="Hebr" typeface="Times New Roman"/>
+        <a:font script="Thai" typeface="Angsana New"/>
+        <a:font script="Ethi" typeface="Nyala"/>
+        <a:font script="Beng" typeface="Vrinda"/>
+        <a:font script="Gujr" typeface="Shruti"/>
+        <a:font script="Khmr" typeface="MoolBoran"/>
+        <a:font script="Knda" typeface="Tunga"/>
+        <a:font script="Guru" typeface="Raavi"/>
+        <a:font script="Cans" typeface="Euphemia"/>
+        <a:font script="Cher" typeface="Plantagenet Cherokee"/>
+        <a:font script="Yiii" typeface="Microsoft Yi Baiti"/>
+        <a:font script="Tibt" typeface="Microsoft Himalaya"/>
+        <a:font script="Thaa" typeface="MV Boli"/>
+        <a:font script="Deva" typeface="Mangal"/>
+        <a:font script="Telu" typeface="Gautami"/>
+        <a:font script="Taml" typeface="Latha"/>
+        <a:font script="Syrc" typeface="Estrangelo Edessa"/>
+        <a:font script="Orya" typeface="Kalinga"/>
+        <a:font script="Mlym" typeface="Kartika"/>
+        <a:font script="Laoo" typeface="DokChampa"/>
+        <a:font script="Sinh" typeface="Iskoola Pota"/>
+        <a:font script="Mong" typeface="Mongolian Baiti"/>
+        <a:font script="Viet" typeface="Times New Roman"/>
+        <a:font script="Uigh" typeface="Microsoft Uighur"/>
+        <a:font script="Geor" typeface="Sylfaen"/>
+        <a:font script="Armn" typeface="Arial"/>
+        <a:font script="Bugi" typeface="Leelawadee UI"/>
+        <a:font script="Bopo" typeface="Microsoft JhengHei"/>
+        <a:font script="Java" typeface="Javanese Text"/>
+        <a:font script="Lisu" typeface="Segoe UI"/>
+        <a:font script="Mymr" typeface="Myanmar Text"/>
+        <a:font script="Nkoo" typeface="Ebrima"/>
+        <a:font script="Olck" typeface="Nirmala UI"/>
+        <a:font script="Osma" typeface="Ebrima"/>
+        <a:font script="Phag" typeface="Phagspa"/>
+        <a:font script="Syrn" typeface="Estrangelo Edessa"/>
+        <a:font script="Syrj" typeface="Estrangelo Edessa"/>
+        <a:font script="Syre" typeface="Estrangelo Edessa"/>
+        <a:font script="Sora" typeface="Nirmala UI"/>
+        <a:font script="Tale" typeface="Microsoft Tai Le"/>
+        <a:font script="Talu" typeface="Microsoft New Tai Lue"/>
+        <a:font script="Tfng" typeface="Ebrima"/>
+      </a:majorFont>
+      <a:minorFont>
+        <a:latin typeface="맑은 고딕" panose="020F0502020204030204"/>
+        <a:ea typeface=""/>
+        <a:cs typeface=""/>
+        <a:font script="Jpan" typeface="游ゴシック"/>
+        <a:font script="Hang" typeface="맑은 고딕"/>
+        <a:font script="Hans" typeface="等线"/>
+        <a:font script="Hant" typeface="新細明體"/>
+        <a:font script="Arab" typeface="Arial"/>
+        <a:font script="Hebr" typeface="Arial"/>
+        <a:font script="Thai" typeface="Cordia New"/>
+        <a:font script="Ethi" typeface="Nyala"/>
+        <a:font script="Beng" typeface="Vrinda"/>
+        <a:font script="Gujr" typeface="Shruti"/>
+        <a:font script="Khmr" typeface="DaunPenh"/>
+        <a:font script="Knda" typeface="Tunga"/>
+        <a:font script="Guru" typeface="Raavi"/>
+        <a:font script="Cans" typeface="Euphemia"/>
+        <a:font script="Cher" typeface="Plantagenet Cherokee"/>
+        <a:font script="Yiii" typeface="Microsoft Yi Baiti"/>
+        <a:font script="Tibt" typeface="Microsoft Himalaya"/>
+        <a:font script="Thaa" typeface="MV Boli"/>
+        <a:font script="Deva" typeface="Mangal"/>
+        <a:font script="Telu" typeface="Gautami"/>
+        <a:font script="Taml" typeface="Latha"/>
+        <a:font script="Syrc" typeface="Estrangelo Edessa"/>
+        <a:font script="Orya" typeface="Kalinga"/>
+        <a:font script="Mlym" typeface="Kartika"/>
+        <a:font script="Laoo" typeface="DokChampa"/>
+        <a:font script="Sinh" typeface="Iskoola Pota"/>
+        <a:font script="Mong" typeface="Mongolian Baiti"/>
+        <a:font script="Viet" typeface="Arial"/>
+        <a:font script="Uigh" typeface="Microsoft Uighur"/>
+        <a:font script="Geor" typeface="Sylfaen"/>
+        <a:font script="Armn" typeface="Arial"/>
+        <a:font script="Bugi" typeface="Leelawadee UI"/>
+        <a:font script="Bopo" typeface="Microsoft JhengHei"/>
+        <a:font script="Java" typeface="Javanese Text"/>
+        <a:font script="Lisu" typeface="Segoe UI"/>
+        <a:font script="Mymr" typeface="Myanmar Text"/>
+        <a:font script="Nkoo" typeface="Ebrima"/>
+        <a:font script="Olck" typeface="Nirmala UI"/>
+        <a:font script="Osma" typeface="Ebrima"/>
+        <a:font script="Phag" typeface="Phagspa"/>
+        <a:font script="Syrn" typeface="Estrangelo Edessa"/>
+        <a:font script="Syrj" typeface="Estrangelo Edessa"/>
+        <a:font script="Syre" typeface="Estrangelo Edessa"/>
+        <a:font script="Sora" typeface="Nirmala UI"/>
+        <a:font script="Tale" typeface="Microsoft Tai Le"/>
+        <a:font script="Talu" typeface="Microsoft New Tai Lue"/>
+        <a:font script="Tfng" typeface="Ebrima"/>
+      </a:minorFont>
+    </a:fontScheme>
+    <a:fmtScheme name="Office">
+      <a:fillStyleLst>
+        <a:solidFill>
+          <a:schemeClr val="phClr"/>
+        </a:solidFill>
+        <a:gradFill rotWithShape="1">
+          <a:gsLst>
+            <a:gs pos="0">
+              <a:schemeClr val="phClr">
+                <a:lumMod val="110000"/>
+                <a:satMod val="105000"/>
+                <a:tint val="67000"/>
+              </a:schemeClr>
+            </a:gs>
+            <a:gs pos="50000">
+              <a:schemeClr val="phClr">
+                <a:lumMod val="105000"/>
+                <a:satMod val="103000"/>
+                <a:tint val="73000"/>
+              </a:schemeClr>
+            </a:gs>
+            <a:gs pos="100000">
+              <a:schemeClr val="phClr">
+                <a:lumMod val="105000"/>
+                <a:satMod val="109000"/>
+                <a:tint val="81000"/>
+              </a:schemeClr>
+            </a:gs>
+          </a:gsLst>
+          <a:lin ang="5400000" scaled="0"/>
+        </a:gradFill>
+        <a:gradFill rotWithShape="1">
+          <a:gsLst>
+            <a:gs pos="0">
+              <a:schemeClr val="phClr">
+                <a:satMod val="103000"/>
+                <a:lumMod val="102000"/>
+                <a:tint val="94000"/>
+              </a:schemeClr>
+            </a:gs>
+            <a:gs pos="50000">
+              <a:schemeClr val="phClr">
+                <a:satMod val="110000"/>
+                <a:lumMod val="100000"/>
+                <a:shade val="100000"/>
+              </a:schemeClr>
+            </a:gs>
+            <a:gs pos="100000">
+              <a:schemeClr val="phClr">
+                <a:lumMod val="99000"/>
+                <a:satMod val="120000"/>
+                <a:shade val="78000"/>
+              </a:schemeClr>
+            </a:gs>
+          </a:gsLst>
+          <a:lin ang="5400000" scaled="0"/>
+        </a:gradFill>
+      </a:fillStyleLst>
+      <a:lnStyleLst>
+        <a:ln w="6350" cap="flat" cmpd="sng" algn="ctr">
+          <a:solidFill>
+            <a:schemeClr val="phClr"/>
+          </a:solidFill>
+          <a:prstDash val="solid"/>
+          <a:miter lim="800000"/>
+        </a:ln>
+        <a:ln w="12700" cap="flat" cmpd="sng" algn="ctr">
+          <a:solidFill>
+            <a:schemeClr val="phClr"/>
+          </a:solidFill>
+          <a:prstDash val="solid"/>
+          <a:miter lim="800000"/>
+        </a:ln>
+        <a:ln w="19050" cap="flat" cmpd="sng" algn="ctr">
+          <a:solidFill>
+            <a:schemeClr val="phClr"/>
+          </a:solidFill>
+          <a:prstDash val="solid"/>
+          <a:miter lim="800000"/>
+        </a:ln>
+      </a:lnStyleLst>
+      <a:effectStyleLst>
+        <a:effectStyle>
+          <a:effectLst/>
+        </a:effectStyle>
+        <a:effectStyle>
+          <a:effectLst/>
+        </a:effectStyle>
+        <a:effectStyle>
+          <a:effectLst>
+            <a:outerShdw blurRad="57150" dist="19050" dir="5400000" algn="ctr" rotWithShape="0">
+              <a:srgbClr val="000000">
+                <a:alpha val="63000"/>
+              </a:srgbClr>
+            </a:outerShdw>
+          </a:effectLst>
+        </a:effectStyle>
+      </a:effectStyleLst>
+      <a:bgFillStyleLst>
+        <a:solidFill>
+          <a:schemeClr val="phClr"/>
+        </a:solidFill>
+        <a:solidFill>
+          <a:schemeClr val="phClr">
+            <a:tint val="95000"/>
+            <a:satMod val="170000"/>
+          </a:schemeClr>
+        </a:solidFill>
+        <a:gradFill rotWithShape="1">
+          <a:gsLst>
+            <a:gs pos="0">
+              <a:schemeClr val="phClr">
+                <a:tint val="93000"/>
+                <a:satMod val="150000"/>
+                <a:shade val="98000"/>
+                <a:lumMod val="102000"/>
+              </a:schemeClr>
+            </a:gs>
+            <a:gs pos="50000">
+              <a:schemeClr val="phClr">
+                <a:tint val="98000"/>
+                <a:satMod val="130000"/>
+                <a:shade val="90000"/>
+                <a:lumMod val="103000"/>
+              </a:schemeClr>
+            </a:gs>
+            <a:gs pos="100000">
+              <a:schemeClr val="phClr">
+                <a:shade val="63000"/>
+                <a:satMod val="120000"/>
+              </a:schemeClr>
+            </a:gs>
+          </a:gsLst>
+          <a:lin ang="5400000" scaled="0"/>
+        </a:gradFill>
+      </a:bgFillStyleLst>
+    </a:fmtScheme>
+  </a:themeElements>
+  <a:objectDefaults/>
+  <a:extraClrSchemeLst/>
+  <a:extLst>
+    <a:ext uri="{05A4C25C-085E-4340-85A3-A5531E510DB2}">
+      <thm15:themeFamily xmlns:thm15="http://schemas.microsoft.com/office/thememl/2012/main" name="Office Theme" id="{62F939B6-93AF-4DB8-9C6B-D6C7DFDC589F}" vid="{4A3C46E8-61CC-4603-A589-7422A47A8E4A}"/>
+    </a:ext>
+  </a:extLst>
+</a:theme>
 </file>
--- a/doc/Online Learning System.pptx
+++ b/doc/Online Learning System.pptx
@@ -5,20 +5,29 @@
     <p:sldMasterId id="2147483660" r:id="rId1"/>
   </p:sldMasterIdLst>
   <p:notesMasterIdLst>
-    <p:notesMasterId r:id="rId13"/>
+    <p:notesMasterId r:id="rId22"/>
   </p:notesMasterIdLst>
   <p:sldIdLst>
     <p:sldId id="256" r:id="rId2"/>
     <p:sldId id="267" r:id="rId3"/>
     <p:sldId id="280" r:id="rId4"/>
     <p:sldId id="282" r:id="rId5"/>
-    <p:sldId id="275" r:id="rId6"/>
-    <p:sldId id="284" r:id="rId7"/>
-    <p:sldId id="285" r:id="rId8"/>
-    <p:sldId id="273" r:id="rId9"/>
+    <p:sldId id="284" r:id="rId6"/>
+    <p:sldId id="285" r:id="rId7"/>
+    <p:sldId id="273" r:id="rId8"/>
+    <p:sldId id="275" r:id="rId9"/>
     <p:sldId id="283" r:id="rId10"/>
-    <p:sldId id="266" r:id="rId11"/>
-    <p:sldId id="279" r:id="rId12"/>
+    <p:sldId id="294" r:id="rId11"/>
+    <p:sldId id="286" r:id="rId12"/>
+    <p:sldId id="287" r:id="rId13"/>
+    <p:sldId id="288" r:id="rId14"/>
+    <p:sldId id="289" r:id="rId15"/>
+    <p:sldId id="290" r:id="rId16"/>
+    <p:sldId id="291" r:id="rId17"/>
+    <p:sldId id="292" r:id="rId18"/>
+    <p:sldId id="293" r:id="rId19"/>
+    <p:sldId id="266" r:id="rId20"/>
+    <p:sldId id="279" r:id="rId21"/>
   </p:sldIdLst>
   <p:sldSz cx="12192000" cy="6858000"/>
   <p:notesSz cx="6858000" cy="9144000"/>
@@ -4137,6 +4146,588 @@
           <a:chExt cx="0" cy="0"/>
         </a:xfrm>
       </p:grpSpPr>
+      <p:pic>
+        <p:nvPicPr>
+          <p:cNvPr id="2" name="Picture 1">
+            <a:extLst>
+              <a:ext uri="{FF2B5EF4-FFF2-40B4-BE49-F238E27FC236}">
+                <a16:creationId xmlns:a16="http://schemas.microsoft.com/office/drawing/2014/main" id="{BB492389-CDB2-D8B5-31FF-6C38142A0126}"/>
+              </a:ext>
+            </a:extLst>
+          </p:cNvPr>
+          <p:cNvPicPr>
+            <a:picLocks noChangeAspect="1"/>
+          </p:cNvPicPr>
+          <p:nvPr/>
+        </p:nvPicPr>
+        <p:blipFill>
+          <a:blip r:embed="rId2">
+            <a:extLst>
+              <a:ext uri="{28A0092B-C50C-407E-A947-70E740481C1C}">
+                <a14:useLocalDpi xmlns:a14="http://schemas.microsoft.com/office/drawing/2010/main" val="0"/>
+              </a:ext>
+            </a:extLst>
+          </a:blip>
+          <a:stretch>
+            <a:fillRect/>
+          </a:stretch>
+        </p:blipFill>
+        <p:spPr>
+          <a:xfrm>
+            <a:off x="0" y="482600"/>
+            <a:ext cx="12192000" cy="5892800"/>
+          </a:xfrm>
+          <a:prstGeom prst="rect">
+            <a:avLst/>
+          </a:prstGeom>
+        </p:spPr>
+      </p:pic>
+    </p:spTree>
+    <p:extLst>
+      <p:ext uri="{BB962C8B-B14F-4D97-AF65-F5344CB8AC3E}">
+        <p14:creationId xmlns:p14="http://schemas.microsoft.com/office/powerpoint/2010/main" val="1064835565"/>
+      </p:ext>
+    </p:extLst>
+  </p:cSld>
+  <p:clrMapOvr>
+    <a:masterClrMapping/>
+  </p:clrMapOvr>
+</p:sld>
+</file>
+
+<file path=ppt/slides/slide11.xml><?xml version="1.0" encoding="utf-8"?>
+<p:sld xmlns:a="http://schemas.openxmlformats.org/drawingml/2006/main" xmlns:r="http://schemas.openxmlformats.org/officeDocument/2006/relationships" xmlns:p="http://schemas.openxmlformats.org/presentationml/2006/main">
+  <p:cSld>
+    <p:spTree>
+      <p:nvGrpSpPr>
+        <p:cNvPr id="1" name=""/>
+        <p:cNvGrpSpPr/>
+        <p:nvPr/>
+      </p:nvGrpSpPr>
+      <p:grpSpPr>
+        <a:xfrm>
+          <a:off x="0" y="0"/>
+          <a:ext cx="0" cy="0"/>
+          <a:chOff x="0" y="0"/>
+          <a:chExt cx="0" cy="0"/>
+        </a:xfrm>
+      </p:grpSpPr>
+      <p:pic>
+        <p:nvPicPr>
+          <p:cNvPr id="2" name="Picture 1">
+            <a:extLst>
+              <a:ext uri="{FF2B5EF4-FFF2-40B4-BE49-F238E27FC236}">
+                <a16:creationId xmlns:a16="http://schemas.microsoft.com/office/drawing/2014/main" id="{6C768DF0-849A-096A-0692-F533D8F744CE}"/>
+              </a:ext>
+            </a:extLst>
+          </p:cNvPr>
+          <p:cNvPicPr>
+            <a:picLocks noChangeAspect="1"/>
+          </p:cNvPicPr>
+          <p:nvPr/>
+        </p:nvPicPr>
+        <p:blipFill>
+          <a:blip r:embed="rId2">
+            <a:extLst>
+              <a:ext uri="{28A0092B-C50C-407E-A947-70E740481C1C}">
+                <a14:useLocalDpi xmlns:a14="http://schemas.microsoft.com/office/drawing/2010/main" val="0"/>
+              </a:ext>
+            </a:extLst>
+          </a:blip>
+          <a:stretch>
+            <a:fillRect/>
+          </a:stretch>
+        </p:blipFill>
+        <p:spPr>
+          <a:xfrm>
+            <a:off x="0" y="483336"/>
+            <a:ext cx="12192000" cy="5919739"/>
+          </a:xfrm>
+          <a:prstGeom prst="rect">
+            <a:avLst/>
+          </a:prstGeom>
+        </p:spPr>
+      </p:pic>
+    </p:spTree>
+    <p:extLst>
+      <p:ext uri="{BB962C8B-B14F-4D97-AF65-F5344CB8AC3E}">
+        <p14:creationId xmlns:p14="http://schemas.microsoft.com/office/powerpoint/2010/main" val="3962621239"/>
+      </p:ext>
+    </p:extLst>
+  </p:cSld>
+  <p:clrMapOvr>
+    <a:masterClrMapping/>
+  </p:clrMapOvr>
+</p:sld>
+</file>
+
+<file path=ppt/slides/slide12.xml><?xml version="1.0" encoding="utf-8"?>
+<p:sld xmlns:a="http://schemas.openxmlformats.org/drawingml/2006/main" xmlns:r="http://schemas.openxmlformats.org/officeDocument/2006/relationships" xmlns:p="http://schemas.openxmlformats.org/presentationml/2006/main">
+  <p:cSld>
+    <p:spTree>
+      <p:nvGrpSpPr>
+        <p:cNvPr id="1" name=""/>
+        <p:cNvGrpSpPr/>
+        <p:nvPr/>
+      </p:nvGrpSpPr>
+      <p:grpSpPr>
+        <a:xfrm>
+          <a:off x="0" y="0"/>
+          <a:ext cx="0" cy="0"/>
+          <a:chOff x="0" y="0"/>
+          <a:chExt cx="0" cy="0"/>
+        </a:xfrm>
+      </p:grpSpPr>
+      <p:pic>
+        <p:nvPicPr>
+          <p:cNvPr id="2" name="Picture 1" descr="Diagram&#10;&#10;Description automatically generated">
+            <a:extLst>
+              <a:ext uri="{FF2B5EF4-FFF2-40B4-BE49-F238E27FC236}">
+                <a16:creationId xmlns:a16="http://schemas.microsoft.com/office/drawing/2014/main" id="{F1C43134-5FC2-2087-4242-BC73052021F4}"/>
+              </a:ext>
+            </a:extLst>
+          </p:cNvPr>
+          <p:cNvPicPr>
+            <a:picLocks noChangeAspect="1"/>
+          </p:cNvPicPr>
+          <p:nvPr/>
+        </p:nvPicPr>
+        <p:blipFill>
+          <a:blip r:embed="rId2">
+            <a:extLst>
+              <a:ext uri="{28A0092B-C50C-407E-A947-70E740481C1C}">
+                <a14:useLocalDpi xmlns:a14="http://schemas.microsoft.com/office/drawing/2010/main" val="0"/>
+              </a:ext>
+            </a:extLst>
+          </a:blip>
+          <a:stretch>
+            <a:fillRect/>
+          </a:stretch>
+        </p:blipFill>
+        <p:spPr>
+          <a:xfrm>
+            <a:off x="0" y="479425"/>
+            <a:ext cx="12192000" cy="5899150"/>
+          </a:xfrm>
+          <a:prstGeom prst="rect">
+            <a:avLst/>
+          </a:prstGeom>
+        </p:spPr>
+      </p:pic>
+    </p:spTree>
+    <p:extLst>
+      <p:ext uri="{BB962C8B-B14F-4D97-AF65-F5344CB8AC3E}">
+        <p14:creationId xmlns:p14="http://schemas.microsoft.com/office/powerpoint/2010/main" val="1131526588"/>
+      </p:ext>
+    </p:extLst>
+  </p:cSld>
+  <p:clrMapOvr>
+    <a:masterClrMapping/>
+  </p:clrMapOvr>
+</p:sld>
+</file>
+
+<file path=ppt/slides/slide13.xml><?xml version="1.0" encoding="utf-8"?>
+<p:sld xmlns:a="http://schemas.openxmlformats.org/drawingml/2006/main" xmlns:r="http://schemas.openxmlformats.org/officeDocument/2006/relationships" xmlns:p="http://schemas.openxmlformats.org/presentationml/2006/main">
+  <p:cSld>
+    <p:spTree>
+      <p:nvGrpSpPr>
+        <p:cNvPr id="1" name=""/>
+        <p:cNvGrpSpPr/>
+        <p:nvPr/>
+      </p:nvGrpSpPr>
+      <p:grpSpPr>
+        <a:xfrm>
+          <a:off x="0" y="0"/>
+          <a:ext cx="0" cy="0"/>
+          <a:chOff x="0" y="0"/>
+          <a:chExt cx="0" cy="0"/>
+        </a:xfrm>
+      </p:grpSpPr>
+      <p:pic>
+        <p:nvPicPr>
+          <p:cNvPr id="2" name="Picture 1">
+            <a:extLst>
+              <a:ext uri="{FF2B5EF4-FFF2-40B4-BE49-F238E27FC236}">
+                <a16:creationId xmlns:a16="http://schemas.microsoft.com/office/drawing/2014/main" id="{5FDB7002-6EF4-0CA3-920F-0CB7A22E4414}"/>
+              </a:ext>
+            </a:extLst>
+          </p:cNvPr>
+          <p:cNvPicPr>
+            <a:picLocks noChangeAspect="1"/>
+          </p:cNvPicPr>
+          <p:nvPr/>
+        </p:nvPicPr>
+        <p:blipFill>
+          <a:blip r:embed="rId2">
+            <a:extLst>
+              <a:ext uri="{28A0092B-C50C-407E-A947-70E740481C1C}">
+                <a14:useLocalDpi xmlns:a14="http://schemas.microsoft.com/office/drawing/2010/main" val="0"/>
+              </a:ext>
+            </a:extLst>
+          </a:blip>
+          <a:stretch>
+            <a:fillRect/>
+          </a:stretch>
+        </p:blipFill>
+        <p:spPr>
+          <a:xfrm>
+            <a:off x="0" y="482600"/>
+            <a:ext cx="12192000" cy="5892800"/>
+          </a:xfrm>
+          <a:prstGeom prst="rect">
+            <a:avLst/>
+          </a:prstGeom>
+        </p:spPr>
+      </p:pic>
+    </p:spTree>
+    <p:extLst>
+      <p:ext uri="{BB962C8B-B14F-4D97-AF65-F5344CB8AC3E}">
+        <p14:creationId xmlns:p14="http://schemas.microsoft.com/office/powerpoint/2010/main" val="392045025"/>
+      </p:ext>
+    </p:extLst>
+  </p:cSld>
+  <p:clrMapOvr>
+    <a:masterClrMapping/>
+  </p:clrMapOvr>
+</p:sld>
+</file>
+
+<file path=ppt/slides/slide14.xml><?xml version="1.0" encoding="utf-8"?>
+<p:sld xmlns:a="http://schemas.openxmlformats.org/drawingml/2006/main" xmlns:r="http://schemas.openxmlformats.org/officeDocument/2006/relationships" xmlns:p="http://schemas.openxmlformats.org/presentationml/2006/main">
+  <p:cSld>
+    <p:spTree>
+      <p:nvGrpSpPr>
+        <p:cNvPr id="1" name=""/>
+        <p:cNvGrpSpPr/>
+        <p:nvPr/>
+      </p:nvGrpSpPr>
+      <p:grpSpPr>
+        <a:xfrm>
+          <a:off x="0" y="0"/>
+          <a:ext cx="0" cy="0"/>
+          <a:chOff x="0" y="0"/>
+          <a:chExt cx="0" cy="0"/>
+        </a:xfrm>
+      </p:grpSpPr>
+      <p:pic>
+        <p:nvPicPr>
+          <p:cNvPr id="3" name="Picture 2" descr="Graphical user interface, text, application, email&#10;&#10;Description automatically generated">
+            <a:extLst>
+              <a:ext uri="{FF2B5EF4-FFF2-40B4-BE49-F238E27FC236}">
+                <a16:creationId xmlns:a16="http://schemas.microsoft.com/office/drawing/2014/main" id="{6AE90EC5-35DC-6EAC-63C8-C927817B4A21}"/>
+              </a:ext>
+            </a:extLst>
+          </p:cNvPr>
+          <p:cNvPicPr>
+            <a:picLocks noChangeAspect="1"/>
+          </p:cNvPicPr>
+          <p:nvPr/>
+        </p:nvPicPr>
+        <p:blipFill>
+          <a:blip r:embed="rId2">
+            <a:extLst>
+              <a:ext uri="{28A0092B-C50C-407E-A947-70E740481C1C}">
+                <a14:useLocalDpi xmlns:a14="http://schemas.microsoft.com/office/drawing/2010/main" val="0"/>
+              </a:ext>
+            </a:extLst>
+          </a:blip>
+          <a:stretch>
+            <a:fillRect/>
+          </a:stretch>
+        </p:blipFill>
+        <p:spPr>
+          <a:xfrm>
+            <a:off x="0" y="158750"/>
+            <a:ext cx="12192000" cy="6540500"/>
+          </a:xfrm>
+          <a:prstGeom prst="rect">
+            <a:avLst/>
+          </a:prstGeom>
+        </p:spPr>
+      </p:pic>
+    </p:spTree>
+    <p:extLst>
+      <p:ext uri="{BB962C8B-B14F-4D97-AF65-F5344CB8AC3E}">
+        <p14:creationId xmlns:p14="http://schemas.microsoft.com/office/powerpoint/2010/main" val="1836359837"/>
+      </p:ext>
+    </p:extLst>
+  </p:cSld>
+  <p:clrMapOvr>
+    <a:masterClrMapping/>
+  </p:clrMapOvr>
+</p:sld>
+</file>
+
+<file path=ppt/slides/slide15.xml><?xml version="1.0" encoding="utf-8"?>
+<p:sld xmlns:a="http://schemas.openxmlformats.org/drawingml/2006/main" xmlns:r="http://schemas.openxmlformats.org/officeDocument/2006/relationships" xmlns:p="http://schemas.openxmlformats.org/presentationml/2006/main">
+  <p:cSld>
+    <p:spTree>
+      <p:nvGrpSpPr>
+        <p:cNvPr id="1" name=""/>
+        <p:cNvGrpSpPr/>
+        <p:nvPr/>
+      </p:nvGrpSpPr>
+      <p:grpSpPr>
+        <a:xfrm>
+          <a:off x="0" y="0"/>
+          <a:ext cx="0" cy="0"/>
+          <a:chOff x="0" y="0"/>
+          <a:chExt cx="0" cy="0"/>
+        </a:xfrm>
+      </p:grpSpPr>
+      <p:pic>
+        <p:nvPicPr>
+          <p:cNvPr id="2" name="Picture 1" descr="A picture containing diagram&#10;&#10;Description automatically generated">
+            <a:extLst>
+              <a:ext uri="{FF2B5EF4-FFF2-40B4-BE49-F238E27FC236}">
+                <a16:creationId xmlns:a16="http://schemas.microsoft.com/office/drawing/2014/main" id="{09727649-11F1-00A3-5D9A-1883F1252027}"/>
+              </a:ext>
+            </a:extLst>
+          </p:cNvPr>
+          <p:cNvPicPr>
+            <a:picLocks noChangeAspect="1"/>
+          </p:cNvPicPr>
+          <p:nvPr/>
+        </p:nvPicPr>
+        <p:blipFill>
+          <a:blip r:embed="rId2">
+            <a:extLst>
+              <a:ext uri="{28A0092B-C50C-407E-A947-70E740481C1C}">
+                <a14:useLocalDpi xmlns:a14="http://schemas.microsoft.com/office/drawing/2010/main" val="0"/>
+              </a:ext>
+            </a:extLst>
+          </a:blip>
+          <a:stretch>
+            <a:fillRect/>
+          </a:stretch>
+        </p:blipFill>
+        <p:spPr>
+          <a:xfrm>
+            <a:off x="0" y="488950"/>
+            <a:ext cx="12192000" cy="5880100"/>
+          </a:xfrm>
+          <a:prstGeom prst="rect">
+            <a:avLst/>
+          </a:prstGeom>
+        </p:spPr>
+      </p:pic>
+    </p:spTree>
+    <p:extLst>
+      <p:ext uri="{BB962C8B-B14F-4D97-AF65-F5344CB8AC3E}">
+        <p14:creationId xmlns:p14="http://schemas.microsoft.com/office/powerpoint/2010/main" val="3292268401"/>
+      </p:ext>
+    </p:extLst>
+  </p:cSld>
+  <p:clrMapOvr>
+    <a:masterClrMapping/>
+  </p:clrMapOvr>
+</p:sld>
+</file>
+
+<file path=ppt/slides/slide16.xml><?xml version="1.0" encoding="utf-8"?>
+<p:sld xmlns:a="http://schemas.openxmlformats.org/drawingml/2006/main" xmlns:r="http://schemas.openxmlformats.org/officeDocument/2006/relationships" xmlns:p="http://schemas.openxmlformats.org/presentationml/2006/main">
+  <p:cSld>
+    <p:spTree>
+      <p:nvGrpSpPr>
+        <p:cNvPr id="1" name=""/>
+        <p:cNvGrpSpPr/>
+        <p:nvPr/>
+      </p:nvGrpSpPr>
+      <p:grpSpPr>
+        <a:xfrm>
+          <a:off x="0" y="0"/>
+          <a:ext cx="0" cy="0"/>
+          <a:chOff x="0" y="0"/>
+          <a:chExt cx="0" cy="0"/>
+        </a:xfrm>
+      </p:grpSpPr>
+      <p:pic>
+        <p:nvPicPr>
+          <p:cNvPr id="2" name="Picture 1" descr="Graphical user interface, text, application, email&#10;&#10;Description automatically generated">
+            <a:extLst>
+              <a:ext uri="{FF2B5EF4-FFF2-40B4-BE49-F238E27FC236}">
+                <a16:creationId xmlns:a16="http://schemas.microsoft.com/office/drawing/2014/main" id="{5EBAFFD3-DAF8-85F0-D638-09A024849E15}"/>
+              </a:ext>
+            </a:extLst>
+          </p:cNvPr>
+          <p:cNvPicPr>
+            <a:picLocks noChangeAspect="1"/>
+          </p:cNvPicPr>
+          <p:nvPr/>
+        </p:nvPicPr>
+        <p:blipFill>
+          <a:blip r:embed="rId2">
+            <a:extLst>
+              <a:ext uri="{28A0092B-C50C-407E-A947-70E740481C1C}">
+                <a14:useLocalDpi xmlns:a14="http://schemas.microsoft.com/office/drawing/2010/main" val="0"/>
+              </a:ext>
+            </a:extLst>
+          </a:blip>
+          <a:stretch>
+            <a:fillRect/>
+          </a:stretch>
+        </p:blipFill>
+        <p:spPr>
+          <a:xfrm>
+            <a:off x="0" y="479425"/>
+            <a:ext cx="12192000" cy="5899150"/>
+          </a:xfrm>
+          <a:prstGeom prst="rect">
+            <a:avLst/>
+          </a:prstGeom>
+        </p:spPr>
+      </p:pic>
+    </p:spTree>
+    <p:extLst>
+      <p:ext uri="{BB962C8B-B14F-4D97-AF65-F5344CB8AC3E}">
+        <p14:creationId xmlns:p14="http://schemas.microsoft.com/office/powerpoint/2010/main" val="2005248205"/>
+      </p:ext>
+    </p:extLst>
+  </p:cSld>
+  <p:clrMapOvr>
+    <a:masterClrMapping/>
+  </p:clrMapOvr>
+</p:sld>
+</file>
+
+<file path=ppt/slides/slide17.xml><?xml version="1.0" encoding="utf-8"?>
+<p:sld xmlns:a="http://schemas.openxmlformats.org/drawingml/2006/main" xmlns:r="http://schemas.openxmlformats.org/officeDocument/2006/relationships" xmlns:p="http://schemas.openxmlformats.org/presentationml/2006/main">
+  <p:cSld>
+    <p:spTree>
+      <p:nvGrpSpPr>
+        <p:cNvPr id="1" name=""/>
+        <p:cNvGrpSpPr/>
+        <p:nvPr/>
+      </p:nvGrpSpPr>
+      <p:grpSpPr>
+        <a:xfrm>
+          <a:off x="0" y="0"/>
+          <a:ext cx="0" cy="0"/>
+          <a:chOff x="0" y="0"/>
+          <a:chExt cx="0" cy="0"/>
+        </a:xfrm>
+      </p:grpSpPr>
+      <p:pic>
+        <p:nvPicPr>
+          <p:cNvPr id="2" name="그림 7">
+            <a:extLst>
+              <a:ext uri="{FF2B5EF4-FFF2-40B4-BE49-F238E27FC236}">
+                <a16:creationId xmlns:a16="http://schemas.microsoft.com/office/drawing/2014/main" id="{102FEB01-7BEE-823B-5A75-911DE7299E1C}"/>
+              </a:ext>
+            </a:extLst>
+          </p:cNvPr>
+          <p:cNvPicPr>
+            <a:picLocks noChangeAspect="1"/>
+          </p:cNvPicPr>
+          <p:nvPr/>
+        </p:nvPicPr>
+        <p:blipFill>
+          <a:blip r:embed="rId2"/>
+          <a:stretch>
+            <a:fillRect/>
+          </a:stretch>
+        </p:blipFill>
+        <p:spPr>
+          <a:xfrm>
+            <a:off x="0" y="474711"/>
+            <a:ext cx="12192000" cy="5908577"/>
+          </a:xfrm>
+          <a:prstGeom prst="rect">
+            <a:avLst/>
+          </a:prstGeom>
+        </p:spPr>
+      </p:pic>
+    </p:spTree>
+    <p:extLst>
+      <p:ext uri="{BB962C8B-B14F-4D97-AF65-F5344CB8AC3E}">
+        <p14:creationId xmlns:p14="http://schemas.microsoft.com/office/powerpoint/2010/main" val="3702891027"/>
+      </p:ext>
+    </p:extLst>
+  </p:cSld>
+  <p:clrMapOvr>
+    <a:masterClrMapping/>
+  </p:clrMapOvr>
+</p:sld>
+</file>
+
+<file path=ppt/slides/slide18.xml><?xml version="1.0" encoding="utf-8"?>
+<p:sld xmlns:a="http://schemas.openxmlformats.org/drawingml/2006/main" xmlns:r="http://schemas.openxmlformats.org/officeDocument/2006/relationships" xmlns:p="http://schemas.openxmlformats.org/presentationml/2006/main">
+  <p:cSld>
+    <p:spTree>
+      <p:nvGrpSpPr>
+        <p:cNvPr id="1" name=""/>
+        <p:cNvGrpSpPr/>
+        <p:nvPr/>
+      </p:nvGrpSpPr>
+      <p:grpSpPr>
+        <a:xfrm>
+          <a:off x="0" y="0"/>
+          <a:ext cx="0" cy="0"/>
+          <a:chOff x="0" y="0"/>
+          <a:chExt cx="0" cy="0"/>
+        </a:xfrm>
+      </p:grpSpPr>
+      <p:pic>
+        <p:nvPicPr>
+          <p:cNvPr id="2" name="그림 15">
+            <a:extLst>
+              <a:ext uri="{FF2B5EF4-FFF2-40B4-BE49-F238E27FC236}">
+                <a16:creationId xmlns:a16="http://schemas.microsoft.com/office/drawing/2014/main" id="{180DB9DB-1C5A-C531-B2CC-305DEE5B0F47}"/>
+              </a:ext>
+            </a:extLst>
+          </p:cNvPr>
+          <p:cNvPicPr>
+            <a:picLocks noChangeAspect="1"/>
+          </p:cNvPicPr>
+          <p:nvPr/>
+        </p:nvPicPr>
+        <p:blipFill>
+          <a:blip r:embed="rId2"/>
+          <a:stretch>
+            <a:fillRect/>
+          </a:stretch>
+        </p:blipFill>
+        <p:spPr>
+          <a:xfrm>
+            <a:off x="0" y="482706"/>
+            <a:ext cx="12192000" cy="5892588"/>
+          </a:xfrm>
+          <a:prstGeom prst="rect">
+            <a:avLst/>
+          </a:prstGeom>
+        </p:spPr>
+      </p:pic>
+    </p:spTree>
+    <p:extLst>
+      <p:ext uri="{BB962C8B-B14F-4D97-AF65-F5344CB8AC3E}">
+        <p14:creationId xmlns:p14="http://schemas.microsoft.com/office/powerpoint/2010/main" val="2700135560"/>
+      </p:ext>
+    </p:extLst>
+  </p:cSld>
+  <p:clrMapOvr>
+    <a:masterClrMapping/>
+  </p:clrMapOvr>
+</p:sld>
+</file>
+
+<file path=ppt/slides/slide19.xml><?xml version="1.0" encoding="utf-8"?>
+<p:sld xmlns:a="http://schemas.openxmlformats.org/drawingml/2006/main" xmlns:r="http://schemas.openxmlformats.org/officeDocument/2006/relationships" xmlns:p="http://schemas.openxmlformats.org/presentationml/2006/main">
+  <p:cSld>
+    <p:spTree>
+      <p:nvGrpSpPr>
+        <p:cNvPr id="1" name=""/>
+        <p:cNvGrpSpPr/>
+        <p:nvPr/>
+      </p:nvGrpSpPr>
+      <p:grpSpPr>
+        <a:xfrm>
+          <a:off x="0" y="0"/>
+          <a:ext cx="0" cy="0"/>
+          <a:chOff x="0" y="0"/>
+          <a:chExt cx="0" cy="0"/>
+        </a:xfrm>
+      </p:grpSpPr>
       <p:sp>
         <p:nvSpPr>
           <p:cNvPr id="2" name="Title 1">
@@ -4543,7 +5134,7 @@
 </p:sld>
 </file>
 
-<file path=ppt/slides/slide11.xml><?xml version="1.0" encoding="utf-8"?>
+<file path=ppt/slides/slide2.xml><?xml version="1.0" encoding="utf-8"?>
 <p:sld xmlns:a="http://schemas.openxmlformats.org/drawingml/2006/main" xmlns:r="http://schemas.openxmlformats.org/officeDocument/2006/relationships" xmlns:p="http://schemas.openxmlformats.org/presentationml/2006/main">
   <p:cSld>
     <p:spTree>
@@ -4565,6 +5156,110 @@
           <p:cNvPr id="2" name="Title 1">
             <a:extLst>
               <a:ext uri="{FF2B5EF4-FFF2-40B4-BE49-F238E27FC236}">
+                <a16:creationId xmlns:a16="http://schemas.microsoft.com/office/drawing/2014/main" id="{899800D0-566B-252E-C2AD-84D8A47460F3}"/>
+              </a:ext>
+            </a:extLst>
+          </p:cNvPr>
+          <p:cNvSpPr>
+            <a:spLocks noGrp="1"/>
+          </p:cNvSpPr>
+          <p:nvPr>
+            <p:ph type="title"/>
+          </p:nvPr>
+        </p:nvSpPr>
+        <p:spPr/>
+        <p:txBody>
+          <a:bodyPr/>
+          <a:lstStyle/>
+          <a:p>
+            <a:r>
+              <a:rPr lang="en-US" dirty="0"/>
+              <a:t>Contents</a:t>
+            </a:r>
+          </a:p>
+        </p:txBody>
+      </p:sp>
+      <p:sp>
+        <p:nvSpPr>
+          <p:cNvPr id="3" name="Content Placeholder 2">
+            <a:extLst>
+              <a:ext uri="{FF2B5EF4-FFF2-40B4-BE49-F238E27FC236}">
+                <a16:creationId xmlns:a16="http://schemas.microsoft.com/office/drawing/2014/main" id="{1541F3AE-EFFC-035A-00AA-6CB6C8FBBE5B}"/>
+              </a:ext>
+            </a:extLst>
+          </p:cNvPr>
+          <p:cNvSpPr>
+            <a:spLocks noGrp="1"/>
+          </p:cNvSpPr>
+          <p:nvPr>
+            <p:ph idx="1"/>
+          </p:nvPr>
+        </p:nvSpPr>
+        <p:spPr/>
+        <p:txBody>
+          <a:bodyPr/>
+          <a:lstStyle/>
+          <a:p>
+            <a:r>
+              <a:rPr lang="en-US" dirty="0"/>
+              <a:t>Backend</a:t>
+            </a:r>
+          </a:p>
+          <a:p>
+            <a:r>
+              <a:rPr lang="en-US" dirty="0"/>
+              <a:t>Frontend</a:t>
+            </a:r>
+          </a:p>
+          <a:p>
+            <a:r>
+              <a:rPr lang="en-US" dirty="0"/>
+              <a:t>IDE</a:t>
+            </a:r>
+          </a:p>
+          <a:p>
+            <a:r>
+              <a:rPr lang="en-US" dirty="0"/>
+              <a:t>Deployment</a:t>
+            </a:r>
+          </a:p>
+        </p:txBody>
+      </p:sp>
+    </p:spTree>
+    <p:extLst>
+      <p:ext uri="{BB962C8B-B14F-4D97-AF65-F5344CB8AC3E}">
+        <p14:creationId xmlns:p14="http://schemas.microsoft.com/office/powerpoint/2010/main" val="1332605355"/>
+      </p:ext>
+    </p:extLst>
+  </p:cSld>
+  <p:clrMapOvr>
+    <a:masterClrMapping/>
+  </p:clrMapOvr>
+</p:sld>
+</file>
+
+<file path=ppt/slides/slide20.xml><?xml version="1.0" encoding="utf-8"?>
+<p:sld xmlns:a="http://schemas.openxmlformats.org/drawingml/2006/main" xmlns:r="http://schemas.openxmlformats.org/officeDocument/2006/relationships" xmlns:p="http://schemas.openxmlformats.org/presentationml/2006/main">
+  <p:cSld>
+    <p:spTree>
+      <p:nvGrpSpPr>
+        <p:cNvPr id="1" name=""/>
+        <p:cNvGrpSpPr/>
+        <p:nvPr/>
+      </p:nvGrpSpPr>
+      <p:grpSpPr>
+        <a:xfrm>
+          <a:off x="0" y="0"/>
+          <a:ext cx="0" cy="0"/>
+          <a:chOff x="0" y="0"/>
+          <a:chExt cx="0" cy="0"/>
+        </a:xfrm>
+      </p:grpSpPr>
+      <p:sp>
+        <p:nvSpPr>
+          <p:cNvPr id="2" name="Title 1">
+            <a:extLst>
+              <a:ext uri="{FF2B5EF4-FFF2-40B4-BE49-F238E27FC236}">
                 <a16:creationId xmlns:a16="http://schemas.microsoft.com/office/drawing/2014/main" id="{1574A382-A5CB-43FE-D20F-3195F7305996}"/>
               </a:ext>
             </a:extLst>
@@ -4658,7 +5353,7 @@
           <a:graphicData uri="http://schemas.openxmlformats.org/presentationml/2006/ole">
             <mc:AlternateContent xmlns:mc="http://schemas.openxmlformats.org/markup-compatibility/2006">
               <mc:Choice xmlns:v="urn:schemas-microsoft-com:vml" Requires="v">
-                <p:oleObj spid="_x0000_s1082" name="Bitmap Image" r:id="rId3" imgW="18278640" imgH="8982000" progId="Paint.Picture">
+                <p:oleObj spid="_x0000_s1084" name="Bitmap Image" r:id="rId3" imgW="18278640" imgH="8982000" progId="Paint.Picture">
                   <p:embed/>
                 </p:oleObj>
               </mc:Choice>
@@ -4706,110 +5401,6 @@
 </p:sld>
 </file>
 
-<file path=ppt/slides/slide2.xml><?xml version="1.0" encoding="utf-8"?>
-<p:sld xmlns:a="http://schemas.openxmlformats.org/drawingml/2006/main" xmlns:r="http://schemas.openxmlformats.org/officeDocument/2006/relationships" xmlns:p="http://schemas.openxmlformats.org/presentationml/2006/main">
-  <p:cSld>
-    <p:spTree>
-      <p:nvGrpSpPr>
-        <p:cNvPr id="1" name=""/>
-        <p:cNvGrpSpPr/>
-        <p:nvPr/>
-      </p:nvGrpSpPr>
-      <p:grpSpPr>
-        <a:xfrm>
-          <a:off x="0" y="0"/>
-          <a:ext cx="0" cy="0"/>
-          <a:chOff x="0" y="0"/>
-          <a:chExt cx="0" cy="0"/>
-        </a:xfrm>
-      </p:grpSpPr>
-      <p:sp>
-        <p:nvSpPr>
-          <p:cNvPr id="2" name="Title 1">
-            <a:extLst>
-              <a:ext uri="{FF2B5EF4-FFF2-40B4-BE49-F238E27FC236}">
-                <a16:creationId xmlns:a16="http://schemas.microsoft.com/office/drawing/2014/main" id="{899800D0-566B-252E-C2AD-84D8A47460F3}"/>
-              </a:ext>
-            </a:extLst>
-          </p:cNvPr>
-          <p:cNvSpPr>
-            <a:spLocks noGrp="1"/>
-          </p:cNvSpPr>
-          <p:nvPr>
-            <p:ph type="title"/>
-          </p:nvPr>
-        </p:nvSpPr>
-        <p:spPr/>
-        <p:txBody>
-          <a:bodyPr/>
-          <a:lstStyle/>
-          <a:p>
-            <a:r>
-              <a:rPr lang="en-US" dirty="0"/>
-              <a:t>Contents</a:t>
-            </a:r>
-          </a:p>
-        </p:txBody>
-      </p:sp>
-      <p:sp>
-        <p:nvSpPr>
-          <p:cNvPr id="3" name="Content Placeholder 2">
-            <a:extLst>
-              <a:ext uri="{FF2B5EF4-FFF2-40B4-BE49-F238E27FC236}">
-                <a16:creationId xmlns:a16="http://schemas.microsoft.com/office/drawing/2014/main" id="{1541F3AE-EFFC-035A-00AA-6CB6C8FBBE5B}"/>
-              </a:ext>
-            </a:extLst>
-          </p:cNvPr>
-          <p:cNvSpPr>
-            <a:spLocks noGrp="1"/>
-          </p:cNvSpPr>
-          <p:nvPr>
-            <p:ph idx="1"/>
-          </p:nvPr>
-        </p:nvSpPr>
-        <p:spPr/>
-        <p:txBody>
-          <a:bodyPr/>
-          <a:lstStyle/>
-          <a:p>
-            <a:r>
-              <a:rPr lang="en-US" dirty="0"/>
-              <a:t>Backend</a:t>
-            </a:r>
-          </a:p>
-          <a:p>
-            <a:r>
-              <a:rPr lang="en-US" dirty="0"/>
-              <a:t>Frontend</a:t>
-            </a:r>
-          </a:p>
-          <a:p>
-            <a:r>
-              <a:rPr lang="en-US" dirty="0"/>
-              <a:t>IDE</a:t>
-            </a:r>
-          </a:p>
-          <a:p>
-            <a:r>
-              <a:rPr lang="en-US" dirty="0"/>
-              <a:t>Deployment</a:t>
-            </a:r>
-          </a:p>
-        </p:txBody>
-      </p:sp>
-    </p:spTree>
-    <p:extLst>
-      <p:ext uri="{BB962C8B-B14F-4D97-AF65-F5344CB8AC3E}">
-        <p14:creationId xmlns:p14="http://schemas.microsoft.com/office/powerpoint/2010/main" val="1332605355"/>
-      </p:ext>
-    </p:extLst>
-  </p:cSld>
-  <p:clrMapOvr>
-    <a:masterClrMapping/>
-  </p:clrMapOvr>
-</p:sld>
-</file>
-
 <file path=ppt/slides/slide3.xml><?xml version="1.0" encoding="utf-8"?>
 <p:sld xmlns:a="http://schemas.openxmlformats.org/drawingml/2006/main" xmlns:r="http://schemas.openxmlformats.org/officeDocument/2006/relationships" xmlns:p="http://schemas.openxmlformats.org/presentationml/2006/main">
   <p:cSld>
@@ -5234,222 +5825,6 @@
           <a:p>
             <a:r>
               <a:rPr lang="en-US" dirty="0"/>
-              <a:t>Frontend</a:t>
-            </a:r>
-          </a:p>
-        </p:txBody>
-      </p:sp>
-      <p:sp>
-        <p:nvSpPr>
-          <p:cNvPr id="3" name="Content Placeholder 2">
-            <a:extLst>
-              <a:ext uri="{FF2B5EF4-FFF2-40B4-BE49-F238E27FC236}">
-                <a16:creationId xmlns:a16="http://schemas.microsoft.com/office/drawing/2014/main" id="{CAE1F6D7-C61B-5D8E-92F9-5211A69E70D0}"/>
-              </a:ext>
-            </a:extLst>
-          </p:cNvPr>
-          <p:cNvSpPr>
-            <a:spLocks noGrp="1"/>
-          </p:cNvSpPr>
-          <p:nvPr>
-            <p:ph sz="half" idx="1"/>
-          </p:nvPr>
-        </p:nvSpPr>
-        <p:spPr>
-          <a:xfrm>
-            <a:off x="1447330" y="2010878"/>
-            <a:ext cx="6325069" cy="3448595"/>
-          </a:xfrm>
-        </p:spPr>
-        <p:txBody>
-          <a:bodyPr/>
-          <a:lstStyle/>
-          <a:p>
-            <a:r>
-              <a:rPr lang="en-US" dirty="0"/>
-              <a:t>Based on </a:t>
-            </a:r>
-            <a:r>
-              <a:rPr lang="en-US" dirty="0">
-                <a:solidFill>
-                  <a:srgbClr val="FF0000"/>
-                </a:solidFill>
-              </a:rPr>
-              <a:t>Next.js</a:t>
-            </a:r>
-            <a:r>
-              <a:rPr lang="en-US" dirty="0"/>
-              <a:t> and </a:t>
-            </a:r>
-            <a:r>
-              <a:rPr lang="en-US" dirty="0">
-                <a:solidFill>
-                  <a:srgbClr val="FF0000"/>
-                </a:solidFill>
-              </a:rPr>
-              <a:t>React</a:t>
-            </a:r>
-          </a:p>
-          <a:p>
-            <a:r>
-              <a:rPr lang="en-US" dirty="0"/>
-              <a:t>Provides web page component structures</a:t>
-            </a:r>
-          </a:p>
-          <a:p>
-            <a:pPr lvl="1"/>
-            <a:r>
-              <a:rPr lang="en-US" dirty="0"/>
-              <a:t>Such as log-in page and problem pages</a:t>
-            </a:r>
-          </a:p>
-          <a:p>
-            <a:r>
-              <a:rPr lang="en-US" dirty="0"/>
-              <a:t>Communicates with backend to fetch contents with </a:t>
-            </a:r>
-            <a:r>
-              <a:rPr lang="en-US" dirty="0">
-                <a:solidFill>
-                  <a:srgbClr val="FF0000"/>
-                </a:solidFill>
-              </a:rPr>
-              <a:t>API</a:t>
-            </a:r>
-          </a:p>
-          <a:p>
-            <a:endParaRPr lang="en-US" dirty="0"/>
-          </a:p>
-          <a:p>
-            <a:endParaRPr lang="en-US" dirty="0"/>
-          </a:p>
-        </p:txBody>
-      </p:sp>
-      <p:pic>
-        <p:nvPicPr>
-          <p:cNvPr id="8" name="Picture 7" descr="Icon&#10;&#10;Description automatically generated">
-            <a:extLst>
-              <a:ext uri="{FF2B5EF4-FFF2-40B4-BE49-F238E27FC236}">
-                <a16:creationId xmlns:a16="http://schemas.microsoft.com/office/drawing/2014/main" id="{C963061E-09BF-9E6A-6AAD-FAF34CA842F1}"/>
-              </a:ext>
-            </a:extLst>
-          </p:cNvPr>
-          <p:cNvPicPr>
-            <a:picLocks noChangeAspect="1"/>
-          </p:cNvPicPr>
-          <p:nvPr/>
-        </p:nvPicPr>
-        <p:blipFill>
-          <a:blip r:embed="rId2">
-            <a:extLst>
-              <a:ext uri="{28A0092B-C50C-407E-A947-70E740481C1C}">
-                <a14:useLocalDpi xmlns:a14="http://schemas.microsoft.com/office/drawing/2010/main" val="0"/>
-              </a:ext>
-            </a:extLst>
-          </a:blip>
-          <a:stretch>
-            <a:fillRect/>
-          </a:stretch>
-        </p:blipFill>
-        <p:spPr>
-          <a:xfrm>
-            <a:off x="8483102" y="2615987"/>
-            <a:ext cx="2571750" cy="2238375"/>
-          </a:xfrm>
-          <a:prstGeom prst="rect">
-            <a:avLst/>
-          </a:prstGeom>
-        </p:spPr>
-      </p:pic>
-      <p:pic>
-        <p:nvPicPr>
-          <p:cNvPr id="12" name="Picture 11" descr="Shape&#10;&#10;Description automatically generated with medium confidence">
-            <a:extLst>
-              <a:ext uri="{FF2B5EF4-FFF2-40B4-BE49-F238E27FC236}">
-                <a16:creationId xmlns:a16="http://schemas.microsoft.com/office/drawing/2014/main" id="{121801F2-D7EC-548C-FF23-DA844289956A}"/>
-              </a:ext>
-            </a:extLst>
-          </p:cNvPr>
-          <p:cNvPicPr>
-            <a:picLocks noChangeAspect="1"/>
-          </p:cNvPicPr>
-          <p:nvPr/>
-        </p:nvPicPr>
-        <p:blipFill>
-          <a:blip r:embed="rId3">
-            <a:extLst>
-              <a:ext uri="{28A0092B-C50C-407E-A947-70E740481C1C}">
-                <a14:useLocalDpi xmlns:a14="http://schemas.microsoft.com/office/drawing/2010/main" val="0"/>
-              </a:ext>
-            </a:extLst>
-          </a:blip>
-          <a:stretch>
-            <a:fillRect/>
-          </a:stretch>
-        </p:blipFill>
-        <p:spPr>
-          <a:xfrm>
-            <a:off x="8006852" y="35394"/>
-            <a:ext cx="3048000" cy="1828800"/>
-          </a:xfrm>
-          <a:prstGeom prst="rect">
-            <a:avLst/>
-          </a:prstGeom>
-        </p:spPr>
-      </p:pic>
-    </p:spTree>
-    <p:extLst>
-      <p:ext uri="{BB962C8B-B14F-4D97-AF65-F5344CB8AC3E}">
-        <p14:creationId xmlns:p14="http://schemas.microsoft.com/office/powerpoint/2010/main" val="3196668361"/>
-      </p:ext>
-    </p:extLst>
-  </p:cSld>
-  <p:clrMapOvr>
-    <a:masterClrMapping/>
-  </p:clrMapOvr>
-</p:sld>
-</file>
-
-<file path=ppt/slides/slide6.xml><?xml version="1.0" encoding="utf-8"?>
-<p:sld xmlns:a="http://schemas.openxmlformats.org/drawingml/2006/main" xmlns:r="http://schemas.openxmlformats.org/officeDocument/2006/relationships" xmlns:p="http://schemas.openxmlformats.org/presentationml/2006/main">
-  <p:cSld>
-    <p:spTree>
-      <p:nvGrpSpPr>
-        <p:cNvPr id="1" name=""/>
-        <p:cNvGrpSpPr/>
-        <p:nvPr/>
-      </p:nvGrpSpPr>
-      <p:grpSpPr>
-        <a:xfrm>
-          <a:off x="0" y="0"/>
-          <a:ext cx="0" cy="0"/>
-          <a:chOff x="0" y="0"/>
-          <a:chExt cx="0" cy="0"/>
-        </a:xfrm>
-      </p:grpSpPr>
-      <p:sp>
-        <p:nvSpPr>
-          <p:cNvPr id="2" name="Title 1">
-            <a:extLst>
-              <a:ext uri="{FF2B5EF4-FFF2-40B4-BE49-F238E27FC236}">
-                <a16:creationId xmlns:a16="http://schemas.microsoft.com/office/drawing/2014/main" id="{158E3F08-B73A-2028-F758-B185CB047CD8}"/>
-              </a:ext>
-            </a:extLst>
-          </p:cNvPr>
-          <p:cNvSpPr>
-            <a:spLocks noGrp="1"/>
-          </p:cNvSpPr>
-          <p:nvPr>
-            <p:ph type="title"/>
-          </p:nvPr>
-        </p:nvSpPr>
-        <p:spPr/>
-        <p:txBody>
-          <a:bodyPr/>
-          <a:lstStyle/>
-          <a:p>
-            <a:r>
-              <a:rPr lang="en-US" dirty="0"/>
               <a:t>How to communicate </a:t>
             </a:r>
             <a:br>
@@ -6127,7 +6502,7 @@
 </p:sld>
 </file>
 
-<file path=ppt/slides/slide7.xml><?xml version="1.0" encoding="utf-8"?>
+<file path=ppt/slides/slide6.xml><?xml version="1.0" encoding="utf-8"?>
 <p:sld xmlns:a="http://schemas.openxmlformats.org/drawingml/2006/main" xmlns:r="http://schemas.openxmlformats.org/officeDocument/2006/relationships" xmlns:p="http://schemas.openxmlformats.org/presentationml/2006/main">
   <p:cSld>
     <p:spTree>
@@ -6846,6 +7221,187 @@
 </p:sld>
 </file>
 
+<file path=ppt/slides/slide7.xml><?xml version="1.0" encoding="utf-8"?>
+<p:sld xmlns:a="http://schemas.openxmlformats.org/drawingml/2006/main" xmlns:r="http://schemas.openxmlformats.org/officeDocument/2006/relationships" xmlns:p="http://schemas.openxmlformats.org/presentationml/2006/main">
+  <p:cSld>
+    <p:spTree>
+      <p:nvGrpSpPr>
+        <p:cNvPr id="1" name=""/>
+        <p:cNvGrpSpPr/>
+        <p:nvPr/>
+      </p:nvGrpSpPr>
+      <p:grpSpPr>
+        <a:xfrm>
+          <a:off x="0" y="0"/>
+          <a:ext cx="0" cy="0"/>
+          <a:chOff x="0" y="0"/>
+          <a:chExt cx="0" cy="0"/>
+        </a:xfrm>
+      </p:grpSpPr>
+      <p:sp>
+        <p:nvSpPr>
+          <p:cNvPr id="2" name="Title 1">
+            <a:extLst>
+              <a:ext uri="{FF2B5EF4-FFF2-40B4-BE49-F238E27FC236}">
+                <a16:creationId xmlns:a16="http://schemas.microsoft.com/office/drawing/2014/main" id="{C290008B-81C5-40D7-790A-FA53BA47D600}"/>
+              </a:ext>
+            </a:extLst>
+          </p:cNvPr>
+          <p:cNvSpPr>
+            <a:spLocks noGrp="1"/>
+          </p:cNvSpPr>
+          <p:nvPr>
+            <p:ph type="title"/>
+          </p:nvPr>
+        </p:nvSpPr>
+        <p:spPr/>
+        <p:txBody>
+          <a:bodyPr/>
+          <a:lstStyle/>
+          <a:p>
+            <a:r>
+              <a:rPr lang="en-US" dirty="0"/>
+              <a:t>IDE</a:t>
+            </a:r>
+          </a:p>
+        </p:txBody>
+      </p:sp>
+      <p:sp>
+        <p:nvSpPr>
+          <p:cNvPr id="3" name="Content Placeholder 2">
+            <a:extLst>
+              <a:ext uri="{FF2B5EF4-FFF2-40B4-BE49-F238E27FC236}">
+                <a16:creationId xmlns:a16="http://schemas.microsoft.com/office/drawing/2014/main" id="{FABC8D7F-46DE-6E8D-EF75-E618C891897A}"/>
+              </a:ext>
+            </a:extLst>
+          </p:cNvPr>
+          <p:cNvSpPr>
+            <a:spLocks noGrp="1"/>
+          </p:cNvSpPr>
+          <p:nvPr>
+            <p:ph sz="half" idx="1"/>
+          </p:nvPr>
+        </p:nvSpPr>
+        <p:spPr>
+          <a:xfrm>
+            <a:off x="1447330" y="2010878"/>
+            <a:ext cx="7239470" cy="4042233"/>
+          </a:xfrm>
+        </p:spPr>
+        <p:txBody>
+          <a:bodyPr>
+            <a:normAutofit/>
+          </a:bodyPr>
+          <a:lstStyle/>
+          <a:p>
+            <a:r>
+              <a:rPr lang="en-US" dirty="0">
+                <a:solidFill>
+                  <a:srgbClr val="FF0000"/>
+                </a:solidFill>
+              </a:rPr>
+              <a:t>(modified) </a:t>
+            </a:r>
+            <a:r>
+              <a:rPr lang="en-US" dirty="0"/>
+              <a:t>Using </a:t>
+            </a:r>
+            <a:r>
+              <a:rPr lang="en-US" dirty="0" err="1"/>
+              <a:t>nodejs</a:t>
+            </a:r>
+            <a:r>
+              <a:rPr lang="en-US" dirty="0"/>
+              <a:t> Python-shell for code executing</a:t>
+            </a:r>
+            <a:br>
+              <a:rPr lang="en-US" dirty="0"/>
+            </a:br>
+            <a:r>
+              <a:rPr lang="en-US" dirty="0">
+                <a:sym typeface="Wingdings" panose="05000000000000000000" pitchFamily="2" charset="2"/>
+              </a:rPr>
+              <a:t> secure issue, server attack, access to other user’s code…</a:t>
+            </a:r>
+            <a:br>
+              <a:rPr lang="en-US" dirty="0">
+                <a:sym typeface="Wingdings" panose="05000000000000000000" pitchFamily="2" charset="2"/>
+              </a:rPr>
+            </a:br>
+            <a:r>
+              <a:rPr lang="en-US" dirty="0">
+                <a:sym typeface="Wingdings" panose="05000000000000000000" pitchFamily="2" charset="2"/>
+              </a:rPr>
+              <a:t> Virtualizing with Docker container</a:t>
+            </a:r>
+          </a:p>
+          <a:p>
+            <a:r>
+              <a:rPr lang="en-US" dirty="0">
+                <a:solidFill>
+                  <a:srgbClr val="FF0000"/>
+                </a:solidFill>
+                <a:sym typeface="Wingdings" panose="05000000000000000000" pitchFamily="2" charset="2"/>
+              </a:rPr>
+              <a:t>(added) </a:t>
+            </a:r>
+            <a:r>
+              <a:rPr lang="en-US" dirty="0">
+                <a:sym typeface="Wingdings" panose="05000000000000000000" pitchFamily="2" charset="2"/>
+              </a:rPr>
+              <a:t>Timeout 10 sec, Long output denied</a:t>
+            </a:r>
+          </a:p>
+          <a:p>
+            <a:r>
+              <a:rPr lang="en-US" dirty="0"/>
+              <a:t>(fixed) Post request to server with code</a:t>
+            </a:r>
+          </a:p>
+          <a:p>
+            <a:r>
+              <a:rPr lang="en-US" altLang="ko-KR" dirty="0"/>
+              <a:t>(fixed) </a:t>
+            </a:r>
+            <a:r>
+              <a:rPr lang="en-US" dirty="0"/>
+              <a:t>Code-Mirror IDE design</a:t>
+            </a:r>
+          </a:p>
+          <a:p>
+            <a:r>
+              <a:rPr lang="en-US" altLang="ko-KR" dirty="0"/>
+              <a:t>(fixed) run with input, grading correct answers</a:t>
+            </a:r>
+          </a:p>
+          <a:p>
+            <a:r>
+              <a:rPr lang="en-US" altLang="ko-KR" dirty="0"/>
+              <a:t>(fixed) </a:t>
+            </a:r>
+            <a:r>
+              <a:rPr lang="en-US" dirty="0"/>
+              <a:t>Code save and load for user</a:t>
+            </a:r>
+          </a:p>
+          <a:p>
+            <a:endParaRPr lang="en-US" dirty="0"/>
+          </a:p>
+        </p:txBody>
+      </p:sp>
+    </p:spTree>
+    <p:extLst>
+      <p:ext uri="{BB962C8B-B14F-4D97-AF65-F5344CB8AC3E}">
+        <p14:creationId xmlns:p14="http://schemas.microsoft.com/office/powerpoint/2010/main" val="1937169403"/>
+      </p:ext>
+    </p:extLst>
+  </p:cSld>
+  <p:clrMapOvr>
+    <a:masterClrMapping/>
+  </p:clrMapOvr>
+</p:sld>
+</file>
+
 <file path=ppt/slides/slide8.xml><?xml version="1.0" encoding="utf-8"?>
 <p:sld xmlns:a="http://schemas.openxmlformats.org/drawingml/2006/main" xmlns:r="http://schemas.openxmlformats.org/officeDocument/2006/relationships" xmlns:p="http://schemas.openxmlformats.org/presentationml/2006/main">
   <p:cSld>
@@ -6868,7 +7424,7 @@
           <p:cNvPr id="2" name="Title 1">
             <a:extLst>
               <a:ext uri="{FF2B5EF4-FFF2-40B4-BE49-F238E27FC236}">
-                <a16:creationId xmlns:a16="http://schemas.microsoft.com/office/drawing/2014/main" id="{C290008B-81C5-40D7-790A-FA53BA47D600}"/>
+                <a16:creationId xmlns:a16="http://schemas.microsoft.com/office/drawing/2014/main" id="{158E3F08-B73A-2028-F758-B185CB047CD8}"/>
               </a:ext>
             </a:extLst>
           </p:cNvPr>
@@ -6886,7 +7442,7 @@
           <a:p>
             <a:r>
               <a:rPr lang="en-US" dirty="0"/>
-              <a:t>IDE</a:t>
+              <a:t>Frontend</a:t>
             </a:r>
           </a:p>
         </p:txBody>
@@ -6896,7 +7452,7 @@
           <p:cNvPr id="3" name="Content Placeholder 2">
             <a:extLst>
               <a:ext uri="{FF2B5EF4-FFF2-40B4-BE49-F238E27FC236}">
-                <a16:creationId xmlns:a16="http://schemas.microsoft.com/office/drawing/2014/main" id="{FABC8D7F-46DE-6E8D-EF75-E618C891897A}"/>
+                <a16:creationId xmlns:a16="http://schemas.microsoft.com/office/drawing/2014/main" id="{CAE1F6D7-C61B-5D8E-92F9-5211A69E70D0}"/>
               </a:ext>
             </a:extLst>
           </p:cNvPr>
@@ -6910,114 +7466,149 @@
         <p:spPr>
           <a:xfrm>
             <a:off x="1447330" y="2010878"/>
-            <a:ext cx="7239470" cy="4042233"/>
-          </a:xfrm>
-        </p:spPr>
-        <p:txBody>
-          <a:bodyPr>
-            <a:normAutofit/>
-          </a:bodyPr>
-          <a:lstStyle/>
-          <a:p>
+            <a:ext cx="6325069" cy="3448595"/>
+          </a:xfrm>
+        </p:spPr>
+        <p:txBody>
+          <a:bodyPr/>
+          <a:lstStyle/>
+          <a:p>
+            <a:r>
+              <a:rPr lang="en-US" dirty="0"/>
+              <a:t>Based on </a:t>
+            </a:r>
             <a:r>
               <a:rPr lang="en-US" dirty="0">
                 <a:solidFill>
                   <a:srgbClr val="FF0000"/>
                 </a:solidFill>
               </a:rPr>
-              <a:t>(modified) </a:t>
+              <a:t>Next.js</a:t>
             </a:r>
             <a:r>
               <a:rPr lang="en-US" dirty="0"/>
-              <a:t>Using </a:t>
-            </a:r>
-            <a:r>
-              <a:rPr lang="en-US" dirty="0" err="1"/>
-              <a:t>nodejs</a:t>
-            </a:r>
-            <a:r>
-              <a:rPr lang="en-US" dirty="0"/>
-              <a:t> Python-shell for code executing</a:t>
-            </a:r>
-            <a:br>
-              <a:rPr lang="en-US" dirty="0"/>
-            </a:br>
-            <a:r>
-              <a:rPr lang="en-US" dirty="0">
-                <a:sym typeface="Wingdings" panose="05000000000000000000" pitchFamily="2" charset="2"/>
-              </a:rPr>
-              <a:t> secure issue, server attack, access to other user’s code…</a:t>
-            </a:r>
-            <a:br>
-              <a:rPr lang="en-US" dirty="0">
-                <a:sym typeface="Wingdings" panose="05000000000000000000" pitchFamily="2" charset="2"/>
-              </a:rPr>
-            </a:br>
-            <a:r>
-              <a:rPr lang="en-US" dirty="0">
-                <a:sym typeface="Wingdings" panose="05000000000000000000" pitchFamily="2" charset="2"/>
-              </a:rPr>
-              <a:t> Virtualizing with Docker container</a:t>
-            </a:r>
-          </a:p>
-          <a:p>
+              <a:t> and </a:t>
+            </a:r>
             <a:r>
               <a:rPr lang="en-US" dirty="0">
                 <a:solidFill>
                   <a:srgbClr val="FF0000"/>
                 </a:solidFill>
-                <a:sym typeface="Wingdings" panose="05000000000000000000" pitchFamily="2" charset="2"/>
               </a:rPr>
-              <a:t>(added) </a:t>
+              <a:t>React</a:t>
+            </a:r>
+          </a:p>
+          <a:p>
+            <a:r>
+              <a:rPr lang="en-US" dirty="0"/>
+              <a:t>Provides web page component structures</a:t>
+            </a:r>
+          </a:p>
+          <a:p>
+            <a:pPr lvl="1"/>
+            <a:r>
+              <a:rPr lang="en-US" dirty="0"/>
+              <a:t>Such as log-in page and problem pages</a:t>
+            </a:r>
+          </a:p>
+          <a:p>
+            <a:r>
+              <a:rPr lang="en-US" dirty="0"/>
+              <a:t>Communicates with backend to fetch contents with </a:t>
             </a:r>
             <a:r>
               <a:rPr lang="en-US" dirty="0">
-                <a:sym typeface="Wingdings" panose="05000000000000000000" pitchFamily="2" charset="2"/>
+                <a:solidFill>
+                  <a:srgbClr val="FF0000"/>
+                </a:solidFill>
               </a:rPr>
-              <a:t>Timeout 10 sec, Long output denied</a:t>
-            </a:r>
-          </a:p>
-          <a:p>
-            <a:r>
-              <a:rPr lang="en-US" dirty="0"/>
-              <a:t>(fixed) Post request to server with code</a:t>
-            </a:r>
-          </a:p>
-          <a:p>
-            <a:r>
-              <a:rPr lang="en-US" altLang="ko-KR" dirty="0"/>
-              <a:t>(fixed) </a:t>
-            </a:r>
-            <a:r>
-              <a:rPr lang="en-US" dirty="0"/>
-              <a:t>Code-Mirror IDE design</a:t>
-            </a:r>
-          </a:p>
-          <a:p>
-            <a:r>
-              <a:rPr lang="en-US" altLang="ko-KR" dirty="0"/>
-              <a:t>(fixed) run with input, grading correct answers</a:t>
-            </a:r>
-          </a:p>
-          <a:p>
-            <a:r>
-              <a:rPr lang="en-US" altLang="ko-KR" dirty="0"/>
-              <a:t>(fixed) </a:t>
-            </a:r>
-            <a:r>
-              <a:rPr lang="en-US" dirty="0"/>
-              <a:t>Code save and load for user</a:t>
+              <a:t>API</a:t>
             </a:r>
           </a:p>
           <a:p>
             <a:endParaRPr lang="en-US" dirty="0"/>
           </a:p>
-        </p:txBody>
-      </p:sp>
+          <a:p>
+            <a:endParaRPr lang="en-US" dirty="0"/>
+          </a:p>
+        </p:txBody>
+      </p:sp>
+      <p:pic>
+        <p:nvPicPr>
+          <p:cNvPr id="8" name="Picture 7" descr="Icon&#10;&#10;Description automatically generated">
+            <a:extLst>
+              <a:ext uri="{FF2B5EF4-FFF2-40B4-BE49-F238E27FC236}">
+                <a16:creationId xmlns:a16="http://schemas.microsoft.com/office/drawing/2014/main" id="{C963061E-09BF-9E6A-6AAD-FAF34CA842F1}"/>
+              </a:ext>
+            </a:extLst>
+          </p:cNvPr>
+          <p:cNvPicPr>
+            <a:picLocks noChangeAspect="1"/>
+          </p:cNvPicPr>
+          <p:nvPr/>
+        </p:nvPicPr>
+        <p:blipFill>
+          <a:blip r:embed="rId2">
+            <a:extLst>
+              <a:ext uri="{28A0092B-C50C-407E-A947-70E740481C1C}">
+                <a14:useLocalDpi xmlns:a14="http://schemas.microsoft.com/office/drawing/2010/main" val="0"/>
+              </a:ext>
+            </a:extLst>
+          </a:blip>
+          <a:stretch>
+            <a:fillRect/>
+          </a:stretch>
+        </p:blipFill>
+        <p:spPr>
+          <a:xfrm>
+            <a:off x="8483102" y="2615987"/>
+            <a:ext cx="2571750" cy="2238375"/>
+          </a:xfrm>
+          <a:prstGeom prst="rect">
+            <a:avLst/>
+          </a:prstGeom>
+        </p:spPr>
+      </p:pic>
+      <p:pic>
+        <p:nvPicPr>
+          <p:cNvPr id="12" name="Picture 11" descr="Shape&#10;&#10;Description automatically generated with medium confidence">
+            <a:extLst>
+              <a:ext uri="{FF2B5EF4-FFF2-40B4-BE49-F238E27FC236}">
+                <a16:creationId xmlns:a16="http://schemas.microsoft.com/office/drawing/2014/main" id="{121801F2-D7EC-548C-FF23-DA844289956A}"/>
+              </a:ext>
+            </a:extLst>
+          </p:cNvPr>
+          <p:cNvPicPr>
+            <a:picLocks noChangeAspect="1"/>
+          </p:cNvPicPr>
+          <p:nvPr/>
+        </p:nvPicPr>
+        <p:blipFill>
+          <a:blip r:embed="rId3">
+            <a:extLst>
+              <a:ext uri="{28A0092B-C50C-407E-A947-70E740481C1C}">
+                <a14:useLocalDpi xmlns:a14="http://schemas.microsoft.com/office/drawing/2010/main" val="0"/>
+              </a:ext>
+            </a:extLst>
+          </a:blip>
+          <a:stretch>
+            <a:fillRect/>
+          </a:stretch>
+        </p:blipFill>
+        <p:spPr>
+          <a:xfrm>
+            <a:off x="8006852" y="35394"/>
+            <a:ext cx="3048000" cy="1828800"/>
+          </a:xfrm>
+          <a:prstGeom prst="rect">
+            <a:avLst/>
+          </a:prstGeom>
+        </p:spPr>
+      </p:pic>
     </p:spTree>
     <p:extLst>
       <p:ext uri="{BB962C8B-B14F-4D97-AF65-F5344CB8AC3E}">
-        <p14:creationId xmlns:p14="http://schemas.microsoft.com/office/powerpoint/2010/main" val="1937169403"/>
+        <p14:creationId xmlns:p14="http://schemas.microsoft.com/office/powerpoint/2010/main" val="3196668361"/>
       </p:ext>
     </p:extLst>
   </p:cSld>
@@ -7080,282 +7671,6 @@
           </a:prstGeom>
         </p:spPr>
       </p:pic>
-      <p:pic>
-        <p:nvPicPr>
-          <p:cNvPr id="5" name="Picture 4">
-            <a:extLst>
-              <a:ext uri="{FF2B5EF4-FFF2-40B4-BE49-F238E27FC236}">
-                <a16:creationId xmlns:a16="http://schemas.microsoft.com/office/drawing/2014/main" id="{6E2DA83A-23F7-9BA2-C4A9-8F705488D962}"/>
-              </a:ext>
-            </a:extLst>
-          </p:cNvPr>
-          <p:cNvPicPr>
-            <a:picLocks noChangeAspect="1"/>
-          </p:cNvPicPr>
-          <p:nvPr/>
-        </p:nvPicPr>
-        <p:blipFill>
-          <a:blip r:embed="rId3">
-            <a:extLst>
-              <a:ext uri="{28A0092B-C50C-407E-A947-70E740481C1C}">
-                <a14:useLocalDpi xmlns:a14="http://schemas.microsoft.com/office/drawing/2010/main" val="0"/>
-              </a:ext>
-            </a:extLst>
-          </a:blip>
-          <a:stretch>
-            <a:fillRect/>
-          </a:stretch>
-        </p:blipFill>
-        <p:spPr>
-          <a:xfrm>
-            <a:off x="0" y="482600"/>
-            <a:ext cx="12192000" cy="5892800"/>
-          </a:xfrm>
-          <a:prstGeom prst="rect">
-            <a:avLst/>
-          </a:prstGeom>
-        </p:spPr>
-      </p:pic>
-      <p:pic>
-        <p:nvPicPr>
-          <p:cNvPr id="7" name="Picture 6">
-            <a:extLst>
-              <a:ext uri="{FF2B5EF4-FFF2-40B4-BE49-F238E27FC236}">
-                <a16:creationId xmlns:a16="http://schemas.microsoft.com/office/drawing/2014/main" id="{E02BC8FC-06EE-22FB-2015-0235E4478A5B}"/>
-              </a:ext>
-            </a:extLst>
-          </p:cNvPr>
-          <p:cNvPicPr>
-            <a:picLocks noChangeAspect="1"/>
-          </p:cNvPicPr>
-          <p:nvPr/>
-        </p:nvPicPr>
-        <p:blipFill>
-          <a:blip r:embed="rId4">
-            <a:extLst>
-              <a:ext uri="{28A0092B-C50C-407E-A947-70E740481C1C}">
-                <a14:useLocalDpi xmlns:a14="http://schemas.microsoft.com/office/drawing/2010/main" val="0"/>
-              </a:ext>
-            </a:extLst>
-          </a:blip>
-          <a:stretch>
-            <a:fillRect/>
-          </a:stretch>
-        </p:blipFill>
-        <p:spPr>
-          <a:xfrm>
-            <a:off x="0" y="474710"/>
-            <a:ext cx="12192000" cy="5919739"/>
-          </a:xfrm>
-          <a:prstGeom prst="rect">
-            <a:avLst/>
-          </a:prstGeom>
-        </p:spPr>
-      </p:pic>
-      <p:pic>
-        <p:nvPicPr>
-          <p:cNvPr id="9" name="Picture 8" descr="Diagram&#10;&#10;Description automatically generated">
-            <a:extLst>
-              <a:ext uri="{FF2B5EF4-FFF2-40B4-BE49-F238E27FC236}">
-                <a16:creationId xmlns:a16="http://schemas.microsoft.com/office/drawing/2014/main" id="{A8415701-7194-2477-CD7E-98A068CC631B}"/>
-              </a:ext>
-            </a:extLst>
-          </p:cNvPr>
-          <p:cNvPicPr>
-            <a:picLocks noChangeAspect="1"/>
-          </p:cNvPicPr>
-          <p:nvPr/>
-        </p:nvPicPr>
-        <p:blipFill>
-          <a:blip r:embed="rId5">
-            <a:extLst>
-              <a:ext uri="{28A0092B-C50C-407E-A947-70E740481C1C}">
-                <a14:useLocalDpi xmlns:a14="http://schemas.microsoft.com/office/drawing/2010/main" val="0"/>
-              </a:ext>
-            </a:extLst>
-          </a:blip>
-          <a:stretch>
-            <a:fillRect/>
-          </a:stretch>
-        </p:blipFill>
-        <p:spPr>
-          <a:xfrm>
-            <a:off x="0" y="479425"/>
-            <a:ext cx="12192000" cy="5899150"/>
-          </a:xfrm>
-          <a:prstGeom prst="rect">
-            <a:avLst/>
-          </a:prstGeom>
-        </p:spPr>
-      </p:pic>
-      <p:pic>
-        <p:nvPicPr>
-          <p:cNvPr id="11" name="Picture 10">
-            <a:extLst>
-              <a:ext uri="{FF2B5EF4-FFF2-40B4-BE49-F238E27FC236}">
-                <a16:creationId xmlns:a16="http://schemas.microsoft.com/office/drawing/2014/main" id="{48008421-6EEC-EDB3-5BB7-E01E897690EF}"/>
-              </a:ext>
-            </a:extLst>
-          </p:cNvPr>
-          <p:cNvPicPr>
-            <a:picLocks noChangeAspect="1"/>
-          </p:cNvPicPr>
-          <p:nvPr/>
-        </p:nvPicPr>
-        <p:blipFill>
-          <a:blip r:embed="rId6">
-            <a:extLst>
-              <a:ext uri="{28A0092B-C50C-407E-A947-70E740481C1C}">
-                <a14:useLocalDpi xmlns:a14="http://schemas.microsoft.com/office/drawing/2010/main" val="0"/>
-              </a:ext>
-            </a:extLst>
-          </a:blip>
-          <a:stretch>
-            <a:fillRect/>
-          </a:stretch>
-        </p:blipFill>
-        <p:spPr>
-          <a:xfrm>
-            <a:off x="0" y="482600"/>
-            <a:ext cx="12192000" cy="5892800"/>
-          </a:xfrm>
-          <a:prstGeom prst="rect">
-            <a:avLst/>
-          </a:prstGeom>
-        </p:spPr>
-      </p:pic>
-      <p:pic>
-        <p:nvPicPr>
-          <p:cNvPr id="13" name="Picture 12" descr="A picture containing diagram&#10;&#10;Description automatically generated">
-            <a:extLst>
-              <a:ext uri="{FF2B5EF4-FFF2-40B4-BE49-F238E27FC236}">
-                <a16:creationId xmlns:a16="http://schemas.microsoft.com/office/drawing/2014/main" id="{5D04AB47-3F9F-B14F-BF5A-F83ECCA9AC27}"/>
-              </a:ext>
-            </a:extLst>
-          </p:cNvPr>
-          <p:cNvPicPr>
-            <a:picLocks noChangeAspect="1"/>
-          </p:cNvPicPr>
-          <p:nvPr/>
-        </p:nvPicPr>
-        <p:blipFill>
-          <a:blip r:embed="rId7">
-            <a:extLst>
-              <a:ext uri="{28A0092B-C50C-407E-A947-70E740481C1C}">
-                <a14:useLocalDpi xmlns:a14="http://schemas.microsoft.com/office/drawing/2010/main" val="0"/>
-              </a:ext>
-            </a:extLst>
-          </a:blip>
-          <a:stretch>
-            <a:fillRect/>
-          </a:stretch>
-        </p:blipFill>
-        <p:spPr>
-          <a:xfrm>
-            <a:off x="0" y="488950"/>
-            <a:ext cx="12192000" cy="5880100"/>
-          </a:xfrm>
-          <a:prstGeom prst="rect">
-            <a:avLst/>
-          </a:prstGeom>
-        </p:spPr>
-      </p:pic>
-      <p:pic>
-        <p:nvPicPr>
-          <p:cNvPr id="15" name="Picture 14" descr="Graphical user interface, text, application, email&#10;&#10;Description automatically generated">
-            <a:extLst>
-              <a:ext uri="{FF2B5EF4-FFF2-40B4-BE49-F238E27FC236}">
-                <a16:creationId xmlns:a16="http://schemas.microsoft.com/office/drawing/2014/main" id="{C2E300A7-C71F-E9E4-53F6-342464CCA5F2}"/>
-              </a:ext>
-            </a:extLst>
-          </p:cNvPr>
-          <p:cNvPicPr>
-            <a:picLocks noChangeAspect="1"/>
-          </p:cNvPicPr>
-          <p:nvPr/>
-        </p:nvPicPr>
-        <p:blipFill>
-          <a:blip r:embed="rId8">
-            <a:extLst>
-              <a:ext uri="{28A0092B-C50C-407E-A947-70E740481C1C}">
-                <a14:useLocalDpi xmlns:a14="http://schemas.microsoft.com/office/drawing/2010/main" val="0"/>
-              </a:ext>
-            </a:extLst>
-          </a:blip>
-          <a:stretch>
-            <a:fillRect/>
-          </a:stretch>
-        </p:blipFill>
-        <p:spPr>
-          <a:xfrm>
-            <a:off x="0" y="479425"/>
-            <a:ext cx="12192000" cy="5899150"/>
-          </a:xfrm>
-          <a:prstGeom prst="rect">
-            <a:avLst/>
-          </a:prstGeom>
-        </p:spPr>
-      </p:pic>
-      <p:pic>
-        <p:nvPicPr>
-          <p:cNvPr id="8" name="그림 7">
-            <a:extLst>
-              <a:ext uri="{FF2B5EF4-FFF2-40B4-BE49-F238E27FC236}">
-                <a16:creationId xmlns:a16="http://schemas.microsoft.com/office/drawing/2014/main" id="{5D157CC3-8475-4DA8-B394-28F6C07F2870}"/>
-              </a:ext>
-            </a:extLst>
-          </p:cNvPr>
-          <p:cNvPicPr>
-            <a:picLocks noChangeAspect="1"/>
-          </p:cNvPicPr>
-          <p:nvPr/>
-        </p:nvPicPr>
-        <p:blipFill>
-          <a:blip r:embed="rId9"/>
-          <a:stretch>
-            <a:fillRect/>
-          </a:stretch>
-        </p:blipFill>
-        <p:spPr>
-          <a:xfrm>
-            <a:off x="0" y="474711"/>
-            <a:ext cx="12192000" cy="5908577"/>
-          </a:xfrm>
-          <a:prstGeom prst="rect">
-            <a:avLst/>
-          </a:prstGeom>
-        </p:spPr>
-      </p:pic>
-      <p:pic>
-        <p:nvPicPr>
-          <p:cNvPr id="16" name="그림 15">
-            <a:extLst>
-              <a:ext uri="{FF2B5EF4-FFF2-40B4-BE49-F238E27FC236}">
-                <a16:creationId xmlns:a16="http://schemas.microsoft.com/office/drawing/2014/main" id="{5560A079-6ADD-469A-B742-200761ABDB8E}"/>
-              </a:ext>
-            </a:extLst>
-          </p:cNvPr>
-          <p:cNvPicPr>
-            <a:picLocks noChangeAspect="1"/>
-          </p:cNvPicPr>
-          <p:nvPr/>
-        </p:nvPicPr>
-        <p:blipFill>
-          <a:blip r:embed="rId10"/>
-          <a:stretch>
-            <a:fillRect/>
-          </a:stretch>
-        </p:blipFill>
-        <p:spPr>
-          <a:xfrm>
-            <a:off x="0" y="482706"/>
-            <a:ext cx="12192000" cy="5892588"/>
-          </a:xfrm>
-          <a:prstGeom prst="rect">
-            <a:avLst/>
-          </a:prstGeom>
-        </p:spPr>
-      </p:pic>
     </p:spTree>
     <p:extLst>
       <p:ext uri="{BB962C8B-B14F-4D97-AF65-F5344CB8AC3E}">
@@ -7366,396 +7681,6 @@
   <p:clrMapOvr>
     <a:masterClrMapping/>
   </p:clrMapOvr>
-  <p:timing>
-    <p:tnLst>
-      <p:par>
-        <p:cTn id="1" dur="indefinite" restart="never" nodeType="tmRoot">
-          <p:childTnLst>
-            <p:seq concurrent="1" nextAc="seek">
-              <p:cTn id="2" dur="indefinite" nodeType="mainSeq">
-                <p:childTnLst>
-                  <p:par>
-                    <p:cTn id="3" fill="hold">
-                      <p:stCondLst>
-                        <p:cond delay="indefinite"/>
-                      </p:stCondLst>
-                      <p:childTnLst>
-                        <p:par>
-                          <p:cTn id="4" fill="hold">
-                            <p:stCondLst>
-                              <p:cond delay="0"/>
-                            </p:stCondLst>
-                            <p:childTnLst>
-                              <p:par>
-                                <p:cTn id="5" presetID="1" presetClass="entr" presetSubtype="0" fill="hold" nodeType="clickEffect">
-                                  <p:stCondLst>
-                                    <p:cond delay="0"/>
-                                  </p:stCondLst>
-                                  <p:childTnLst>
-                                    <p:set>
-                                      <p:cBhvr>
-                                        <p:cTn id="6" dur="1" fill="hold">
-                                          <p:stCondLst>
-                                            <p:cond delay="0"/>
-                                          </p:stCondLst>
-                                        </p:cTn>
-                                        <p:tgtEl>
-                                          <p:spTgt spid="5"/>
-                                        </p:tgtEl>
-                                        <p:attrNameLst>
-                                          <p:attrName>style.visibility</p:attrName>
-                                        </p:attrNameLst>
-                                      </p:cBhvr>
-                                      <p:to>
-                                        <p:strVal val="visible"/>
-                                      </p:to>
-                                    </p:set>
-                                  </p:childTnLst>
-                                </p:cTn>
-                              </p:par>
-                            </p:childTnLst>
-                          </p:cTn>
-                        </p:par>
-                      </p:childTnLst>
-                    </p:cTn>
-                  </p:par>
-                  <p:par>
-                    <p:cTn id="7" fill="hold">
-                      <p:stCondLst>
-                        <p:cond delay="indefinite"/>
-                      </p:stCondLst>
-                      <p:childTnLst>
-                        <p:par>
-                          <p:cTn id="8" fill="hold">
-                            <p:stCondLst>
-                              <p:cond delay="0"/>
-                            </p:stCondLst>
-                            <p:childTnLst>
-                              <p:par>
-                                <p:cTn id="9" presetID="1" presetClass="entr" presetSubtype="0" fill="hold" nodeType="clickEffect">
-                                  <p:stCondLst>
-                                    <p:cond delay="0"/>
-                                  </p:stCondLst>
-                                  <p:childTnLst>
-                                    <p:set>
-                                      <p:cBhvr>
-                                        <p:cTn id="10" dur="1" fill="hold">
-                                          <p:stCondLst>
-                                            <p:cond delay="0"/>
-                                          </p:stCondLst>
-                                        </p:cTn>
-                                        <p:tgtEl>
-                                          <p:spTgt spid="7"/>
-                                        </p:tgtEl>
-                                        <p:attrNameLst>
-                                          <p:attrName>style.visibility</p:attrName>
-                                        </p:attrNameLst>
-                                      </p:cBhvr>
-                                      <p:to>
-                                        <p:strVal val="visible"/>
-                                      </p:to>
-                                    </p:set>
-                                  </p:childTnLst>
-                                </p:cTn>
-                              </p:par>
-                            </p:childTnLst>
-                          </p:cTn>
-                        </p:par>
-                      </p:childTnLst>
-                    </p:cTn>
-                  </p:par>
-                  <p:par>
-                    <p:cTn id="11" fill="hold">
-                      <p:stCondLst>
-                        <p:cond delay="indefinite"/>
-                      </p:stCondLst>
-                      <p:childTnLst>
-                        <p:par>
-                          <p:cTn id="12" fill="hold">
-                            <p:stCondLst>
-                              <p:cond delay="0"/>
-                            </p:stCondLst>
-                            <p:childTnLst>
-                              <p:par>
-                                <p:cTn id="13" presetID="1" presetClass="entr" presetSubtype="0" fill="hold" nodeType="clickEffect">
-                                  <p:stCondLst>
-                                    <p:cond delay="0"/>
-                                  </p:stCondLst>
-                                  <p:childTnLst>
-                                    <p:set>
-                                      <p:cBhvr>
-                                        <p:cTn id="14" dur="1" fill="hold">
-                                          <p:stCondLst>
-                                            <p:cond delay="0"/>
-                                          </p:stCondLst>
-                                        </p:cTn>
-                                        <p:tgtEl>
-                                          <p:spTgt spid="9"/>
-                                        </p:tgtEl>
-                                        <p:attrNameLst>
-                                          <p:attrName>style.visibility</p:attrName>
-                                        </p:attrNameLst>
-                                      </p:cBhvr>
-                                      <p:to>
-                                        <p:strVal val="visible"/>
-                                      </p:to>
-                                    </p:set>
-                                  </p:childTnLst>
-                                </p:cTn>
-                              </p:par>
-                            </p:childTnLst>
-                          </p:cTn>
-                        </p:par>
-                      </p:childTnLst>
-                    </p:cTn>
-                  </p:par>
-                  <p:par>
-                    <p:cTn id="15" fill="hold">
-                      <p:stCondLst>
-                        <p:cond delay="indefinite"/>
-                      </p:stCondLst>
-                      <p:childTnLst>
-                        <p:par>
-                          <p:cTn id="16" fill="hold">
-                            <p:stCondLst>
-                              <p:cond delay="0"/>
-                            </p:stCondLst>
-                            <p:childTnLst>
-                              <p:par>
-                                <p:cTn id="17" presetID="1" presetClass="entr" presetSubtype="0" fill="hold" nodeType="clickEffect">
-                                  <p:stCondLst>
-                                    <p:cond delay="0"/>
-                                  </p:stCondLst>
-                                  <p:childTnLst>
-                                    <p:set>
-                                      <p:cBhvr>
-                                        <p:cTn id="18" dur="1" fill="hold">
-                                          <p:stCondLst>
-                                            <p:cond delay="0"/>
-                                          </p:stCondLst>
-                                        </p:cTn>
-                                        <p:tgtEl>
-                                          <p:spTgt spid="11"/>
-                                        </p:tgtEl>
-                                        <p:attrNameLst>
-                                          <p:attrName>style.visibility</p:attrName>
-                                        </p:attrNameLst>
-                                      </p:cBhvr>
-                                      <p:to>
-                                        <p:strVal val="visible"/>
-                                      </p:to>
-                                    </p:set>
-                                  </p:childTnLst>
-                                </p:cTn>
-                              </p:par>
-                            </p:childTnLst>
-                          </p:cTn>
-                        </p:par>
-                      </p:childTnLst>
-                    </p:cTn>
-                  </p:par>
-                  <p:par>
-                    <p:cTn id="19" fill="hold">
-                      <p:stCondLst>
-                        <p:cond delay="indefinite"/>
-                      </p:stCondLst>
-                      <p:childTnLst>
-                        <p:par>
-                          <p:cTn id="20" fill="hold">
-                            <p:stCondLst>
-                              <p:cond delay="0"/>
-                            </p:stCondLst>
-                            <p:childTnLst>
-                              <p:par>
-                                <p:cTn id="21" presetID="1" presetClass="entr" presetSubtype="0" fill="hold" nodeType="clickEffect">
-                                  <p:stCondLst>
-                                    <p:cond delay="0"/>
-                                  </p:stCondLst>
-                                  <p:childTnLst>
-                                    <p:set>
-                                      <p:cBhvr>
-                                        <p:cTn id="22" dur="1" fill="hold">
-                                          <p:stCondLst>
-                                            <p:cond delay="0"/>
-                                          </p:stCondLst>
-                                        </p:cTn>
-                                        <p:tgtEl>
-                                          <p:spTgt spid="13"/>
-                                        </p:tgtEl>
-                                        <p:attrNameLst>
-                                          <p:attrName>style.visibility</p:attrName>
-                                        </p:attrNameLst>
-                                      </p:cBhvr>
-                                      <p:to>
-                                        <p:strVal val="visible"/>
-                                      </p:to>
-                                    </p:set>
-                                  </p:childTnLst>
-                                </p:cTn>
-                              </p:par>
-                            </p:childTnLst>
-                          </p:cTn>
-                        </p:par>
-                      </p:childTnLst>
-                    </p:cTn>
-                  </p:par>
-                  <p:par>
-                    <p:cTn id="23" fill="hold">
-                      <p:stCondLst>
-                        <p:cond delay="indefinite"/>
-                      </p:stCondLst>
-                      <p:childTnLst>
-                        <p:par>
-                          <p:cTn id="24" fill="hold">
-                            <p:stCondLst>
-                              <p:cond delay="0"/>
-                            </p:stCondLst>
-                            <p:childTnLst>
-                              <p:par>
-                                <p:cTn id="25" presetID="1" presetClass="entr" presetSubtype="0" fill="hold" nodeType="clickEffect">
-                                  <p:stCondLst>
-                                    <p:cond delay="0"/>
-                                  </p:stCondLst>
-                                  <p:childTnLst>
-                                    <p:set>
-                                      <p:cBhvr>
-                                        <p:cTn id="26" dur="1" fill="hold">
-                                          <p:stCondLst>
-                                            <p:cond delay="0"/>
-                                          </p:stCondLst>
-                                        </p:cTn>
-                                        <p:tgtEl>
-                                          <p:spTgt spid="15"/>
-                                        </p:tgtEl>
-                                        <p:attrNameLst>
-                                          <p:attrName>style.visibility</p:attrName>
-                                        </p:attrNameLst>
-                                      </p:cBhvr>
-                                      <p:to>
-                                        <p:strVal val="visible"/>
-                                      </p:to>
-                                    </p:set>
-                                  </p:childTnLst>
-                                </p:cTn>
-                              </p:par>
-                            </p:childTnLst>
-                          </p:cTn>
-                        </p:par>
-                      </p:childTnLst>
-                    </p:cTn>
-                  </p:par>
-                  <p:par>
-                    <p:cTn id="27" fill="hold">
-                      <p:stCondLst>
-                        <p:cond delay="indefinite"/>
-                      </p:stCondLst>
-                      <p:childTnLst>
-                        <p:par>
-                          <p:cTn id="28" fill="hold">
-                            <p:stCondLst>
-                              <p:cond delay="0"/>
-                            </p:stCondLst>
-                            <p:childTnLst>
-                              <p:par>
-                                <p:cTn id="29" presetID="1" presetClass="entr" presetSubtype="0" fill="hold" nodeType="clickEffect">
-                                  <p:stCondLst>
-                                    <p:cond delay="0"/>
-                                  </p:stCondLst>
-                                  <p:childTnLst>
-                                    <p:set>
-                                      <p:cBhvr>
-                                        <p:cTn id="30" dur="1" fill="hold">
-                                          <p:stCondLst>
-                                            <p:cond delay="0"/>
-                                          </p:stCondLst>
-                                        </p:cTn>
-                                        <p:tgtEl>
-                                          <p:spTgt spid="8"/>
-                                        </p:tgtEl>
-                                        <p:attrNameLst>
-                                          <p:attrName>style.visibility</p:attrName>
-                                        </p:attrNameLst>
-                                      </p:cBhvr>
-                                      <p:to>
-                                        <p:strVal val="visible"/>
-                                      </p:to>
-                                    </p:set>
-                                  </p:childTnLst>
-                                </p:cTn>
-                              </p:par>
-                            </p:childTnLst>
-                          </p:cTn>
-                        </p:par>
-                      </p:childTnLst>
-                    </p:cTn>
-                  </p:par>
-                  <p:par>
-                    <p:cTn id="31" fill="hold">
-                      <p:stCondLst>
-                        <p:cond delay="indefinite"/>
-                      </p:stCondLst>
-                      <p:childTnLst>
-                        <p:par>
-                          <p:cTn id="32" fill="hold">
-                            <p:stCondLst>
-                              <p:cond delay="0"/>
-                            </p:stCondLst>
-                            <p:childTnLst>
-                              <p:par>
-                                <p:cTn id="33" presetID="1" presetClass="entr" presetSubtype="0" fill="hold" nodeType="clickEffect">
-                                  <p:stCondLst>
-                                    <p:cond delay="0"/>
-                                  </p:stCondLst>
-                                  <p:childTnLst>
-                                    <p:set>
-                                      <p:cBhvr>
-                                        <p:cTn id="34" dur="1" fill="hold">
-                                          <p:stCondLst>
-                                            <p:cond delay="0"/>
-                                          </p:stCondLst>
-                                        </p:cTn>
-                                        <p:tgtEl>
-                                          <p:spTgt spid="16"/>
-                                        </p:tgtEl>
-                                        <p:attrNameLst>
-                                          <p:attrName>style.visibility</p:attrName>
-                                        </p:attrNameLst>
-                                      </p:cBhvr>
-                                      <p:to>
-                                        <p:strVal val="visible"/>
-                                      </p:to>
-                                    </p:set>
-                                  </p:childTnLst>
-                                </p:cTn>
-                              </p:par>
-                            </p:childTnLst>
-                          </p:cTn>
-                        </p:par>
-                      </p:childTnLst>
-                    </p:cTn>
-                  </p:par>
-                </p:childTnLst>
-              </p:cTn>
-              <p:prevCondLst>
-                <p:cond evt="onPrev" delay="0">
-                  <p:tgtEl>
-                    <p:sldTgt/>
-                  </p:tgtEl>
-                </p:cond>
-              </p:prevCondLst>
-              <p:nextCondLst>
-                <p:cond evt="onNext" delay="0">
-                  <p:tgtEl>
-                    <p:sldTgt/>
-                  </p:tgtEl>
-                </p:cond>
-              </p:nextCondLst>
-            </p:seq>
-          </p:childTnLst>
-        </p:cTn>
-      </p:par>
-    </p:tnLst>
-  </p:timing>
 </p:sld>
 </file>
 
